--- a/presentations/7 - Amazing Charts & How to Make Them.pptx
+++ b/presentations/7 - Amazing Charts & How to Make Them.pptx
@@ -5,7 +5,7 @@
     <p:sldMasterId id="2147483648" r:id="rId1"/>
   </p:sldMasterIdLst>
   <p:notesMasterIdLst>
-    <p:notesMasterId r:id="rId28"/>
+    <p:notesMasterId r:id="rId32"/>
   </p:notesMasterIdLst>
   <p:sldIdLst>
     <p:sldId id="256" r:id="rId2"/>
@@ -15,25 +15,29 @@
     <p:sldId id="370" r:id="rId6"/>
     <p:sldId id="287" r:id="rId7"/>
     <p:sldId id="427" r:id="rId8"/>
-    <p:sldId id="288" r:id="rId9"/>
-    <p:sldId id="320" r:id="rId10"/>
-    <p:sldId id="372" r:id="rId11"/>
-    <p:sldId id="395" r:id="rId12"/>
-    <p:sldId id="411" r:id="rId13"/>
-    <p:sldId id="423" r:id="rId14"/>
-    <p:sldId id="409" r:id="rId15"/>
-    <p:sldId id="405" r:id="rId16"/>
-    <p:sldId id="398" r:id="rId17"/>
-    <p:sldId id="399" r:id="rId18"/>
-    <p:sldId id="401" r:id="rId19"/>
-    <p:sldId id="396" r:id="rId20"/>
-    <p:sldId id="373" r:id="rId21"/>
-    <p:sldId id="391" r:id="rId22"/>
-    <p:sldId id="406" r:id="rId23"/>
-    <p:sldId id="410" r:id="rId24"/>
-    <p:sldId id="424" r:id="rId25"/>
-    <p:sldId id="400" r:id="rId26"/>
-    <p:sldId id="374" r:id="rId27"/>
+    <p:sldId id="257" r:id="rId9"/>
+    <p:sldId id="258" r:id="rId10"/>
+    <p:sldId id="259" r:id="rId11"/>
+    <p:sldId id="260" r:id="rId12"/>
+    <p:sldId id="288" r:id="rId13"/>
+    <p:sldId id="320" r:id="rId14"/>
+    <p:sldId id="372" r:id="rId15"/>
+    <p:sldId id="395" r:id="rId16"/>
+    <p:sldId id="411" r:id="rId17"/>
+    <p:sldId id="423" r:id="rId18"/>
+    <p:sldId id="409" r:id="rId19"/>
+    <p:sldId id="405" r:id="rId20"/>
+    <p:sldId id="398" r:id="rId21"/>
+    <p:sldId id="399" r:id="rId22"/>
+    <p:sldId id="401" r:id="rId23"/>
+    <p:sldId id="396" r:id="rId24"/>
+    <p:sldId id="373" r:id="rId25"/>
+    <p:sldId id="391" r:id="rId26"/>
+    <p:sldId id="406" r:id="rId27"/>
+    <p:sldId id="410" r:id="rId28"/>
+    <p:sldId id="424" r:id="rId29"/>
+    <p:sldId id="400" r:id="rId30"/>
+    <p:sldId id="374" r:id="rId31"/>
   </p:sldIdLst>
   <p:sldSz cx="12192000" cy="6858000"/>
   <p:notesSz cx="6858000" cy="9144000"/>
@@ -132,6 +136,11 @@
       </a:defRPr>
     </a:lvl9pPr>
   </p:defaultTextStyle>
+  <p:extLst>
+    <p:ext uri="{EFAFB233-063F-42B5-8137-9DF3F51BA10A}">
+      <p15:sldGuideLst xmlns:p15="http://schemas.microsoft.com/office/powerpoint/2012/main"/>
+    </p:ext>
+  </p:extLst>
 </p:presentation>
 </file>
 
@@ -217,7 +226,7 @@
           <a:p>
             <a:fld id="{BFFD2DDA-602E-4F19-A783-DC094F1ABEC6}" type="datetimeFigureOut">
               <a:rPr lang="en-US" smtClean="0"/>
-              <a:t>9/12/2023</a:t>
+              <a:t>11/12/2023</a:t>
             </a:fld>
             <a:endParaRPr lang="en-US"/>
           </a:p>
@@ -580,7 +589,7 @@
           <a:p>
             <a:fld id="{AD86E2D3-8F12-4CB7-B6F3-018CFC08298B}" type="slidenum">
               <a:rPr lang="en-US" smtClean="0"/>
-              <a:t>8</a:t>
+              <a:t>12</a:t>
             </a:fld>
             <a:endParaRPr lang="en-US"/>
           </a:p>
@@ -667,7 +676,7 @@
           <a:p>
             <a:fld id="{AD86E2D3-8F12-4CB7-B6F3-018CFC08298B}" type="slidenum">
               <a:rPr lang="en-US" smtClean="0"/>
-              <a:t>25</a:t>
+              <a:t>29</a:t>
             </a:fld>
             <a:endParaRPr lang="en-US"/>
           </a:p>
@@ -801,7 +810,7 @@
           <a:p>
             <a:fld id="{AD86E2D3-8F12-4CB7-B6F3-018CFC08298B}" type="slidenum">
               <a:rPr lang="en-US" smtClean="0"/>
-              <a:t>9</a:t>
+              <a:t>13</a:t>
             </a:fld>
             <a:endParaRPr lang="en-US"/>
           </a:p>
@@ -888,7 +897,7 @@
           <a:p>
             <a:fld id="{AD86E2D3-8F12-4CB7-B6F3-018CFC08298B}" type="slidenum">
               <a:rPr lang="en-US" smtClean="0"/>
-              <a:t>10</a:t>
+              <a:t>14</a:t>
             </a:fld>
             <a:endParaRPr lang="en-US"/>
           </a:p>
@@ -972,7 +981,7 @@
           <a:p>
             <a:fld id="{AD86E2D3-8F12-4CB7-B6F3-018CFC08298B}" type="slidenum">
               <a:rPr lang="en-US" smtClean="0"/>
-              <a:t>11</a:t>
+              <a:t>15</a:t>
             </a:fld>
             <a:endParaRPr lang="en-US"/>
           </a:p>
@@ -1066,7 +1075,7 @@
           <a:p>
             <a:fld id="{AD86E2D3-8F12-4CB7-B6F3-018CFC08298B}" type="slidenum">
               <a:rPr lang="en-US" smtClean="0"/>
-              <a:t>13</a:t>
+              <a:t>17</a:t>
             </a:fld>
             <a:endParaRPr lang="en-US"/>
           </a:p>
@@ -1161,7 +1170,7 @@
           <a:p>
             <a:fld id="{AD86E2D3-8F12-4CB7-B6F3-018CFC08298B}" type="slidenum">
               <a:rPr lang="en-US" smtClean="0"/>
-              <a:t>14</a:t>
+              <a:t>18</a:t>
             </a:fld>
             <a:endParaRPr lang="en-US"/>
           </a:p>
@@ -1248,7 +1257,7 @@
           <a:p>
             <a:fld id="{AD86E2D3-8F12-4CB7-B6F3-018CFC08298B}" type="slidenum">
               <a:rPr lang="en-US" smtClean="0"/>
-              <a:t>16</a:t>
+              <a:t>20</a:t>
             </a:fld>
             <a:endParaRPr lang="en-US"/>
           </a:p>
@@ -1335,7 +1344,7 @@
           <a:p>
             <a:fld id="{AD86E2D3-8F12-4CB7-B6F3-018CFC08298B}" type="slidenum">
               <a:rPr lang="en-US" smtClean="0"/>
-              <a:t>20</a:t>
+              <a:t>24</a:t>
             </a:fld>
             <a:endParaRPr lang="en-US"/>
           </a:p>
@@ -1428,7 +1437,7 @@
           <a:p>
             <a:fld id="{AD86E2D3-8F12-4CB7-B6F3-018CFC08298B}" type="slidenum">
               <a:rPr lang="en-US" smtClean="0"/>
-              <a:t>23</a:t>
+              <a:t>27</a:t>
             </a:fld>
             <a:endParaRPr lang="en-US"/>
           </a:p>
@@ -1594,7 +1603,7 @@
           <a:p>
             <a:fld id="{966C5B6F-7896-49D8-8688-6D421650665D}" type="datetimeFigureOut">
               <a:rPr lang="en-US" smtClean="0"/>
-              <a:t>9/12/2023</a:t>
+              <a:t>11/12/2023</a:t>
             </a:fld>
             <a:endParaRPr lang="en-US"/>
           </a:p>
@@ -1792,7 +1801,7 @@
           <a:p>
             <a:fld id="{966C5B6F-7896-49D8-8688-6D421650665D}" type="datetimeFigureOut">
               <a:rPr lang="en-US" smtClean="0"/>
-              <a:t>9/12/2023</a:t>
+              <a:t>11/12/2023</a:t>
             </a:fld>
             <a:endParaRPr lang="en-US"/>
           </a:p>
@@ -2000,7 +2009,7 @@
           <a:p>
             <a:fld id="{966C5B6F-7896-49D8-8688-6D421650665D}" type="datetimeFigureOut">
               <a:rPr lang="en-US" smtClean="0"/>
-              <a:t>9/12/2023</a:t>
+              <a:t>11/12/2023</a:t>
             </a:fld>
             <a:endParaRPr lang="en-US"/>
           </a:p>
@@ -2198,7 +2207,7 @@
           <a:p>
             <a:fld id="{966C5B6F-7896-49D8-8688-6D421650665D}" type="datetimeFigureOut">
               <a:rPr lang="en-US" smtClean="0"/>
-              <a:t>9/12/2023</a:t>
+              <a:t>11/12/2023</a:t>
             </a:fld>
             <a:endParaRPr lang="en-US"/>
           </a:p>
@@ -2473,7 +2482,7 @@
           <a:p>
             <a:fld id="{966C5B6F-7896-49D8-8688-6D421650665D}" type="datetimeFigureOut">
               <a:rPr lang="en-US" smtClean="0"/>
-              <a:t>9/12/2023</a:t>
+              <a:t>11/12/2023</a:t>
             </a:fld>
             <a:endParaRPr lang="en-US"/>
           </a:p>
@@ -2738,7 +2747,7 @@
           <a:p>
             <a:fld id="{966C5B6F-7896-49D8-8688-6D421650665D}" type="datetimeFigureOut">
               <a:rPr lang="en-US" smtClean="0"/>
-              <a:t>9/12/2023</a:t>
+              <a:t>11/12/2023</a:t>
             </a:fld>
             <a:endParaRPr lang="en-US"/>
           </a:p>
@@ -3150,7 +3159,7 @@
           <a:p>
             <a:fld id="{966C5B6F-7896-49D8-8688-6D421650665D}" type="datetimeFigureOut">
               <a:rPr lang="en-US" smtClean="0"/>
-              <a:t>9/12/2023</a:t>
+              <a:t>11/12/2023</a:t>
             </a:fld>
             <a:endParaRPr lang="en-US"/>
           </a:p>
@@ -3291,7 +3300,7 @@
           <a:p>
             <a:fld id="{966C5B6F-7896-49D8-8688-6D421650665D}" type="datetimeFigureOut">
               <a:rPr lang="en-US" smtClean="0"/>
-              <a:t>9/12/2023</a:t>
+              <a:t>11/12/2023</a:t>
             </a:fld>
             <a:endParaRPr lang="en-US"/>
           </a:p>
@@ -3404,7 +3413,7 @@
           <a:p>
             <a:fld id="{966C5B6F-7896-49D8-8688-6D421650665D}" type="datetimeFigureOut">
               <a:rPr lang="en-US" smtClean="0"/>
-              <a:t>9/12/2023</a:t>
+              <a:t>11/12/2023</a:t>
             </a:fld>
             <a:endParaRPr lang="en-US"/>
           </a:p>
@@ -3715,7 +3724,7 @@
           <a:p>
             <a:fld id="{966C5B6F-7896-49D8-8688-6D421650665D}" type="datetimeFigureOut">
               <a:rPr lang="en-US" smtClean="0"/>
-              <a:t>9/12/2023</a:t>
+              <a:t>11/12/2023</a:t>
             </a:fld>
             <a:endParaRPr lang="en-US"/>
           </a:p>
@@ -4003,7 +4012,7 @@
           <a:p>
             <a:fld id="{966C5B6F-7896-49D8-8688-6D421650665D}" type="datetimeFigureOut">
               <a:rPr lang="en-US" smtClean="0"/>
-              <a:t>9/12/2023</a:t>
+              <a:t>11/12/2023</a:t>
             </a:fld>
             <a:endParaRPr lang="en-US"/>
           </a:p>
@@ -4244,7 +4253,7 @@
           <a:p>
             <a:fld id="{966C5B6F-7896-49D8-8688-6D421650665D}" type="datetimeFigureOut">
               <a:rPr lang="en-US" smtClean="0"/>
-              <a:t>9/12/2023</a:t>
+              <a:t>11/12/2023</a:t>
             </a:fld>
             <a:endParaRPr lang="en-US"/>
           </a:p>
@@ -4743,6 +4752,3638 @@
       </p:grpSpPr>
       <p:sp>
         <p:nvSpPr>
+          <p:cNvPr id="3" name="Content Placeholder 2">
+            <a:extLst>
+              <a:ext uri="{FF2B5EF4-FFF2-40B4-BE49-F238E27FC236}">
+                <a16:creationId xmlns:a16="http://schemas.microsoft.com/office/drawing/2014/main" id="{C8927463-3869-98F4-3296-99D3D5A0A9AD}"/>
+              </a:ext>
+            </a:extLst>
+          </p:cNvPr>
+          <p:cNvSpPr>
+            <a:spLocks noGrp="1"/>
+          </p:cNvSpPr>
+          <p:nvPr>
+            <p:ph idx="1"/>
+          </p:nvPr>
+        </p:nvSpPr>
+        <p:spPr>
+          <a:xfrm>
+            <a:off x="221877" y="460748"/>
+            <a:ext cx="6797488" cy="6204324"/>
+          </a:xfrm>
+        </p:spPr>
+        <p:txBody>
+          <a:bodyPr>
+            <a:normAutofit/>
+          </a:bodyPr>
+          <a:lstStyle/>
+          <a:p>
+            <a:pPr marL="0" indent="0">
+              <a:buNone/>
+            </a:pPr>
+            <a:r>
+              <a:rPr lang="en-US" sz="2400" i="1" dirty="0"/>
+              <a:t>Pseudocode is the best code</a:t>
+            </a:r>
+          </a:p>
+          <a:p>
+            <a:pPr lvl="1"/>
+            <a:r>
+              <a:rPr lang="en-US" sz="2000" dirty="0"/>
+              <a:t>Set graphical parameters</a:t>
+            </a:r>
+          </a:p>
+          <a:p>
+            <a:pPr lvl="2"/>
+            <a:r>
+              <a:rPr lang="en-US" sz="1600" dirty="0"/>
+              <a:t>Two rows, one column</a:t>
+            </a:r>
+          </a:p>
+          <a:p>
+            <a:pPr lvl="2"/>
+            <a:r>
+              <a:rPr lang="en-US" sz="1600" dirty="0"/>
+              <a:t>Times New Roman</a:t>
+            </a:r>
+          </a:p>
+          <a:p>
+            <a:pPr lvl="1"/>
+            <a:endParaRPr lang="en-US" sz="2000" dirty="0"/>
+          </a:p>
+          <a:p>
+            <a:pPr lvl="1"/>
+            <a:r>
+              <a:rPr lang="en-US" sz="2000" dirty="0"/>
+              <a:t>Use </a:t>
+            </a:r>
+            <a:r>
+              <a:rPr lang="en-US" sz="2000" dirty="0" err="1"/>
+              <a:t>jagshelper</a:t>
+            </a:r>
+            <a:r>
+              <a:rPr lang="en-US" sz="2000" dirty="0"/>
+              <a:t>::envelope for CI envelopes</a:t>
+            </a:r>
+          </a:p>
+          <a:p>
+            <a:pPr lvl="1"/>
+            <a:endParaRPr lang="en-US" sz="2000" dirty="0"/>
+          </a:p>
+          <a:p>
+            <a:pPr lvl="1"/>
+            <a:r>
+              <a:rPr lang="en-US" sz="2000" dirty="0"/>
+              <a:t>Draw points at bottom &amp; top</a:t>
+            </a:r>
+          </a:p>
+          <a:p>
+            <a:pPr lvl="1"/>
+            <a:r>
+              <a:rPr lang="en-US" sz="2000" dirty="0"/>
+              <a:t>Draw the lines in the right places</a:t>
+            </a:r>
+          </a:p>
+          <a:p>
+            <a:pPr lvl="1"/>
+            <a:r>
+              <a:rPr lang="en-US" sz="2000" dirty="0"/>
+              <a:t>Label the 50% line</a:t>
+            </a:r>
+          </a:p>
+          <a:p>
+            <a:pPr lvl="1"/>
+            <a:endParaRPr lang="en-US" sz="2000" dirty="0"/>
+          </a:p>
+          <a:p>
+            <a:pPr lvl="1"/>
+            <a:r>
+              <a:rPr lang="en-US" sz="2000" dirty="0"/>
+              <a:t>Add a legend</a:t>
+            </a:r>
+          </a:p>
+          <a:p>
+            <a:pPr lvl="1"/>
+            <a:endParaRPr lang="en-US" sz="2000" dirty="0"/>
+          </a:p>
+          <a:p>
+            <a:pPr lvl="1"/>
+            <a:endParaRPr lang="en-US" sz="2000" dirty="0"/>
+          </a:p>
+          <a:p>
+            <a:pPr marL="914400" lvl="2" indent="0">
+              <a:buNone/>
+            </a:pPr>
+            <a:endParaRPr lang="en-US" sz="1600" dirty="0"/>
+          </a:p>
+        </p:txBody>
+      </p:sp>
+      <p:pic>
+        <p:nvPicPr>
+          <p:cNvPr id="4" name="Picture">
+            <a:extLst>
+              <a:ext uri="{FF2B5EF4-FFF2-40B4-BE49-F238E27FC236}">
+                <a16:creationId xmlns:a16="http://schemas.microsoft.com/office/drawing/2014/main" id="{00000000-0008-0000-1000-000002000000}"/>
+              </a:ext>
+            </a:extLst>
+          </p:cNvPr>
+          <p:cNvPicPr/>
+          <p:nvPr/>
+        </p:nvPicPr>
+        <p:blipFill>
+          <a:blip r:embed="rId2"/>
+          <a:stretch>
+            <a:fillRect/>
+          </a:stretch>
+        </p:blipFill>
+        <p:spPr bwMode="auto">
+          <a:xfrm>
+            <a:off x="6858000" y="149972"/>
+            <a:ext cx="5334000" cy="6515100"/>
+          </a:xfrm>
+          <a:prstGeom prst="rect">
+            <a:avLst/>
+          </a:prstGeom>
+          <a:noFill/>
+          <a:ln w="9525">
+            <a:noFill/>
+            <a:headEnd/>
+            <a:tailEnd/>
+          </a:ln>
+        </p:spPr>
+      </p:pic>
+    </p:spTree>
+    <p:extLst>
+      <p:ext uri="{BB962C8B-B14F-4D97-AF65-F5344CB8AC3E}">
+        <p14:creationId xmlns:p14="http://schemas.microsoft.com/office/powerpoint/2010/main" val="2679928595"/>
+      </p:ext>
+    </p:extLst>
+  </p:cSld>
+  <p:clrMapOvr>
+    <a:masterClrMapping/>
+  </p:clrMapOvr>
+</p:sld>
+</file>
+
+<file path=ppt/slides/slide11.xml><?xml version="1.0" encoding="utf-8"?>
+<p:sld xmlns:a="http://schemas.openxmlformats.org/drawingml/2006/main" xmlns:r="http://schemas.openxmlformats.org/officeDocument/2006/relationships" xmlns:p="http://schemas.openxmlformats.org/presentationml/2006/main">
+  <p:cSld>
+    <p:spTree>
+      <p:nvGrpSpPr>
+        <p:cNvPr id="1" name=""/>
+        <p:cNvGrpSpPr/>
+        <p:nvPr/>
+      </p:nvGrpSpPr>
+      <p:grpSpPr>
+        <a:xfrm>
+          <a:off x="0" y="0"/>
+          <a:ext cx="0" cy="0"/>
+          <a:chOff x="0" y="0"/>
+          <a:chExt cx="0" cy="0"/>
+        </a:xfrm>
+      </p:grpSpPr>
+      <p:sp>
+        <p:nvSpPr>
+          <p:cNvPr id="3" name="Content Placeholder 2">
+            <a:extLst>
+              <a:ext uri="{FF2B5EF4-FFF2-40B4-BE49-F238E27FC236}">
+                <a16:creationId xmlns:a16="http://schemas.microsoft.com/office/drawing/2014/main" id="{C8927463-3869-98F4-3296-99D3D5A0A9AD}"/>
+              </a:ext>
+            </a:extLst>
+          </p:cNvPr>
+          <p:cNvSpPr>
+            <a:spLocks noGrp="1"/>
+          </p:cNvSpPr>
+          <p:nvPr>
+            <p:ph idx="1"/>
+          </p:nvPr>
+        </p:nvSpPr>
+        <p:spPr>
+          <a:xfrm>
+            <a:off x="221877" y="460748"/>
+            <a:ext cx="6797488" cy="6204324"/>
+          </a:xfrm>
+        </p:spPr>
+        <p:txBody>
+          <a:bodyPr>
+            <a:normAutofit lnSpcReduction="10000"/>
+          </a:bodyPr>
+          <a:lstStyle/>
+          <a:p>
+            <a:pPr marL="0" indent="0">
+              <a:buNone/>
+            </a:pPr>
+            <a:r>
+              <a:rPr lang="en-US" sz="2400" i="1" dirty="0"/>
+              <a:t>Pseudocode is the best code</a:t>
+            </a:r>
+          </a:p>
+          <a:p>
+            <a:pPr lvl="1"/>
+            <a:r>
+              <a:rPr lang="en-US" sz="2000" b="1" dirty="0"/>
+              <a:t>par</a:t>
+            </a:r>
+            <a:r>
+              <a:rPr lang="en-US" sz="2000" dirty="0"/>
+              <a:t>(</a:t>
+            </a:r>
+            <a:r>
+              <a:rPr lang="en-US" sz="2000" dirty="0" err="1"/>
+              <a:t>mfrow</a:t>
+            </a:r>
+            <a:r>
+              <a:rPr lang="en-US" sz="2000" dirty="0"/>
+              <a:t>=c(2,1))  # for layout</a:t>
+            </a:r>
+          </a:p>
+          <a:p>
+            <a:pPr lvl="1"/>
+            <a:r>
+              <a:rPr lang="en-US" sz="2000" b="1" dirty="0"/>
+              <a:t>par</a:t>
+            </a:r>
+            <a:r>
+              <a:rPr lang="en-US" sz="2000" dirty="0"/>
+              <a:t>(family="serif")  # for font</a:t>
+            </a:r>
+          </a:p>
+          <a:p>
+            <a:pPr marL="457200" lvl="1" indent="0">
+              <a:buNone/>
+            </a:pPr>
+            <a:endParaRPr lang="en-US" sz="2000" dirty="0"/>
+          </a:p>
+          <a:p>
+            <a:pPr lvl="1"/>
+            <a:r>
+              <a:rPr lang="en-US" sz="2000" b="1" dirty="0" err="1"/>
+              <a:t>jagshelper</a:t>
+            </a:r>
+            <a:r>
+              <a:rPr lang="en-US" sz="2000" b="1" dirty="0"/>
+              <a:t>::envelope</a:t>
+            </a:r>
+            <a:r>
+              <a:rPr lang="en-US" sz="2000" dirty="0"/>
+              <a:t>(JAGS output plus axis labels, </a:t>
+            </a:r>
+            <a:r>
+              <a:rPr lang="en-US" sz="2000" dirty="0" err="1"/>
+              <a:t>etc</a:t>
+            </a:r>
+            <a:r>
+              <a:rPr lang="en-US" sz="2000" dirty="0"/>
+              <a:t>)  </a:t>
+            </a:r>
+          </a:p>
+          <a:p>
+            <a:pPr lvl="2"/>
+            <a:r>
+              <a:rPr lang="en-US" sz="1800" dirty="0"/>
+              <a:t>for Bayesian interval envelopes</a:t>
+            </a:r>
+          </a:p>
+          <a:p>
+            <a:pPr lvl="2"/>
+            <a:r>
+              <a:rPr lang="en-US" sz="1800" i="1" dirty="0"/>
+              <a:t>Note that this is a function that produces a new plot</a:t>
+            </a:r>
+          </a:p>
+          <a:p>
+            <a:pPr marL="914400" lvl="2" indent="0">
+              <a:buNone/>
+            </a:pPr>
+            <a:endParaRPr lang="en-US" sz="1800" dirty="0"/>
+          </a:p>
+          <a:p>
+            <a:pPr lvl="1"/>
+            <a:r>
+              <a:rPr lang="en-US" sz="2000" b="1" dirty="0"/>
+              <a:t>points</a:t>
+            </a:r>
+            <a:r>
+              <a:rPr lang="en-US" sz="2000" dirty="0"/>
+              <a:t>(x=length, y=maturity, </a:t>
+            </a:r>
+            <a:r>
+              <a:rPr lang="en-US" sz="2000" dirty="0" err="1"/>
+              <a:t>pch</a:t>
+            </a:r>
+            <a:r>
+              <a:rPr lang="en-US" sz="2000" dirty="0"/>
+              <a:t>="|")</a:t>
+            </a:r>
+          </a:p>
+          <a:p>
+            <a:pPr lvl="2"/>
+            <a:r>
+              <a:rPr lang="en-US" sz="1800" dirty="0"/>
+              <a:t>Drawing individual observations of maturity at y=0 or y=1</a:t>
+            </a:r>
+          </a:p>
+          <a:p>
+            <a:pPr lvl="1"/>
+            <a:r>
+              <a:rPr lang="en-US" sz="2000" b="1" dirty="0" err="1"/>
+              <a:t>abline</a:t>
+            </a:r>
+            <a:r>
+              <a:rPr lang="en-US" sz="2000" dirty="0"/>
+              <a:t>(h=0.5, </a:t>
+            </a:r>
+            <a:r>
+              <a:rPr lang="en-US" sz="2000" dirty="0" err="1"/>
+              <a:t>lty</a:t>
+            </a:r>
+            <a:r>
+              <a:rPr lang="en-US" sz="2000" dirty="0"/>
+              <a:t>=3)</a:t>
+            </a:r>
+          </a:p>
+          <a:p>
+            <a:pPr lvl="2"/>
+            <a:r>
+              <a:rPr lang="en-US" sz="1800" dirty="0"/>
+              <a:t>Dotted line at y=50%</a:t>
+            </a:r>
+          </a:p>
+          <a:p>
+            <a:pPr lvl="1"/>
+            <a:r>
+              <a:rPr lang="en-US" sz="2200" b="1" dirty="0"/>
+              <a:t>text</a:t>
+            </a:r>
+            <a:r>
+              <a:rPr lang="en-US" sz="2200" dirty="0"/>
+              <a:t>(x=, y=, labels="50%")</a:t>
+            </a:r>
+          </a:p>
+          <a:p>
+            <a:pPr marL="457200" lvl="1" indent="0">
+              <a:buNone/>
+            </a:pPr>
+            <a:endParaRPr lang="en-US" sz="2200" dirty="0"/>
+          </a:p>
+          <a:p>
+            <a:pPr lvl="1"/>
+            <a:r>
+              <a:rPr lang="en-US" sz="2000" b="1" dirty="0" err="1"/>
+              <a:t>abline</a:t>
+            </a:r>
+            <a:r>
+              <a:rPr lang="en-US" sz="2000" dirty="0"/>
+              <a:t>(v= </a:t>
+            </a:r>
+            <a:r>
+              <a:rPr lang="en-US" sz="2000" dirty="0" err="1"/>
+              <a:t>est</a:t>
+            </a:r>
+            <a:r>
+              <a:rPr lang="en-US" sz="2000" dirty="0"/>
+              <a:t> &amp; CI for length at 50% maturity, </a:t>
+            </a:r>
+          </a:p>
+          <a:p>
+            <a:pPr marL="914400" lvl="2" indent="0">
+              <a:buNone/>
+            </a:pPr>
+            <a:r>
+              <a:rPr lang="en-US" sz="1600" dirty="0" err="1"/>
+              <a:t>lty</a:t>
+            </a:r>
+            <a:r>
+              <a:rPr lang="en-US" sz="1600" dirty="0"/>
+              <a:t>=2, </a:t>
+            </a:r>
+            <a:r>
+              <a:rPr lang="en-US" sz="1600" dirty="0" err="1"/>
+              <a:t>lwd</a:t>
+            </a:r>
+            <a:r>
+              <a:rPr lang="en-US" sz="1600" dirty="0"/>
+              <a:t>=c(2, 3, 2))</a:t>
+            </a:r>
+          </a:p>
+          <a:p>
+            <a:pPr marL="914400" lvl="2" indent="0">
+              <a:buNone/>
+            </a:pPr>
+            <a:endParaRPr lang="en-US" sz="1600" dirty="0"/>
+          </a:p>
+          <a:p>
+            <a:pPr lvl="1"/>
+            <a:r>
+              <a:rPr lang="en-US" sz="2000" b="1" dirty="0"/>
+              <a:t>legend</a:t>
+            </a:r>
+            <a:r>
+              <a:rPr lang="en-US" sz="2000" dirty="0"/>
+              <a:t>(x=, y=, labels=, </a:t>
+            </a:r>
+          </a:p>
+          <a:p>
+            <a:pPr marL="914400" lvl="2" indent="0">
+              <a:buNone/>
+            </a:pPr>
+            <a:r>
+              <a:rPr lang="en-US" sz="1600" dirty="0" err="1"/>
+              <a:t>lty</a:t>
+            </a:r>
+            <a:r>
+              <a:rPr lang="en-US" sz="1600" dirty="0"/>
+              <a:t>=c(1, 2, 2, NA), </a:t>
+            </a:r>
+            <a:r>
+              <a:rPr lang="en-US" sz="1600" dirty="0" err="1"/>
+              <a:t>lwd</a:t>
+            </a:r>
+            <a:r>
+              <a:rPr lang="en-US" sz="1600" dirty="0"/>
+              <a:t>=c(3, 3, 2, NA), </a:t>
+            </a:r>
+          </a:p>
+          <a:p>
+            <a:pPr marL="914400" lvl="2" indent="0">
+              <a:buNone/>
+            </a:pPr>
+            <a:r>
+              <a:rPr lang="en-US" sz="1600" dirty="0" err="1"/>
+              <a:t>pch</a:t>
+            </a:r>
+            <a:r>
+              <a:rPr lang="en-US" sz="1600" dirty="0"/>
+              <a:t>=c(NA, NA, NA, "|"), fill=c("grey", NA, NA, NA))</a:t>
+            </a:r>
+          </a:p>
+          <a:p>
+            <a:pPr lvl="2"/>
+            <a:endParaRPr lang="en-US" sz="1600" dirty="0"/>
+          </a:p>
+        </p:txBody>
+      </p:sp>
+      <p:pic>
+        <p:nvPicPr>
+          <p:cNvPr id="4" name="Picture">
+            <a:extLst>
+              <a:ext uri="{FF2B5EF4-FFF2-40B4-BE49-F238E27FC236}">
+                <a16:creationId xmlns:a16="http://schemas.microsoft.com/office/drawing/2014/main" id="{00000000-0008-0000-1000-000002000000}"/>
+              </a:ext>
+            </a:extLst>
+          </p:cNvPr>
+          <p:cNvPicPr/>
+          <p:nvPr/>
+        </p:nvPicPr>
+        <p:blipFill>
+          <a:blip r:embed="rId2"/>
+          <a:stretch>
+            <a:fillRect/>
+          </a:stretch>
+        </p:blipFill>
+        <p:spPr bwMode="auto">
+          <a:xfrm>
+            <a:off x="6858000" y="149972"/>
+            <a:ext cx="5334000" cy="6515100"/>
+          </a:xfrm>
+          <a:prstGeom prst="rect">
+            <a:avLst/>
+          </a:prstGeom>
+          <a:noFill/>
+          <a:ln w="9525">
+            <a:noFill/>
+            <a:headEnd/>
+            <a:tailEnd/>
+          </a:ln>
+        </p:spPr>
+      </p:pic>
+    </p:spTree>
+    <p:extLst>
+      <p:ext uri="{BB962C8B-B14F-4D97-AF65-F5344CB8AC3E}">
+        <p14:creationId xmlns:p14="http://schemas.microsoft.com/office/powerpoint/2010/main" val="928425189"/>
+      </p:ext>
+    </p:extLst>
+  </p:cSld>
+  <p:clrMapOvr>
+    <a:masterClrMapping/>
+  </p:clrMapOvr>
+</p:sld>
+</file>
+
+<file path=ppt/slides/slide12.xml><?xml version="1.0" encoding="utf-8"?>
+<p:sld xmlns:a="http://schemas.openxmlformats.org/drawingml/2006/main" xmlns:r="http://schemas.openxmlformats.org/officeDocument/2006/relationships" xmlns:p="http://schemas.openxmlformats.org/presentationml/2006/main">
+  <p:cSld>
+    <p:spTree>
+      <p:nvGrpSpPr>
+        <p:cNvPr id="1" name=""/>
+        <p:cNvGrpSpPr/>
+        <p:nvPr/>
+      </p:nvGrpSpPr>
+      <p:grpSpPr>
+        <a:xfrm>
+          <a:off x="0" y="0"/>
+          <a:ext cx="0" cy="0"/>
+          <a:chOff x="0" y="0"/>
+          <a:chExt cx="0" cy="0"/>
+        </a:xfrm>
+      </p:grpSpPr>
+      <p:sp>
+        <p:nvSpPr>
+          <p:cNvPr id="2" name="Title 1">
+            <a:extLst>
+              <a:ext uri="{FF2B5EF4-FFF2-40B4-BE49-F238E27FC236}">
+                <a16:creationId xmlns:a16="http://schemas.microsoft.com/office/drawing/2014/main" id="{4CBB3B2E-33EB-4D88-83CC-6BB7B333153B}"/>
+              </a:ext>
+            </a:extLst>
+          </p:cNvPr>
+          <p:cNvSpPr>
+            <a:spLocks noGrp="1"/>
+          </p:cNvSpPr>
+          <p:nvPr>
+            <p:ph type="title"/>
+          </p:nvPr>
+        </p:nvSpPr>
+        <p:spPr/>
+        <p:txBody>
+          <a:bodyPr/>
+          <a:lstStyle/>
+          <a:p>
+            <a:r>
+              <a:rPr lang="en-US" dirty="0"/>
+              <a:t>ggplot2 – A Modern Plot Solution</a:t>
+            </a:r>
+          </a:p>
+        </p:txBody>
+      </p:sp>
+      <p:sp>
+        <p:nvSpPr>
+          <p:cNvPr id="4" name="Slide Number Placeholder 3">
+            <a:extLst>
+              <a:ext uri="{FF2B5EF4-FFF2-40B4-BE49-F238E27FC236}">
+                <a16:creationId xmlns:a16="http://schemas.microsoft.com/office/drawing/2014/main" id="{8CB28D5C-E81F-4CC9-A0B6-8FF18C4DF7A2}"/>
+              </a:ext>
+            </a:extLst>
+          </p:cNvPr>
+          <p:cNvSpPr>
+            <a:spLocks noGrp="1"/>
+          </p:cNvSpPr>
+          <p:nvPr>
+            <p:ph type="sldNum" sz="quarter" idx="12"/>
+          </p:nvPr>
+        </p:nvSpPr>
+        <p:spPr/>
+        <p:txBody>
+          <a:bodyPr/>
+          <a:lstStyle/>
+          <a:p>
+            <a:fld id="{6D95AE55-B5F4-483D-AEFF-E8059F5502F5}" type="slidenum">
+              <a:rPr lang="en-US" smtClean="0"/>
+              <a:t>12</a:t>
+            </a:fld>
+            <a:endParaRPr lang="en-US"/>
+          </a:p>
+        </p:txBody>
+      </p:sp>
+      <p:grpSp>
+        <p:nvGrpSpPr>
+          <p:cNvPr id="9" name="Group 8">
+            <a:extLst>
+              <a:ext uri="{FF2B5EF4-FFF2-40B4-BE49-F238E27FC236}">
+                <a16:creationId xmlns:a16="http://schemas.microsoft.com/office/drawing/2014/main" id="{CEDED36A-D487-41A0-A75D-59BCD2D99FF0}"/>
+              </a:ext>
+            </a:extLst>
+          </p:cNvPr>
+          <p:cNvGrpSpPr/>
+          <p:nvPr/>
+        </p:nvGrpSpPr>
+        <p:grpSpPr>
+          <a:xfrm>
+            <a:off x="0" y="2365513"/>
+            <a:ext cx="12192000" cy="4492487"/>
+            <a:chOff x="1" y="2159358"/>
+            <a:chExt cx="11270974" cy="4128619"/>
+          </a:xfrm>
+        </p:grpSpPr>
+        <p:pic>
+          <p:nvPicPr>
+            <p:cNvPr id="8" name="Picture 7">
+              <a:extLst>
+                <a:ext uri="{FF2B5EF4-FFF2-40B4-BE49-F238E27FC236}">
+                  <a16:creationId xmlns:a16="http://schemas.microsoft.com/office/drawing/2014/main" id="{8FEBF91B-42A3-4128-A383-0E3FE5A7A8BA}"/>
+                </a:ext>
+              </a:extLst>
+            </p:cNvPr>
+            <p:cNvPicPr>
+              <a:picLocks noChangeAspect="1"/>
+            </p:cNvPicPr>
+            <p:nvPr/>
+          </p:nvPicPr>
+          <p:blipFill rotWithShape="1">
+            <a:blip r:embed="rId3"/>
+            <a:srcRect t="1535" r="7555" b="5357"/>
+            <a:stretch/>
+          </p:blipFill>
+          <p:spPr>
+            <a:xfrm>
+              <a:off x="1" y="2226365"/>
+              <a:ext cx="11270974" cy="4061612"/>
+            </a:xfrm>
+            <a:prstGeom prst="rect">
+              <a:avLst/>
+            </a:prstGeom>
+          </p:spPr>
+        </p:pic>
+        <p:pic>
+          <p:nvPicPr>
+            <p:cNvPr id="6" name="Picture 5">
+              <a:extLst>
+                <a:ext uri="{FF2B5EF4-FFF2-40B4-BE49-F238E27FC236}">
+                  <a16:creationId xmlns:a16="http://schemas.microsoft.com/office/drawing/2014/main" id="{E72909C4-4095-447C-8EF5-3B9931ACE465}"/>
+                </a:ext>
+              </a:extLst>
+            </p:cNvPr>
+            <p:cNvPicPr>
+              <a:picLocks noChangeAspect="1"/>
+            </p:cNvPicPr>
+            <p:nvPr/>
+          </p:nvPicPr>
+          <p:blipFill rotWithShape="1">
+            <a:blip r:embed="rId4"/>
+            <a:srcRect l="4262" t="3546" r="9062" b="3551"/>
+            <a:stretch/>
+          </p:blipFill>
+          <p:spPr>
+            <a:xfrm>
+              <a:off x="703118" y="2159358"/>
+              <a:ext cx="10557917" cy="3794885"/>
+            </a:xfrm>
+            <a:prstGeom prst="rect">
+              <a:avLst/>
+            </a:prstGeom>
+          </p:spPr>
+        </p:pic>
+      </p:grpSp>
+      <p:sp>
+        <p:nvSpPr>
+          <p:cNvPr id="3" name="Content Placeholder 2">
+            <a:extLst>
+              <a:ext uri="{FF2B5EF4-FFF2-40B4-BE49-F238E27FC236}">
+                <a16:creationId xmlns:a16="http://schemas.microsoft.com/office/drawing/2014/main" id="{07E1228D-410A-4A3F-B3BA-BC740514C1CC}"/>
+              </a:ext>
+            </a:extLst>
+          </p:cNvPr>
+          <p:cNvSpPr>
+            <a:spLocks noGrp="1"/>
+          </p:cNvSpPr>
+          <p:nvPr>
+            <p:ph idx="1"/>
+          </p:nvPr>
+        </p:nvSpPr>
+        <p:spPr>
+          <a:xfrm>
+            <a:off x="3180522" y="1413145"/>
+            <a:ext cx="8482496" cy="4351338"/>
+          </a:xfrm>
+        </p:spPr>
+        <p:txBody>
+          <a:bodyPr/>
+          <a:lstStyle/>
+          <a:p>
+            <a:pPr marL="0" indent="0">
+              <a:buNone/>
+            </a:pPr>
+            <a:r>
+              <a:rPr lang="en-US" dirty="0"/>
+              <a:t>Why use ggplot2 over base plot? </a:t>
+            </a:r>
+          </a:p>
+          <a:p>
+            <a:pPr lvl="1"/>
+            <a:r>
+              <a:rPr lang="en-US" dirty="0"/>
+              <a:t>Faster to make beautiful charts</a:t>
+            </a:r>
+          </a:p>
+          <a:p>
+            <a:pPr lvl="1"/>
+            <a:r>
+              <a:rPr lang="en-US" dirty="0"/>
+              <a:t>Easier to make complicated chars</a:t>
+            </a:r>
+          </a:p>
+          <a:p>
+            <a:endParaRPr lang="en-US" dirty="0"/>
+          </a:p>
+          <a:p>
+            <a:pPr marL="0" indent="0">
+              <a:buNone/>
+            </a:pPr>
+            <a:r>
+              <a:rPr lang="en-US" i="1" dirty="0"/>
+              <a:t>I’ll call it just </a:t>
+            </a:r>
+            <a:r>
+              <a:rPr lang="en-US" i="1" dirty="0" err="1"/>
+              <a:t>ggplot</a:t>
+            </a:r>
+            <a:r>
+              <a:rPr lang="en-US" i="1" dirty="0"/>
+              <a:t>. What happened to ggplot1?   Nobody knows…..</a:t>
+            </a:r>
+          </a:p>
+          <a:p>
+            <a:endParaRPr lang="en-US" dirty="0"/>
+          </a:p>
+        </p:txBody>
+      </p:sp>
+    </p:spTree>
+    <p:extLst>
+      <p:ext uri="{BB962C8B-B14F-4D97-AF65-F5344CB8AC3E}">
+        <p14:creationId xmlns:p14="http://schemas.microsoft.com/office/powerpoint/2010/main" val="1081056507"/>
+      </p:ext>
+    </p:extLst>
+  </p:cSld>
+  <p:clrMapOvr>
+    <a:masterClrMapping/>
+  </p:clrMapOvr>
+  <p:timing>
+    <p:tnLst>
+      <p:par>
+        <p:cTn id="1" dur="indefinite" restart="never" nodeType="tmRoot">
+          <p:childTnLst>
+            <p:seq concurrent="1" nextAc="seek">
+              <p:cTn id="2" dur="indefinite" nodeType="mainSeq">
+                <p:childTnLst>
+                  <p:par>
+                    <p:cTn id="3" fill="hold">
+                      <p:stCondLst>
+                        <p:cond delay="indefinite"/>
+                      </p:stCondLst>
+                      <p:childTnLst>
+                        <p:par>
+                          <p:cTn id="4" fill="hold">
+                            <p:stCondLst>
+                              <p:cond delay="0"/>
+                            </p:stCondLst>
+                            <p:childTnLst>
+                              <p:par>
+                                <p:cTn id="5" presetID="1" presetClass="entr" presetSubtype="0" fill="hold" nodeType="clickEffect">
+                                  <p:stCondLst>
+                                    <p:cond delay="0"/>
+                                  </p:stCondLst>
+                                  <p:childTnLst>
+                                    <p:set>
+                                      <p:cBhvr>
+                                        <p:cTn id="6" dur="1" fill="hold">
+                                          <p:stCondLst>
+                                            <p:cond delay="0"/>
+                                          </p:stCondLst>
+                                        </p:cTn>
+                                        <p:tgtEl>
+                                          <p:spTgt spid="3">
+                                            <p:txEl>
+                                              <p:pRg st="4" end="4"/>
+                                            </p:txEl>
+                                          </p:spTgt>
+                                        </p:tgtEl>
+                                        <p:attrNameLst>
+                                          <p:attrName>style.visibility</p:attrName>
+                                        </p:attrNameLst>
+                                      </p:cBhvr>
+                                      <p:to>
+                                        <p:strVal val="visible"/>
+                                      </p:to>
+                                    </p:set>
+                                  </p:childTnLst>
+                                </p:cTn>
+                              </p:par>
+                            </p:childTnLst>
+                          </p:cTn>
+                        </p:par>
+                      </p:childTnLst>
+                    </p:cTn>
+                  </p:par>
+                </p:childTnLst>
+              </p:cTn>
+              <p:prevCondLst>
+                <p:cond evt="onPrev" delay="0">
+                  <p:tgtEl>
+                    <p:sldTgt/>
+                  </p:tgtEl>
+                </p:cond>
+              </p:prevCondLst>
+              <p:nextCondLst>
+                <p:cond evt="onNext" delay="0">
+                  <p:tgtEl>
+                    <p:sldTgt/>
+                  </p:tgtEl>
+                </p:cond>
+              </p:nextCondLst>
+            </p:seq>
+          </p:childTnLst>
+        </p:cTn>
+      </p:par>
+    </p:tnLst>
+  </p:timing>
+</p:sld>
+</file>
+
+<file path=ppt/slides/slide13.xml><?xml version="1.0" encoding="utf-8"?>
+<p:sld xmlns:a="http://schemas.openxmlformats.org/drawingml/2006/main" xmlns:r="http://schemas.openxmlformats.org/officeDocument/2006/relationships" xmlns:p="http://schemas.openxmlformats.org/presentationml/2006/main">
+  <p:cSld>
+    <p:spTree>
+      <p:nvGrpSpPr>
+        <p:cNvPr id="1" name=""/>
+        <p:cNvGrpSpPr/>
+        <p:nvPr/>
+      </p:nvGrpSpPr>
+      <p:grpSpPr>
+        <a:xfrm>
+          <a:off x="0" y="0"/>
+          <a:ext cx="0" cy="0"/>
+          <a:chOff x="0" y="0"/>
+          <a:chExt cx="0" cy="0"/>
+        </a:xfrm>
+      </p:grpSpPr>
+      <p:sp>
+        <p:nvSpPr>
+          <p:cNvPr id="2" name="Title 1">
+            <a:extLst>
+              <a:ext uri="{FF2B5EF4-FFF2-40B4-BE49-F238E27FC236}">
+                <a16:creationId xmlns:a16="http://schemas.microsoft.com/office/drawing/2014/main" id="{ADBEFCD6-BF4C-4878-8769-16B947165E95}"/>
+              </a:ext>
+            </a:extLst>
+          </p:cNvPr>
+          <p:cNvSpPr>
+            <a:spLocks noGrp="1"/>
+          </p:cNvSpPr>
+          <p:nvPr>
+            <p:ph type="title"/>
+          </p:nvPr>
+        </p:nvSpPr>
+        <p:spPr/>
+        <p:txBody>
+          <a:bodyPr/>
+          <a:lstStyle/>
+          <a:p>
+            <a:r>
+              <a:rPr lang="en-US" dirty="0"/>
+              <a:t>ggplot2</a:t>
+            </a:r>
+          </a:p>
+        </p:txBody>
+      </p:sp>
+      <p:sp>
+        <p:nvSpPr>
+          <p:cNvPr id="3" name="Content Placeholder 2">
+            <a:extLst>
+              <a:ext uri="{FF2B5EF4-FFF2-40B4-BE49-F238E27FC236}">
+                <a16:creationId xmlns:a16="http://schemas.microsoft.com/office/drawing/2014/main" id="{C33E3CB4-496B-42C3-BE34-5470079E08BF}"/>
+              </a:ext>
+            </a:extLst>
+          </p:cNvPr>
+          <p:cNvSpPr>
+            <a:spLocks noGrp="1"/>
+          </p:cNvSpPr>
+          <p:nvPr>
+            <p:ph idx="1"/>
+          </p:nvPr>
+        </p:nvSpPr>
+        <p:spPr>
+          <a:xfrm>
+            <a:off x="352711" y="1610591"/>
+            <a:ext cx="6071710" cy="5247409"/>
+          </a:xfrm>
+        </p:spPr>
+        <p:txBody>
+          <a:bodyPr>
+            <a:normAutofit/>
+          </a:bodyPr>
+          <a:lstStyle/>
+          <a:p>
+            <a:r>
+              <a:rPr lang="en-US" dirty="0" err="1"/>
+              <a:t>ggplot</a:t>
+            </a:r>
+            <a:r>
+              <a:rPr lang="en-US" dirty="0"/>
+              <a:t>() function with data &amp; </a:t>
+            </a:r>
+            <a:r>
+              <a:rPr lang="en-US" dirty="0" err="1"/>
+              <a:t>aes</a:t>
+            </a:r>
+            <a:r>
+              <a:rPr lang="en-US" dirty="0"/>
+              <a:t>()  </a:t>
+            </a:r>
+          </a:p>
+          <a:p>
+            <a:pPr lvl="1">
+              <a:spcBef>
+                <a:spcPts val="0"/>
+              </a:spcBef>
+            </a:pPr>
+            <a:r>
+              <a:rPr lang="en-US" dirty="0" err="1"/>
+              <a:t>aes</a:t>
+            </a:r>
+            <a:r>
+              <a:rPr lang="en-US" dirty="0"/>
+              <a:t>() is the “aesthetics”. Set which cols are equal to x, y, color, fill, and group. </a:t>
+            </a:r>
+          </a:p>
+          <a:p>
+            <a:pPr>
+              <a:spcBef>
+                <a:spcPts val="2400"/>
+              </a:spcBef>
+            </a:pPr>
+            <a:r>
+              <a:rPr lang="en-US" dirty="0"/>
+              <a:t>Use a “+” to connect between lines</a:t>
+            </a:r>
+          </a:p>
+          <a:p>
+            <a:pPr>
+              <a:spcBef>
+                <a:spcPts val="2400"/>
+              </a:spcBef>
+            </a:pPr>
+            <a:r>
+              <a:rPr lang="en-US" dirty="0"/>
+              <a:t>Control aspects of the axes (and other parts) with “scale_”, e.g., </a:t>
+            </a:r>
+            <a:r>
+              <a:rPr lang="en-US" dirty="0" err="1"/>
+              <a:t>scale_y_continuous</a:t>
+            </a:r>
+            <a:r>
+              <a:rPr lang="en-US" dirty="0"/>
+              <a:t>, </a:t>
+            </a:r>
+            <a:r>
+              <a:rPr lang="en-US" dirty="0" err="1"/>
+              <a:t>scale_x_discrete</a:t>
+            </a:r>
+            <a:endParaRPr lang="en-US" dirty="0"/>
+          </a:p>
+          <a:p>
+            <a:pPr>
+              <a:spcBef>
+                <a:spcPts val="2400"/>
+              </a:spcBef>
+            </a:pPr>
+            <a:r>
+              <a:rPr lang="en-US" dirty="0"/>
+              <a:t>Add points &amp; lines using “</a:t>
+            </a:r>
+            <a:r>
+              <a:rPr lang="en-US" dirty="0" err="1"/>
+              <a:t>geom</a:t>
+            </a:r>
+            <a:r>
+              <a:rPr lang="en-US" dirty="0"/>
+              <a:t>_” </a:t>
+            </a:r>
+          </a:p>
+          <a:p>
+            <a:pPr lvl="1">
+              <a:spcBef>
+                <a:spcPts val="0"/>
+              </a:spcBef>
+            </a:pPr>
+            <a:r>
+              <a:rPr lang="en-US" dirty="0"/>
+              <a:t>e.g., </a:t>
+            </a:r>
+            <a:r>
+              <a:rPr lang="en-US" dirty="0" err="1"/>
+              <a:t>geom_point</a:t>
+            </a:r>
+            <a:r>
+              <a:rPr lang="en-US" dirty="0"/>
+              <a:t>(), </a:t>
+            </a:r>
+            <a:r>
+              <a:rPr lang="en-US" dirty="0" err="1"/>
+              <a:t>geom_line</a:t>
+            </a:r>
+            <a:r>
+              <a:rPr lang="en-US" dirty="0"/>
+              <a:t>(), </a:t>
+            </a:r>
+            <a:r>
+              <a:rPr lang="en-US" dirty="0" err="1"/>
+              <a:t>etc</a:t>
+            </a:r>
+            <a:endParaRPr lang="en-US" dirty="0"/>
+          </a:p>
+          <a:p>
+            <a:pPr>
+              <a:spcBef>
+                <a:spcPts val="2400"/>
+              </a:spcBef>
+            </a:pPr>
+            <a:r>
+              <a:rPr lang="en-US" dirty="0"/>
+              <a:t>Set visual elements using theme()</a:t>
+            </a:r>
+          </a:p>
+        </p:txBody>
+      </p:sp>
+      <p:sp>
+        <p:nvSpPr>
+          <p:cNvPr id="4" name="Slide Number Placeholder 3">
+            <a:extLst>
+              <a:ext uri="{FF2B5EF4-FFF2-40B4-BE49-F238E27FC236}">
+                <a16:creationId xmlns:a16="http://schemas.microsoft.com/office/drawing/2014/main" id="{67889695-1029-45D7-8CA0-E5AA27A170C7}"/>
+              </a:ext>
+            </a:extLst>
+          </p:cNvPr>
+          <p:cNvSpPr>
+            <a:spLocks noGrp="1"/>
+          </p:cNvSpPr>
+          <p:nvPr>
+            <p:ph type="sldNum" sz="quarter" idx="12"/>
+          </p:nvPr>
+        </p:nvSpPr>
+        <p:spPr/>
+        <p:txBody>
+          <a:bodyPr/>
+          <a:lstStyle/>
+          <a:p>
+            <a:fld id="{6D95AE55-B5F4-483D-AEFF-E8059F5502F5}" type="slidenum">
+              <a:rPr lang="en-US" smtClean="0"/>
+              <a:t>13</a:t>
+            </a:fld>
+            <a:endParaRPr lang="en-US"/>
+          </a:p>
+        </p:txBody>
+      </p:sp>
+      <p:sp>
+        <p:nvSpPr>
+          <p:cNvPr id="5" name="Content Placeholder 2">
+            <a:extLst>
+              <a:ext uri="{FF2B5EF4-FFF2-40B4-BE49-F238E27FC236}">
+                <a16:creationId xmlns:a16="http://schemas.microsoft.com/office/drawing/2014/main" id="{22DFA84D-5B63-4CA6-A793-9D0D90C43EF1}"/>
+              </a:ext>
+            </a:extLst>
+          </p:cNvPr>
+          <p:cNvSpPr txBox="1">
+            <a:spLocks/>
+          </p:cNvSpPr>
+          <p:nvPr/>
+        </p:nvSpPr>
+        <p:spPr>
+          <a:xfrm>
+            <a:off x="7182407" y="2782111"/>
+            <a:ext cx="4909075" cy="3441792"/>
+          </a:xfrm>
+          <a:prstGeom prst="rect">
+            <a:avLst/>
+          </a:prstGeom>
+        </p:spPr>
+        <p:txBody>
+          <a:bodyPr vert="horz" lIns="91440" tIns="45720" rIns="91440" bIns="45720" rtlCol="0">
+            <a:normAutofit/>
+          </a:bodyPr>
+          <a:lstStyle>
+            <a:lvl1pPr marL="228600" indent="-228600" algn="l" defTabSz="914400" rtl="0" eaLnBrk="1" latinLnBrk="0" hangingPunct="1">
+              <a:lnSpc>
+                <a:spcPct val="90000"/>
+              </a:lnSpc>
+              <a:spcBef>
+                <a:spcPts val="1000"/>
+              </a:spcBef>
+              <a:buFont typeface="Arial" panose="020B0604020202020204" pitchFamily="34" charset="0"/>
+              <a:buChar char="•"/>
+              <a:defRPr sz="2800" kern="1200">
+                <a:solidFill>
+                  <a:schemeClr val="tx1"/>
+                </a:solidFill>
+                <a:latin typeface="+mn-lt"/>
+                <a:ea typeface="+mn-ea"/>
+                <a:cs typeface="+mn-cs"/>
+              </a:defRPr>
+            </a:lvl1pPr>
+            <a:lvl2pPr marL="685800" indent="-228600" algn="l" defTabSz="914400" rtl="0" eaLnBrk="1" latinLnBrk="0" hangingPunct="1">
+              <a:lnSpc>
+                <a:spcPct val="90000"/>
+              </a:lnSpc>
+              <a:spcBef>
+                <a:spcPts val="500"/>
+              </a:spcBef>
+              <a:buFont typeface="Arial" panose="020B0604020202020204" pitchFamily="34" charset="0"/>
+              <a:buChar char="•"/>
+              <a:defRPr sz="2400" kern="1200">
+                <a:solidFill>
+                  <a:schemeClr val="tx1"/>
+                </a:solidFill>
+                <a:latin typeface="+mn-lt"/>
+                <a:ea typeface="+mn-ea"/>
+                <a:cs typeface="+mn-cs"/>
+              </a:defRPr>
+            </a:lvl2pPr>
+            <a:lvl3pPr marL="1143000" indent="-228600" algn="l" defTabSz="914400" rtl="0" eaLnBrk="1" latinLnBrk="0" hangingPunct="1">
+              <a:lnSpc>
+                <a:spcPct val="90000"/>
+              </a:lnSpc>
+              <a:spcBef>
+                <a:spcPts val="500"/>
+              </a:spcBef>
+              <a:buFont typeface="Arial" panose="020B0604020202020204" pitchFamily="34" charset="0"/>
+              <a:buChar char="•"/>
+              <a:defRPr sz="2000" kern="1200">
+                <a:solidFill>
+                  <a:schemeClr val="tx1"/>
+                </a:solidFill>
+                <a:latin typeface="+mn-lt"/>
+                <a:ea typeface="+mn-ea"/>
+                <a:cs typeface="+mn-cs"/>
+              </a:defRPr>
+            </a:lvl3pPr>
+            <a:lvl4pPr marL="1600200" indent="-228600" algn="l" defTabSz="914400" rtl="0" eaLnBrk="1" latinLnBrk="0" hangingPunct="1">
+              <a:lnSpc>
+                <a:spcPct val="90000"/>
+              </a:lnSpc>
+              <a:spcBef>
+                <a:spcPts val="500"/>
+              </a:spcBef>
+              <a:buFont typeface="Arial" panose="020B0604020202020204" pitchFamily="34" charset="0"/>
+              <a:buChar char="•"/>
+              <a:defRPr sz="1800" kern="1200">
+                <a:solidFill>
+                  <a:schemeClr val="tx1"/>
+                </a:solidFill>
+                <a:latin typeface="+mn-lt"/>
+                <a:ea typeface="+mn-ea"/>
+                <a:cs typeface="+mn-cs"/>
+              </a:defRPr>
+            </a:lvl4pPr>
+            <a:lvl5pPr marL="2057400" indent="-228600" algn="l" defTabSz="914400" rtl="0" eaLnBrk="1" latinLnBrk="0" hangingPunct="1">
+              <a:lnSpc>
+                <a:spcPct val="90000"/>
+              </a:lnSpc>
+              <a:spcBef>
+                <a:spcPts val="500"/>
+              </a:spcBef>
+              <a:buFont typeface="Arial" panose="020B0604020202020204" pitchFamily="34" charset="0"/>
+              <a:buChar char="•"/>
+              <a:defRPr sz="1800" kern="1200">
+                <a:solidFill>
+                  <a:schemeClr val="tx1"/>
+                </a:solidFill>
+                <a:latin typeface="+mn-lt"/>
+                <a:ea typeface="+mn-ea"/>
+                <a:cs typeface="+mn-cs"/>
+              </a:defRPr>
+            </a:lvl5pPr>
+            <a:lvl6pPr marL="2514600" indent="-228600" algn="l" defTabSz="914400" rtl="0" eaLnBrk="1" latinLnBrk="0" hangingPunct="1">
+              <a:lnSpc>
+                <a:spcPct val="90000"/>
+              </a:lnSpc>
+              <a:spcBef>
+                <a:spcPts val="500"/>
+              </a:spcBef>
+              <a:buFont typeface="Arial" panose="020B0604020202020204" pitchFamily="34" charset="0"/>
+              <a:buChar char="•"/>
+              <a:defRPr sz="1800" kern="1200">
+                <a:solidFill>
+                  <a:schemeClr val="tx1"/>
+                </a:solidFill>
+                <a:latin typeface="+mn-lt"/>
+                <a:ea typeface="+mn-ea"/>
+                <a:cs typeface="+mn-cs"/>
+              </a:defRPr>
+            </a:lvl6pPr>
+            <a:lvl7pPr marL="2971800" indent="-228600" algn="l" defTabSz="914400" rtl="0" eaLnBrk="1" latinLnBrk="0" hangingPunct="1">
+              <a:lnSpc>
+                <a:spcPct val="90000"/>
+              </a:lnSpc>
+              <a:spcBef>
+                <a:spcPts val="500"/>
+              </a:spcBef>
+              <a:buFont typeface="Arial" panose="020B0604020202020204" pitchFamily="34" charset="0"/>
+              <a:buChar char="•"/>
+              <a:defRPr sz="1800" kern="1200">
+                <a:solidFill>
+                  <a:schemeClr val="tx1"/>
+                </a:solidFill>
+                <a:latin typeface="+mn-lt"/>
+                <a:ea typeface="+mn-ea"/>
+                <a:cs typeface="+mn-cs"/>
+              </a:defRPr>
+            </a:lvl7pPr>
+            <a:lvl8pPr marL="3429000" indent="-228600" algn="l" defTabSz="914400" rtl="0" eaLnBrk="1" latinLnBrk="0" hangingPunct="1">
+              <a:lnSpc>
+                <a:spcPct val="90000"/>
+              </a:lnSpc>
+              <a:spcBef>
+                <a:spcPts val="500"/>
+              </a:spcBef>
+              <a:buFont typeface="Arial" panose="020B0604020202020204" pitchFamily="34" charset="0"/>
+              <a:buChar char="•"/>
+              <a:defRPr sz="1800" kern="1200">
+                <a:solidFill>
+                  <a:schemeClr val="tx1"/>
+                </a:solidFill>
+                <a:latin typeface="+mn-lt"/>
+                <a:ea typeface="+mn-ea"/>
+                <a:cs typeface="+mn-cs"/>
+              </a:defRPr>
+            </a:lvl8pPr>
+            <a:lvl9pPr marL="3886200" indent="-228600" algn="l" defTabSz="914400" rtl="0" eaLnBrk="1" latinLnBrk="0" hangingPunct="1">
+              <a:lnSpc>
+                <a:spcPct val="90000"/>
+              </a:lnSpc>
+              <a:spcBef>
+                <a:spcPts val="500"/>
+              </a:spcBef>
+              <a:buFont typeface="Arial" panose="020B0604020202020204" pitchFamily="34" charset="0"/>
+              <a:buChar char="•"/>
+              <a:defRPr sz="1800" kern="1200">
+                <a:solidFill>
+                  <a:schemeClr val="tx1"/>
+                </a:solidFill>
+                <a:latin typeface="+mn-lt"/>
+                <a:ea typeface="+mn-ea"/>
+                <a:cs typeface="+mn-cs"/>
+              </a:defRPr>
+            </a:lvl9pPr>
+          </a:lstStyle>
+          <a:p>
+            <a:pPr marL="346075" indent="-346075">
+              <a:buNone/>
+            </a:pPr>
+            <a:r>
+              <a:rPr lang="en-US" sz="2000" dirty="0" err="1">
+                <a:latin typeface="Consolas" panose="020B0609020204030204" pitchFamily="49" charset="0"/>
+              </a:rPr>
+              <a:t>ggplot</a:t>
+            </a:r>
+            <a:r>
+              <a:rPr lang="en-US" sz="2000" dirty="0">
+                <a:latin typeface="Consolas" panose="020B0609020204030204" pitchFamily="49" charset="0"/>
+              </a:rPr>
+              <a:t>(data = </a:t>
+            </a:r>
+            <a:r>
+              <a:rPr lang="en-US" sz="2000" dirty="0" err="1">
+                <a:latin typeface="Consolas" panose="020B0609020204030204" pitchFamily="49" charset="0"/>
+              </a:rPr>
+              <a:t>mydataframe</a:t>
+            </a:r>
+            <a:r>
+              <a:rPr lang="en-US" sz="2000" dirty="0">
+                <a:latin typeface="Consolas" panose="020B0609020204030204" pitchFamily="49" charset="0"/>
+              </a:rPr>
+              <a:t>,    </a:t>
+            </a:r>
+            <a:r>
+              <a:rPr lang="en-US" sz="2000" dirty="0" err="1">
+                <a:latin typeface="Consolas" panose="020B0609020204030204" pitchFamily="49" charset="0"/>
+              </a:rPr>
+              <a:t>aes</a:t>
+            </a:r>
+            <a:r>
+              <a:rPr lang="en-US" sz="2000" dirty="0">
+                <a:latin typeface="Consolas" panose="020B0609020204030204" pitchFamily="49" charset="0"/>
+              </a:rPr>
+              <a:t>(x = </a:t>
+            </a:r>
+            <a:r>
+              <a:rPr lang="en-US" sz="2000" dirty="0" err="1">
+                <a:latin typeface="Consolas" panose="020B0609020204030204" pitchFamily="49" charset="0"/>
+              </a:rPr>
+              <a:t>xcolumn</a:t>
+            </a:r>
+            <a:r>
+              <a:rPr lang="en-US" sz="2000" dirty="0">
+                <a:latin typeface="Consolas" panose="020B0609020204030204" pitchFamily="49" charset="0"/>
+              </a:rPr>
+              <a:t>, y = </a:t>
+            </a:r>
+            <a:r>
+              <a:rPr lang="en-US" sz="2000" dirty="0" err="1">
+                <a:latin typeface="Consolas" panose="020B0609020204030204" pitchFamily="49" charset="0"/>
+              </a:rPr>
+              <a:t>ycolumn</a:t>
+            </a:r>
+            <a:r>
+              <a:rPr lang="en-US" sz="2000" dirty="0">
+                <a:latin typeface="Consolas" panose="020B0609020204030204" pitchFamily="49" charset="0"/>
+              </a:rPr>
+              <a:t>, group = </a:t>
+            </a:r>
+            <a:r>
+              <a:rPr lang="en-US" sz="2000" dirty="0" err="1">
+                <a:latin typeface="Consolas" panose="020B0609020204030204" pitchFamily="49" charset="0"/>
+              </a:rPr>
+              <a:t>groupvar</a:t>
+            </a:r>
+            <a:r>
+              <a:rPr lang="en-US" sz="2000" dirty="0">
+                <a:latin typeface="Consolas" panose="020B0609020204030204" pitchFamily="49" charset="0"/>
+              </a:rPr>
+              <a:t>)) </a:t>
+            </a:r>
+          </a:p>
+          <a:p>
+            <a:pPr marL="346075" indent="-346075">
+              <a:buNone/>
+            </a:pPr>
+            <a:r>
+              <a:rPr lang="en-US" sz="2000" dirty="0" err="1">
+                <a:latin typeface="Consolas" panose="020B0609020204030204" pitchFamily="49" charset="0"/>
+              </a:rPr>
+              <a:t>scale_x_continuous</a:t>
+            </a:r>
+            <a:r>
+              <a:rPr lang="en-US" sz="2000" dirty="0">
+                <a:latin typeface="Consolas" panose="020B0609020204030204" pitchFamily="49" charset="0"/>
+              </a:rPr>
+              <a:t>(breaks = c(1990, 2000, 2010, 2020)) +</a:t>
+            </a:r>
+          </a:p>
+          <a:p>
+            <a:pPr marL="0" indent="0">
+              <a:buNone/>
+            </a:pPr>
+            <a:r>
+              <a:rPr lang="en-US" sz="2000" dirty="0" err="1">
+                <a:latin typeface="Consolas" panose="020B0609020204030204" pitchFamily="49" charset="0"/>
+              </a:rPr>
+              <a:t>geom_line</a:t>
+            </a:r>
+            <a:r>
+              <a:rPr lang="en-US" sz="2000" dirty="0">
+                <a:latin typeface="Consolas" panose="020B0609020204030204" pitchFamily="49" charset="0"/>
+              </a:rPr>
+              <a:t>()</a:t>
+            </a:r>
+          </a:p>
+          <a:p>
+            <a:pPr marL="0" indent="0">
+              <a:buNone/>
+            </a:pPr>
+            <a:endParaRPr lang="en-US" sz="2000" dirty="0">
+              <a:latin typeface="Consolas" panose="020B0609020204030204" pitchFamily="49" charset="0"/>
+            </a:endParaRPr>
+          </a:p>
+          <a:p>
+            <a:pPr marL="0" indent="0">
+              <a:buNone/>
+            </a:pPr>
+            <a:endParaRPr lang="en-US" dirty="0">
+              <a:latin typeface="Consolas" panose="020B0609020204030204" pitchFamily="49" charset="0"/>
+            </a:endParaRPr>
+          </a:p>
+        </p:txBody>
+      </p:sp>
+      <p:grpSp>
+        <p:nvGrpSpPr>
+          <p:cNvPr id="10" name="Group 9">
+            <a:extLst>
+              <a:ext uri="{FF2B5EF4-FFF2-40B4-BE49-F238E27FC236}">
+                <a16:creationId xmlns:a16="http://schemas.microsoft.com/office/drawing/2014/main" id="{68B37988-AA99-4E4C-B732-9AF4BEF52DFC}"/>
+              </a:ext>
+            </a:extLst>
+          </p:cNvPr>
+          <p:cNvGrpSpPr/>
+          <p:nvPr/>
+        </p:nvGrpSpPr>
+        <p:grpSpPr>
+          <a:xfrm>
+            <a:off x="10398869" y="2033080"/>
+            <a:ext cx="1339693" cy="1128514"/>
+            <a:chOff x="10398869" y="2033080"/>
+            <a:chExt cx="1339693" cy="1128514"/>
+          </a:xfrm>
+        </p:grpSpPr>
+        <p:sp>
+          <p:nvSpPr>
+            <p:cNvPr id="8" name="Freeform: Shape 7">
+              <a:extLst>
+                <a:ext uri="{FF2B5EF4-FFF2-40B4-BE49-F238E27FC236}">
+                  <a16:creationId xmlns:a16="http://schemas.microsoft.com/office/drawing/2014/main" id="{2E92D931-084C-4C76-9BA5-B1222DDF045A}"/>
+                </a:ext>
+              </a:extLst>
+            </p:cNvPr>
+            <p:cNvSpPr/>
+            <p:nvPr/>
+          </p:nvSpPr>
+          <p:spPr>
+            <a:xfrm>
+              <a:off x="10398869" y="2033080"/>
+              <a:ext cx="1339693" cy="1021405"/>
+            </a:xfrm>
+            <a:custGeom>
+              <a:avLst/>
+              <a:gdLst>
+                <a:gd name="connsiteX0" fmla="*/ 0 w 1200933"/>
+                <a:gd name="connsiteY0" fmla="*/ 0 h 924128"/>
+                <a:gd name="connsiteX1" fmla="*/ 1108953 w 1200933"/>
+                <a:gd name="connsiteY1" fmla="*/ 194553 h 924128"/>
+                <a:gd name="connsiteX2" fmla="*/ 1060315 w 1200933"/>
+                <a:gd name="connsiteY2" fmla="*/ 924128 h 924128"/>
+                <a:gd name="connsiteX0" fmla="*/ 0 w 1331632"/>
+                <a:gd name="connsiteY0" fmla="*/ 0 h 924128"/>
+                <a:gd name="connsiteX1" fmla="*/ 1274323 w 1331632"/>
+                <a:gd name="connsiteY1" fmla="*/ 282102 h 924128"/>
+                <a:gd name="connsiteX2" fmla="*/ 1060315 w 1331632"/>
+                <a:gd name="connsiteY2" fmla="*/ 924128 h 924128"/>
+                <a:gd name="connsiteX0" fmla="*/ 0 w 1331632"/>
+                <a:gd name="connsiteY0" fmla="*/ 0 h 924128"/>
+                <a:gd name="connsiteX1" fmla="*/ 1274323 w 1331632"/>
+                <a:gd name="connsiteY1" fmla="*/ 282102 h 924128"/>
+                <a:gd name="connsiteX2" fmla="*/ 1060315 w 1331632"/>
+                <a:gd name="connsiteY2" fmla="*/ 924128 h 924128"/>
+                <a:gd name="connsiteX0" fmla="*/ 0 w 1331632"/>
+                <a:gd name="connsiteY0" fmla="*/ 0 h 924128"/>
+                <a:gd name="connsiteX1" fmla="*/ 1274323 w 1331632"/>
+                <a:gd name="connsiteY1" fmla="*/ 282102 h 924128"/>
+                <a:gd name="connsiteX2" fmla="*/ 1060315 w 1331632"/>
+                <a:gd name="connsiteY2" fmla="*/ 924128 h 924128"/>
+                <a:gd name="connsiteX0" fmla="*/ 0 w 1322705"/>
+                <a:gd name="connsiteY0" fmla="*/ 0 h 943584"/>
+                <a:gd name="connsiteX1" fmla="*/ 1274323 w 1322705"/>
+                <a:gd name="connsiteY1" fmla="*/ 282102 h 943584"/>
+                <a:gd name="connsiteX2" fmla="*/ 982494 w 1322705"/>
+                <a:gd name="connsiteY2" fmla="*/ 943584 h 943584"/>
+                <a:gd name="connsiteX0" fmla="*/ 0 w 1335590"/>
+                <a:gd name="connsiteY0" fmla="*/ 0 h 943584"/>
+                <a:gd name="connsiteX1" fmla="*/ 1274323 w 1335590"/>
+                <a:gd name="connsiteY1" fmla="*/ 282102 h 943584"/>
+                <a:gd name="connsiteX2" fmla="*/ 982494 w 1335590"/>
+                <a:gd name="connsiteY2" fmla="*/ 943584 h 943584"/>
+                <a:gd name="connsiteX0" fmla="*/ 0 w 1339693"/>
+                <a:gd name="connsiteY0" fmla="*/ 0 h 943584"/>
+                <a:gd name="connsiteX1" fmla="*/ 1274323 w 1339693"/>
+                <a:gd name="connsiteY1" fmla="*/ 282102 h 943584"/>
+                <a:gd name="connsiteX2" fmla="*/ 982494 w 1339693"/>
+                <a:gd name="connsiteY2" fmla="*/ 943584 h 943584"/>
+                <a:gd name="connsiteX0" fmla="*/ 0 w 1339693"/>
+                <a:gd name="connsiteY0" fmla="*/ 0 h 1021405"/>
+                <a:gd name="connsiteX1" fmla="*/ 1274323 w 1339693"/>
+                <a:gd name="connsiteY1" fmla="*/ 359923 h 1021405"/>
+                <a:gd name="connsiteX2" fmla="*/ 982494 w 1339693"/>
+                <a:gd name="connsiteY2" fmla="*/ 1021405 h 1021405"/>
+              </a:gdLst>
+              <a:ahLst/>
+              <a:cxnLst>
+                <a:cxn ang="0">
+                  <a:pos x="connsiteX0" y="connsiteY0"/>
+                </a:cxn>
+                <a:cxn ang="0">
+                  <a:pos x="connsiteX1" y="connsiteY1"/>
+                </a:cxn>
+                <a:cxn ang="0">
+                  <a:pos x="connsiteX2" y="connsiteY2"/>
+                </a:cxn>
+              </a:cxnLst>
+              <a:rect l="l" t="t" r="r" b="b"/>
+              <a:pathLst>
+                <a:path w="1339693" h="1021405">
+                  <a:moveTo>
+                    <a:pt x="0" y="0"/>
+                  </a:moveTo>
+                  <a:cubicBezTo>
+                    <a:pt x="466117" y="20266"/>
+                    <a:pt x="1146242" y="118353"/>
+                    <a:pt x="1274323" y="359923"/>
+                  </a:cubicBezTo>
+                  <a:cubicBezTo>
+                    <a:pt x="1451042" y="611221"/>
+                    <a:pt x="1241087" y="898998"/>
+                    <a:pt x="982494" y="1021405"/>
+                  </a:cubicBezTo>
+                </a:path>
+              </a:pathLst>
+            </a:custGeom>
+            <a:noFill/>
+            <a:ln w="57150">
+              <a:solidFill>
+                <a:srgbClr val="C00000"/>
+              </a:solidFill>
+            </a:ln>
+          </p:spPr>
+          <p:style>
+            <a:lnRef idx="2">
+              <a:schemeClr val="accent1">
+                <a:shade val="50000"/>
+              </a:schemeClr>
+            </a:lnRef>
+            <a:fillRef idx="1">
+              <a:schemeClr val="accent1"/>
+            </a:fillRef>
+            <a:effectRef idx="0">
+              <a:schemeClr val="accent1"/>
+            </a:effectRef>
+            <a:fontRef idx="minor">
+              <a:schemeClr val="lt1"/>
+            </a:fontRef>
+          </p:style>
+          <p:txBody>
+            <a:bodyPr rtlCol="0" anchor="ctr"/>
+            <a:lstStyle/>
+            <a:p>
+              <a:pPr algn="ctr"/>
+              <a:endParaRPr lang="en-US"/>
+            </a:p>
+          </p:txBody>
+        </p:sp>
+        <p:sp>
+          <p:nvSpPr>
+            <p:cNvPr id="9" name="Isosceles Triangle 8">
+              <a:extLst>
+                <a:ext uri="{FF2B5EF4-FFF2-40B4-BE49-F238E27FC236}">
+                  <a16:creationId xmlns:a16="http://schemas.microsoft.com/office/drawing/2014/main" id="{149C87B2-B1FD-4697-BB72-588496D3E13C}"/>
+                </a:ext>
+              </a:extLst>
+            </p:cNvPr>
+            <p:cNvSpPr/>
+            <p:nvPr/>
+          </p:nvSpPr>
+          <p:spPr>
+            <a:xfrm rot="15077569">
+              <a:off x="11240514" y="2950651"/>
+              <a:ext cx="226569" cy="195318"/>
+            </a:xfrm>
+            <a:prstGeom prst="triangle">
+              <a:avLst/>
+            </a:prstGeom>
+            <a:solidFill>
+              <a:srgbClr val="C00000"/>
+            </a:solidFill>
+            <a:ln>
+              <a:noFill/>
+            </a:ln>
+          </p:spPr>
+          <p:style>
+            <a:lnRef idx="2">
+              <a:schemeClr val="accent1">
+                <a:shade val="50000"/>
+              </a:schemeClr>
+            </a:lnRef>
+            <a:fillRef idx="1">
+              <a:schemeClr val="accent1"/>
+            </a:fillRef>
+            <a:effectRef idx="0">
+              <a:schemeClr val="accent1"/>
+            </a:effectRef>
+            <a:fontRef idx="minor">
+              <a:schemeClr val="lt1"/>
+            </a:fontRef>
+          </p:style>
+          <p:txBody>
+            <a:bodyPr rtlCol="0" anchor="ctr"/>
+            <a:lstStyle/>
+            <a:p>
+              <a:pPr algn="ctr"/>
+              <a:endParaRPr lang="en-US"/>
+            </a:p>
+          </p:txBody>
+        </p:sp>
+      </p:grpSp>
+      <p:grpSp>
+        <p:nvGrpSpPr>
+          <p:cNvPr id="11" name="Group 10">
+            <a:extLst>
+              <a:ext uri="{FF2B5EF4-FFF2-40B4-BE49-F238E27FC236}">
+                <a16:creationId xmlns:a16="http://schemas.microsoft.com/office/drawing/2014/main" id="{63E9A492-50CB-4734-99CF-CD0ACEA4B67D}"/>
+              </a:ext>
+            </a:extLst>
+          </p:cNvPr>
+          <p:cNvGrpSpPr/>
+          <p:nvPr/>
+        </p:nvGrpSpPr>
+        <p:grpSpPr>
+          <a:xfrm flipV="1">
+            <a:off x="11224964" y="3867348"/>
+            <a:ext cx="596859" cy="1426991"/>
+            <a:chOff x="11256140" y="1734603"/>
+            <a:chExt cx="596859" cy="1426991"/>
+          </a:xfrm>
+        </p:grpSpPr>
+        <p:sp>
+          <p:nvSpPr>
+            <p:cNvPr id="12" name="Freeform: Shape 11">
+              <a:extLst>
+                <a:ext uri="{FF2B5EF4-FFF2-40B4-BE49-F238E27FC236}">
+                  <a16:creationId xmlns:a16="http://schemas.microsoft.com/office/drawing/2014/main" id="{828B8792-FB1B-4218-8382-785594FC71E9}"/>
+                </a:ext>
+              </a:extLst>
+            </p:cNvPr>
+            <p:cNvSpPr/>
+            <p:nvPr/>
+          </p:nvSpPr>
+          <p:spPr>
+            <a:xfrm>
+              <a:off x="11381364" y="1734603"/>
+              <a:ext cx="471635" cy="1319882"/>
+            </a:xfrm>
+            <a:custGeom>
+              <a:avLst/>
+              <a:gdLst>
+                <a:gd name="connsiteX0" fmla="*/ 0 w 1200933"/>
+                <a:gd name="connsiteY0" fmla="*/ 0 h 924128"/>
+                <a:gd name="connsiteX1" fmla="*/ 1108953 w 1200933"/>
+                <a:gd name="connsiteY1" fmla="*/ 194553 h 924128"/>
+                <a:gd name="connsiteX2" fmla="*/ 1060315 w 1200933"/>
+                <a:gd name="connsiteY2" fmla="*/ 924128 h 924128"/>
+                <a:gd name="connsiteX0" fmla="*/ 0 w 1331632"/>
+                <a:gd name="connsiteY0" fmla="*/ 0 h 924128"/>
+                <a:gd name="connsiteX1" fmla="*/ 1274323 w 1331632"/>
+                <a:gd name="connsiteY1" fmla="*/ 282102 h 924128"/>
+                <a:gd name="connsiteX2" fmla="*/ 1060315 w 1331632"/>
+                <a:gd name="connsiteY2" fmla="*/ 924128 h 924128"/>
+                <a:gd name="connsiteX0" fmla="*/ 0 w 1331632"/>
+                <a:gd name="connsiteY0" fmla="*/ 0 h 924128"/>
+                <a:gd name="connsiteX1" fmla="*/ 1274323 w 1331632"/>
+                <a:gd name="connsiteY1" fmla="*/ 282102 h 924128"/>
+                <a:gd name="connsiteX2" fmla="*/ 1060315 w 1331632"/>
+                <a:gd name="connsiteY2" fmla="*/ 924128 h 924128"/>
+                <a:gd name="connsiteX0" fmla="*/ 0 w 1331632"/>
+                <a:gd name="connsiteY0" fmla="*/ 0 h 924128"/>
+                <a:gd name="connsiteX1" fmla="*/ 1274323 w 1331632"/>
+                <a:gd name="connsiteY1" fmla="*/ 282102 h 924128"/>
+                <a:gd name="connsiteX2" fmla="*/ 1060315 w 1331632"/>
+                <a:gd name="connsiteY2" fmla="*/ 924128 h 924128"/>
+                <a:gd name="connsiteX0" fmla="*/ 0 w 1322705"/>
+                <a:gd name="connsiteY0" fmla="*/ 0 h 943584"/>
+                <a:gd name="connsiteX1" fmla="*/ 1274323 w 1322705"/>
+                <a:gd name="connsiteY1" fmla="*/ 282102 h 943584"/>
+                <a:gd name="connsiteX2" fmla="*/ 982494 w 1322705"/>
+                <a:gd name="connsiteY2" fmla="*/ 943584 h 943584"/>
+                <a:gd name="connsiteX0" fmla="*/ 0 w 1335590"/>
+                <a:gd name="connsiteY0" fmla="*/ 0 h 943584"/>
+                <a:gd name="connsiteX1" fmla="*/ 1274323 w 1335590"/>
+                <a:gd name="connsiteY1" fmla="*/ 282102 h 943584"/>
+                <a:gd name="connsiteX2" fmla="*/ 982494 w 1335590"/>
+                <a:gd name="connsiteY2" fmla="*/ 943584 h 943584"/>
+                <a:gd name="connsiteX0" fmla="*/ 0 w 1339693"/>
+                <a:gd name="connsiteY0" fmla="*/ 0 h 943584"/>
+                <a:gd name="connsiteX1" fmla="*/ 1274323 w 1339693"/>
+                <a:gd name="connsiteY1" fmla="*/ 282102 h 943584"/>
+                <a:gd name="connsiteX2" fmla="*/ 982494 w 1339693"/>
+                <a:gd name="connsiteY2" fmla="*/ 943584 h 943584"/>
+                <a:gd name="connsiteX0" fmla="*/ 0 w 1339693"/>
+                <a:gd name="connsiteY0" fmla="*/ 0 h 1021405"/>
+                <a:gd name="connsiteX1" fmla="*/ 1274323 w 1339693"/>
+                <a:gd name="connsiteY1" fmla="*/ 359923 h 1021405"/>
+                <a:gd name="connsiteX2" fmla="*/ 982494 w 1339693"/>
+                <a:gd name="connsiteY2" fmla="*/ 1021405 h 1021405"/>
+                <a:gd name="connsiteX0" fmla="*/ 0 w 1826076"/>
+                <a:gd name="connsiteY0" fmla="*/ 0 h 1361873"/>
+                <a:gd name="connsiteX1" fmla="*/ 1760706 w 1826076"/>
+                <a:gd name="connsiteY1" fmla="*/ 700391 h 1361873"/>
+                <a:gd name="connsiteX2" fmla="*/ 1468877 w 1826076"/>
+                <a:gd name="connsiteY2" fmla="*/ 1361873 h 1361873"/>
+                <a:gd name="connsiteX0" fmla="*/ 0 w 1910240"/>
+                <a:gd name="connsiteY0" fmla="*/ 0 h 1361873"/>
+                <a:gd name="connsiteX1" fmla="*/ 1857983 w 1910240"/>
+                <a:gd name="connsiteY1" fmla="*/ 739301 h 1361873"/>
+                <a:gd name="connsiteX2" fmla="*/ 1468877 w 1910240"/>
+                <a:gd name="connsiteY2" fmla="*/ 1361873 h 1361873"/>
+                <a:gd name="connsiteX0" fmla="*/ 0 w 1491951"/>
+                <a:gd name="connsiteY0" fmla="*/ 0 h 1070043"/>
+                <a:gd name="connsiteX1" fmla="*/ 1439694 w 1491951"/>
+                <a:gd name="connsiteY1" fmla="*/ 447471 h 1070043"/>
+                <a:gd name="connsiteX2" fmla="*/ 1050588 w 1491951"/>
+                <a:gd name="connsiteY2" fmla="*/ 1070043 h 1070043"/>
+                <a:gd name="connsiteX0" fmla="*/ 0 w 1553458"/>
+                <a:gd name="connsiteY0" fmla="*/ 0 h 1070043"/>
+                <a:gd name="connsiteX1" fmla="*/ 1507788 w 1553458"/>
+                <a:gd name="connsiteY1" fmla="*/ 583658 h 1070043"/>
+                <a:gd name="connsiteX2" fmla="*/ 1050588 w 1553458"/>
+                <a:gd name="connsiteY2" fmla="*/ 1070043 h 1070043"/>
+                <a:gd name="connsiteX0" fmla="*/ 0 w 833611"/>
+                <a:gd name="connsiteY0" fmla="*/ 0 h 1040860"/>
+                <a:gd name="connsiteX1" fmla="*/ 787941 w 833611"/>
+                <a:gd name="connsiteY1" fmla="*/ 554475 h 1040860"/>
+                <a:gd name="connsiteX2" fmla="*/ 330741 w 833611"/>
+                <a:gd name="connsiteY2" fmla="*/ 1040860 h 1040860"/>
+                <a:gd name="connsiteX0" fmla="*/ 0 w 833611"/>
+                <a:gd name="connsiteY0" fmla="*/ 0 h 1040860"/>
+                <a:gd name="connsiteX1" fmla="*/ 787941 w 833611"/>
+                <a:gd name="connsiteY1" fmla="*/ 554475 h 1040860"/>
+                <a:gd name="connsiteX2" fmla="*/ 330741 w 833611"/>
+                <a:gd name="connsiteY2" fmla="*/ 1040860 h 1040860"/>
+                <a:gd name="connsiteX0" fmla="*/ 0 w 794457"/>
+                <a:gd name="connsiteY0" fmla="*/ 0 h 1040860"/>
+                <a:gd name="connsiteX1" fmla="*/ 787941 w 794457"/>
+                <a:gd name="connsiteY1" fmla="*/ 554475 h 1040860"/>
+                <a:gd name="connsiteX2" fmla="*/ 330741 w 794457"/>
+                <a:gd name="connsiteY2" fmla="*/ 1040860 h 1040860"/>
+                <a:gd name="connsiteX0" fmla="*/ 0 w 794457"/>
+                <a:gd name="connsiteY0" fmla="*/ 0 h 1040860"/>
+                <a:gd name="connsiteX1" fmla="*/ 787941 w 794457"/>
+                <a:gd name="connsiteY1" fmla="*/ 554475 h 1040860"/>
+                <a:gd name="connsiteX2" fmla="*/ 330741 w 794457"/>
+                <a:gd name="connsiteY2" fmla="*/ 1040860 h 1040860"/>
+                <a:gd name="connsiteX0" fmla="*/ 0 w 638814"/>
+                <a:gd name="connsiteY0" fmla="*/ 0 h 992222"/>
+                <a:gd name="connsiteX1" fmla="*/ 632298 w 638814"/>
+                <a:gd name="connsiteY1" fmla="*/ 505837 h 992222"/>
+                <a:gd name="connsiteX2" fmla="*/ 175098 w 638814"/>
+                <a:gd name="connsiteY2" fmla="*/ 992222 h 992222"/>
+                <a:gd name="connsiteX0" fmla="*/ 0 w 638814"/>
+                <a:gd name="connsiteY0" fmla="*/ 0 h 992222"/>
+                <a:gd name="connsiteX1" fmla="*/ 632298 w 638814"/>
+                <a:gd name="connsiteY1" fmla="*/ 505837 h 992222"/>
+                <a:gd name="connsiteX2" fmla="*/ 175098 w 638814"/>
+                <a:gd name="connsiteY2" fmla="*/ 992222 h 992222"/>
+                <a:gd name="connsiteX0" fmla="*/ 0 w 633237"/>
+                <a:gd name="connsiteY0" fmla="*/ 0 h 992222"/>
+                <a:gd name="connsiteX1" fmla="*/ 632298 w 633237"/>
+                <a:gd name="connsiteY1" fmla="*/ 505837 h 992222"/>
+                <a:gd name="connsiteX2" fmla="*/ 175098 w 633237"/>
+                <a:gd name="connsiteY2" fmla="*/ 992222 h 992222"/>
+                <a:gd name="connsiteX0" fmla="*/ 25562 w 459107"/>
+                <a:gd name="connsiteY0" fmla="*/ 0 h 1246222"/>
+                <a:gd name="connsiteX1" fmla="*/ 457200 w 459107"/>
+                <a:gd name="connsiteY1" fmla="*/ 759837 h 1246222"/>
+                <a:gd name="connsiteX2" fmla="*/ 0 w 459107"/>
+                <a:gd name="connsiteY2" fmla="*/ 1246222 h 1246222"/>
+                <a:gd name="connsiteX0" fmla="*/ 25562 w 458473"/>
+                <a:gd name="connsiteY0" fmla="*/ 0 h 1246222"/>
+                <a:gd name="connsiteX1" fmla="*/ 457200 w 458473"/>
+                <a:gd name="connsiteY1" fmla="*/ 759837 h 1246222"/>
+                <a:gd name="connsiteX2" fmla="*/ 0 w 458473"/>
+                <a:gd name="connsiteY2" fmla="*/ 1246222 h 1246222"/>
+                <a:gd name="connsiteX0" fmla="*/ 25562 w 457265"/>
+                <a:gd name="connsiteY0" fmla="*/ 0 h 1246222"/>
+                <a:gd name="connsiteX1" fmla="*/ 457200 w 457265"/>
+                <a:gd name="connsiteY1" fmla="*/ 759837 h 1246222"/>
+                <a:gd name="connsiteX2" fmla="*/ 0 w 457265"/>
+                <a:gd name="connsiteY2" fmla="*/ 1246222 h 1246222"/>
+                <a:gd name="connsiteX0" fmla="*/ 25562 w 461139"/>
+                <a:gd name="connsiteY0" fmla="*/ 0 h 1246222"/>
+                <a:gd name="connsiteX1" fmla="*/ 457200 w 461139"/>
+                <a:gd name="connsiteY1" fmla="*/ 759837 h 1246222"/>
+                <a:gd name="connsiteX2" fmla="*/ 0 w 461139"/>
+                <a:gd name="connsiteY2" fmla="*/ 1246222 h 1246222"/>
+                <a:gd name="connsiteX0" fmla="*/ 25562 w 457380"/>
+                <a:gd name="connsiteY0" fmla="*/ 0 h 1246222"/>
+                <a:gd name="connsiteX1" fmla="*/ 457200 w 457380"/>
+                <a:gd name="connsiteY1" fmla="*/ 759837 h 1246222"/>
+                <a:gd name="connsiteX2" fmla="*/ 0 w 457380"/>
+                <a:gd name="connsiteY2" fmla="*/ 1246222 h 1246222"/>
+                <a:gd name="connsiteX0" fmla="*/ 132242 w 467411"/>
+                <a:gd name="connsiteY0" fmla="*/ 0 h 1319882"/>
+                <a:gd name="connsiteX1" fmla="*/ 457200 w 467411"/>
+                <a:gd name="connsiteY1" fmla="*/ 833497 h 1319882"/>
+                <a:gd name="connsiteX2" fmla="*/ 0 w 467411"/>
+                <a:gd name="connsiteY2" fmla="*/ 1319882 h 1319882"/>
+                <a:gd name="connsiteX0" fmla="*/ 132242 w 471635"/>
+                <a:gd name="connsiteY0" fmla="*/ 0 h 1319882"/>
+                <a:gd name="connsiteX1" fmla="*/ 457200 w 471635"/>
+                <a:gd name="connsiteY1" fmla="*/ 833497 h 1319882"/>
+                <a:gd name="connsiteX2" fmla="*/ 0 w 471635"/>
+                <a:gd name="connsiteY2" fmla="*/ 1319882 h 1319882"/>
+              </a:gdLst>
+              <a:ahLst/>
+              <a:cxnLst>
+                <a:cxn ang="0">
+                  <a:pos x="connsiteX0" y="connsiteY0"/>
+                </a:cxn>
+                <a:cxn ang="0">
+                  <a:pos x="connsiteX1" y="connsiteY1"/>
+                </a:cxn>
+                <a:cxn ang="0">
+                  <a:pos x="connsiteX2" y="connsiteY2"/>
+                </a:cxn>
+              </a:cxnLst>
+              <a:rect l="l" t="t" r="r" b="b"/>
+              <a:pathLst>
+                <a:path w="471635" h="1319882">
+                  <a:moveTo>
+                    <a:pt x="132242" y="0"/>
+                  </a:moveTo>
+                  <a:cubicBezTo>
+                    <a:pt x="499299" y="487086"/>
+                    <a:pt x="489400" y="694797"/>
+                    <a:pt x="457200" y="833497"/>
+                  </a:cubicBezTo>
+                  <a:cubicBezTo>
+                    <a:pt x="425000" y="972197"/>
+                    <a:pt x="258593" y="1197475"/>
+                    <a:pt x="0" y="1319882"/>
+                  </a:cubicBezTo>
+                </a:path>
+              </a:pathLst>
+            </a:custGeom>
+            <a:noFill/>
+            <a:ln w="57150">
+              <a:solidFill>
+                <a:srgbClr val="C00000"/>
+              </a:solidFill>
+            </a:ln>
+          </p:spPr>
+          <p:style>
+            <a:lnRef idx="2">
+              <a:schemeClr val="accent1">
+                <a:shade val="50000"/>
+              </a:schemeClr>
+            </a:lnRef>
+            <a:fillRef idx="1">
+              <a:schemeClr val="accent1"/>
+            </a:fillRef>
+            <a:effectRef idx="0">
+              <a:schemeClr val="accent1"/>
+            </a:effectRef>
+            <a:fontRef idx="minor">
+              <a:schemeClr val="lt1"/>
+            </a:fontRef>
+          </p:style>
+          <p:txBody>
+            <a:bodyPr rtlCol="0" anchor="ctr"/>
+            <a:lstStyle/>
+            <a:p>
+              <a:pPr algn="ctr"/>
+              <a:endParaRPr lang="en-US"/>
+            </a:p>
+          </p:txBody>
+        </p:sp>
+        <p:sp>
+          <p:nvSpPr>
+            <p:cNvPr id="13" name="Isosceles Triangle 12">
+              <a:extLst>
+                <a:ext uri="{FF2B5EF4-FFF2-40B4-BE49-F238E27FC236}">
+                  <a16:creationId xmlns:a16="http://schemas.microsoft.com/office/drawing/2014/main" id="{55936AB8-01D0-4EBA-AAB5-5241152938BC}"/>
+                </a:ext>
+              </a:extLst>
+            </p:cNvPr>
+            <p:cNvSpPr/>
+            <p:nvPr/>
+          </p:nvSpPr>
+          <p:spPr>
+            <a:xfrm rot="15077569">
+              <a:off x="11240514" y="2950651"/>
+              <a:ext cx="226569" cy="195318"/>
+            </a:xfrm>
+            <a:prstGeom prst="triangle">
+              <a:avLst/>
+            </a:prstGeom>
+            <a:solidFill>
+              <a:srgbClr val="C00000"/>
+            </a:solidFill>
+            <a:ln>
+              <a:noFill/>
+            </a:ln>
+          </p:spPr>
+          <p:style>
+            <a:lnRef idx="2">
+              <a:schemeClr val="accent1">
+                <a:shade val="50000"/>
+              </a:schemeClr>
+            </a:lnRef>
+            <a:fillRef idx="1">
+              <a:schemeClr val="accent1"/>
+            </a:fillRef>
+            <a:effectRef idx="0">
+              <a:schemeClr val="accent1"/>
+            </a:effectRef>
+            <a:fontRef idx="minor">
+              <a:schemeClr val="lt1"/>
+            </a:fontRef>
+          </p:style>
+          <p:txBody>
+            <a:bodyPr rtlCol="0" anchor="ctr"/>
+            <a:lstStyle/>
+            <a:p>
+              <a:pPr algn="ctr"/>
+              <a:endParaRPr lang="en-US" dirty="0"/>
+            </a:p>
+          </p:txBody>
+        </p:sp>
+      </p:grpSp>
+      <p:sp>
+        <p:nvSpPr>
+          <p:cNvPr id="14" name="Content Placeholder 2">
+            <a:extLst>
+              <a:ext uri="{FF2B5EF4-FFF2-40B4-BE49-F238E27FC236}">
+                <a16:creationId xmlns:a16="http://schemas.microsoft.com/office/drawing/2014/main" id="{2A2CFD82-470B-491B-B680-8DB430BCDEFD}"/>
+              </a:ext>
+            </a:extLst>
+          </p:cNvPr>
+          <p:cNvSpPr txBox="1">
+            <a:spLocks/>
+          </p:cNvSpPr>
+          <p:nvPr/>
+        </p:nvSpPr>
+        <p:spPr>
+          <a:xfrm>
+            <a:off x="7746611" y="1763527"/>
+            <a:ext cx="2825074" cy="523637"/>
+          </a:xfrm>
+          <a:prstGeom prst="rect">
+            <a:avLst/>
+          </a:prstGeom>
+        </p:spPr>
+        <p:txBody>
+          <a:bodyPr vert="horz" lIns="91440" tIns="45720" rIns="91440" bIns="45720" rtlCol="0">
+            <a:normAutofit/>
+          </a:bodyPr>
+          <a:lstStyle>
+            <a:lvl1pPr marL="228600" indent="-228600" algn="l" defTabSz="914400" rtl="0" eaLnBrk="1" latinLnBrk="0" hangingPunct="1">
+              <a:lnSpc>
+                <a:spcPct val="90000"/>
+              </a:lnSpc>
+              <a:spcBef>
+                <a:spcPts val="1000"/>
+              </a:spcBef>
+              <a:buFont typeface="Arial" panose="020B0604020202020204" pitchFamily="34" charset="0"/>
+              <a:buChar char="•"/>
+              <a:defRPr sz="2800" kern="1200">
+                <a:solidFill>
+                  <a:schemeClr val="tx1"/>
+                </a:solidFill>
+                <a:latin typeface="+mn-lt"/>
+                <a:ea typeface="+mn-ea"/>
+                <a:cs typeface="+mn-cs"/>
+              </a:defRPr>
+            </a:lvl1pPr>
+            <a:lvl2pPr marL="685800" indent="-228600" algn="l" defTabSz="914400" rtl="0" eaLnBrk="1" latinLnBrk="0" hangingPunct="1">
+              <a:lnSpc>
+                <a:spcPct val="90000"/>
+              </a:lnSpc>
+              <a:spcBef>
+                <a:spcPts val="500"/>
+              </a:spcBef>
+              <a:buFont typeface="Arial" panose="020B0604020202020204" pitchFamily="34" charset="0"/>
+              <a:buChar char="•"/>
+              <a:defRPr sz="2400" kern="1200">
+                <a:solidFill>
+                  <a:schemeClr val="tx1"/>
+                </a:solidFill>
+                <a:latin typeface="+mn-lt"/>
+                <a:ea typeface="+mn-ea"/>
+                <a:cs typeface="+mn-cs"/>
+              </a:defRPr>
+            </a:lvl2pPr>
+            <a:lvl3pPr marL="1143000" indent="-228600" algn="l" defTabSz="914400" rtl="0" eaLnBrk="1" latinLnBrk="0" hangingPunct="1">
+              <a:lnSpc>
+                <a:spcPct val="90000"/>
+              </a:lnSpc>
+              <a:spcBef>
+                <a:spcPts val="500"/>
+              </a:spcBef>
+              <a:buFont typeface="Arial" panose="020B0604020202020204" pitchFamily="34" charset="0"/>
+              <a:buChar char="•"/>
+              <a:defRPr sz="2000" kern="1200">
+                <a:solidFill>
+                  <a:schemeClr val="tx1"/>
+                </a:solidFill>
+                <a:latin typeface="+mn-lt"/>
+                <a:ea typeface="+mn-ea"/>
+                <a:cs typeface="+mn-cs"/>
+              </a:defRPr>
+            </a:lvl3pPr>
+            <a:lvl4pPr marL="1600200" indent="-228600" algn="l" defTabSz="914400" rtl="0" eaLnBrk="1" latinLnBrk="0" hangingPunct="1">
+              <a:lnSpc>
+                <a:spcPct val="90000"/>
+              </a:lnSpc>
+              <a:spcBef>
+                <a:spcPts val="500"/>
+              </a:spcBef>
+              <a:buFont typeface="Arial" panose="020B0604020202020204" pitchFamily="34" charset="0"/>
+              <a:buChar char="•"/>
+              <a:defRPr sz="1800" kern="1200">
+                <a:solidFill>
+                  <a:schemeClr val="tx1"/>
+                </a:solidFill>
+                <a:latin typeface="+mn-lt"/>
+                <a:ea typeface="+mn-ea"/>
+                <a:cs typeface="+mn-cs"/>
+              </a:defRPr>
+            </a:lvl4pPr>
+            <a:lvl5pPr marL="2057400" indent="-228600" algn="l" defTabSz="914400" rtl="0" eaLnBrk="1" latinLnBrk="0" hangingPunct="1">
+              <a:lnSpc>
+                <a:spcPct val="90000"/>
+              </a:lnSpc>
+              <a:spcBef>
+                <a:spcPts val="500"/>
+              </a:spcBef>
+              <a:buFont typeface="Arial" panose="020B0604020202020204" pitchFamily="34" charset="0"/>
+              <a:buChar char="•"/>
+              <a:defRPr sz="1800" kern="1200">
+                <a:solidFill>
+                  <a:schemeClr val="tx1"/>
+                </a:solidFill>
+                <a:latin typeface="+mn-lt"/>
+                <a:ea typeface="+mn-ea"/>
+                <a:cs typeface="+mn-cs"/>
+              </a:defRPr>
+            </a:lvl5pPr>
+            <a:lvl6pPr marL="2514600" indent="-228600" algn="l" defTabSz="914400" rtl="0" eaLnBrk="1" latinLnBrk="0" hangingPunct="1">
+              <a:lnSpc>
+                <a:spcPct val="90000"/>
+              </a:lnSpc>
+              <a:spcBef>
+                <a:spcPts val="500"/>
+              </a:spcBef>
+              <a:buFont typeface="Arial" panose="020B0604020202020204" pitchFamily="34" charset="0"/>
+              <a:buChar char="•"/>
+              <a:defRPr sz="1800" kern="1200">
+                <a:solidFill>
+                  <a:schemeClr val="tx1"/>
+                </a:solidFill>
+                <a:latin typeface="+mn-lt"/>
+                <a:ea typeface="+mn-ea"/>
+                <a:cs typeface="+mn-cs"/>
+              </a:defRPr>
+            </a:lvl6pPr>
+            <a:lvl7pPr marL="2971800" indent="-228600" algn="l" defTabSz="914400" rtl="0" eaLnBrk="1" latinLnBrk="0" hangingPunct="1">
+              <a:lnSpc>
+                <a:spcPct val="90000"/>
+              </a:lnSpc>
+              <a:spcBef>
+                <a:spcPts val="500"/>
+              </a:spcBef>
+              <a:buFont typeface="Arial" panose="020B0604020202020204" pitchFamily="34" charset="0"/>
+              <a:buChar char="•"/>
+              <a:defRPr sz="1800" kern="1200">
+                <a:solidFill>
+                  <a:schemeClr val="tx1"/>
+                </a:solidFill>
+                <a:latin typeface="+mn-lt"/>
+                <a:ea typeface="+mn-ea"/>
+                <a:cs typeface="+mn-cs"/>
+              </a:defRPr>
+            </a:lvl7pPr>
+            <a:lvl8pPr marL="3429000" indent="-228600" algn="l" defTabSz="914400" rtl="0" eaLnBrk="1" latinLnBrk="0" hangingPunct="1">
+              <a:lnSpc>
+                <a:spcPct val="90000"/>
+              </a:lnSpc>
+              <a:spcBef>
+                <a:spcPts val="500"/>
+              </a:spcBef>
+              <a:buFont typeface="Arial" panose="020B0604020202020204" pitchFamily="34" charset="0"/>
+              <a:buChar char="•"/>
+              <a:defRPr sz="1800" kern="1200">
+                <a:solidFill>
+                  <a:schemeClr val="tx1"/>
+                </a:solidFill>
+                <a:latin typeface="+mn-lt"/>
+                <a:ea typeface="+mn-ea"/>
+                <a:cs typeface="+mn-cs"/>
+              </a:defRPr>
+            </a:lvl8pPr>
+            <a:lvl9pPr marL="3886200" indent="-228600" algn="l" defTabSz="914400" rtl="0" eaLnBrk="1" latinLnBrk="0" hangingPunct="1">
+              <a:lnSpc>
+                <a:spcPct val="90000"/>
+              </a:lnSpc>
+              <a:spcBef>
+                <a:spcPts val="500"/>
+              </a:spcBef>
+              <a:buFont typeface="Arial" panose="020B0604020202020204" pitchFamily="34" charset="0"/>
+              <a:buChar char="•"/>
+              <a:defRPr sz="1800" kern="1200">
+                <a:solidFill>
+                  <a:schemeClr val="tx1"/>
+                </a:solidFill>
+                <a:latin typeface="+mn-lt"/>
+                <a:ea typeface="+mn-ea"/>
+                <a:cs typeface="+mn-cs"/>
+              </a:defRPr>
+            </a:lvl9pPr>
+          </a:lstStyle>
+          <a:p>
+            <a:pPr marL="0" indent="0">
+              <a:buNone/>
+            </a:pPr>
+            <a:r>
+              <a:rPr lang="en-US" dirty="0"/>
+              <a:t>Establish the plot</a:t>
+            </a:r>
+          </a:p>
+        </p:txBody>
+      </p:sp>
+      <p:sp>
+        <p:nvSpPr>
+          <p:cNvPr id="15" name="Content Placeholder 2">
+            <a:extLst>
+              <a:ext uri="{FF2B5EF4-FFF2-40B4-BE49-F238E27FC236}">
+                <a16:creationId xmlns:a16="http://schemas.microsoft.com/office/drawing/2014/main" id="{AFC9D6C4-9505-439A-AAAB-227F5C717BA6}"/>
+              </a:ext>
+            </a:extLst>
+          </p:cNvPr>
+          <p:cNvSpPr txBox="1">
+            <a:spLocks/>
+          </p:cNvSpPr>
+          <p:nvPr/>
+        </p:nvSpPr>
+        <p:spPr>
+          <a:xfrm>
+            <a:off x="8993529" y="5161891"/>
+            <a:ext cx="3258099" cy="875042"/>
+          </a:xfrm>
+          <a:prstGeom prst="rect">
+            <a:avLst/>
+          </a:prstGeom>
+        </p:spPr>
+        <p:txBody>
+          <a:bodyPr vert="horz" lIns="91440" tIns="45720" rIns="91440" bIns="45720" rtlCol="0">
+            <a:noAutofit/>
+          </a:bodyPr>
+          <a:lstStyle>
+            <a:lvl1pPr marL="228600" indent="-228600" algn="l" defTabSz="914400" rtl="0" eaLnBrk="1" latinLnBrk="0" hangingPunct="1">
+              <a:lnSpc>
+                <a:spcPct val="90000"/>
+              </a:lnSpc>
+              <a:spcBef>
+                <a:spcPts val="1000"/>
+              </a:spcBef>
+              <a:buFont typeface="Arial" panose="020B0604020202020204" pitchFamily="34" charset="0"/>
+              <a:buChar char="•"/>
+              <a:defRPr sz="2800" kern="1200">
+                <a:solidFill>
+                  <a:schemeClr val="tx1"/>
+                </a:solidFill>
+                <a:latin typeface="+mn-lt"/>
+                <a:ea typeface="+mn-ea"/>
+                <a:cs typeface="+mn-cs"/>
+              </a:defRPr>
+            </a:lvl1pPr>
+            <a:lvl2pPr marL="685800" indent="-228600" algn="l" defTabSz="914400" rtl="0" eaLnBrk="1" latinLnBrk="0" hangingPunct="1">
+              <a:lnSpc>
+                <a:spcPct val="90000"/>
+              </a:lnSpc>
+              <a:spcBef>
+                <a:spcPts val="500"/>
+              </a:spcBef>
+              <a:buFont typeface="Arial" panose="020B0604020202020204" pitchFamily="34" charset="0"/>
+              <a:buChar char="•"/>
+              <a:defRPr sz="2400" kern="1200">
+                <a:solidFill>
+                  <a:schemeClr val="tx1"/>
+                </a:solidFill>
+                <a:latin typeface="+mn-lt"/>
+                <a:ea typeface="+mn-ea"/>
+                <a:cs typeface="+mn-cs"/>
+              </a:defRPr>
+            </a:lvl2pPr>
+            <a:lvl3pPr marL="1143000" indent="-228600" algn="l" defTabSz="914400" rtl="0" eaLnBrk="1" latinLnBrk="0" hangingPunct="1">
+              <a:lnSpc>
+                <a:spcPct val="90000"/>
+              </a:lnSpc>
+              <a:spcBef>
+                <a:spcPts val="500"/>
+              </a:spcBef>
+              <a:buFont typeface="Arial" panose="020B0604020202020204" pitchFamily="34" charset="0"/>
+              <a:buChar char="•"/>
+              <a:defRPr sz="2000" kern="1200">
+                <a:solidFill>
+                  <a:schemeClr val="tx1"/>
+                </a:solidFill>
+                <a:latin typeface="+mn-lt"/>
+                <a:ea typeface="+mn-ea"/>
+                <a:cs typeface="+mn-cs"/>
+              </a:defRPr>
+            </a:lvl3pPr>
+            <a:lvl4pPr marL="1600200" indent="-228600" algn="l" defTabSz="914400" rtl="0" eaLnBrk="1" latinLnBrk="0" hangingPunct="1">
+              <a:lnSpc>
+                <a:spcPct val="90000"/>
+              </a:lnSpc>
+              <a:spcBef>
+                <a:spcPts val="500"/>
+              </a:spcBef>
+              <a:buFont typeface="Arial" panose="020B0604020202020204" pitchFamily="34" charset="0"/>
+              <a:buChar char="•"/>
+              <a:defRPr sz="1800" kern="1200">
+                <a:solidFill>
+                  <a:schemeClr val="tx1"/>
+                </a:solidFill>
+                <a:latin typeface="+mn-lt"/>
+                <a:ea typeface="+mn-ea"/>
+                <a:cs typeface="+mn-cs"/>
+              </a:defRPr>
+            </a:lvl4pPr>
+            <a:lvl5pPr marL="2057400" indent="-228600" algn="l" defTabSz="914400" rtl="0" eaLnBrk="1" latinLnBrk="0" hangingPunct="1">
+              <a:lnSpc>
+                <a:spcPct val="90000"/>
+              </a:lnSpc>
+              <a:spcBef>
+                <a:spcPts val="500"/>
+              </a:spcBef>
+              <a:buFont typeface="Arial" panose="020B0604020202020204" pitchFamily="34" charset="0"/>
+              <a:buChar char="•"/>
+              <a:defRPr sz="1800" kern="1200">
+                <a:solidFill>
+                  <a:schemeClr val="tx1"/>
+                </a:solidFill>
+                <a:latin typeface="+mn-lt"/>
+                <a:ea typeface="+mn-ea"/>
+                <a:cs typeface="+mn-cs"/>
+              </a:defRPr>
+            </a:lvl5pPr>
+            <a:lvl6pPr marL="2514600" indent="-228600" algn="l" defTabSz="914400" rtl="0" eaLnBrk="1" latinLnBrk="0" hangingPunct="1">
+              <a:lnSpc>
+                <a:spcPct val="90000"/>
+              </a:lnSpc>
+              <a:spcBef>
+                <a:spcPts val="500"/>
+              </a:spcBef>
+              <a:buFont typeface="Arial" panose="020B0604020202020204" pitchFamily="34" charset="0"/>
+              <a:buChar char="•"/>
+              <a:defRPr sz="1800" kern="1200">
+                <a:solidFill>
+                  <a:schemeClr val="tx1"/>
+                </a:solidFill>
+                <a:latin typeface="+mn-lt"/>
+                <a:ea typeface="+mn-ea"/>
+                <a:cs typeface="+mn-cs"/>
+              </a:defRPr>
+            </a:lvl6pPr>
+            <a:lvl7pPr marL="2971800" indent="-228600" algn="l" defTabSz="914400" rtl="0" eaLnBrk="1" latinLnBrk="0" hangingPunct="1">
+              <a:lnSpc>
+                <a:spcPct val="90000"/>
+              </a:lnSpc>
+              <a:spcBef>
+                <a:spcPts val="500"/>
+              </a:spcBef>
+              <a:buFont typeface="Arial" panose="020B0604020202020204" pitchFamily="34" charset="0"/>
+              <a:buChar char="•"/>
+              <a:defRPr sz="1800" kern="1200">
+                <a:solidFill>
+                  <a:schemeClr val="tx1"/>
+                </a:solidFill>
+                <a:latin typeface="+mn-lt"/>
+                <a:ea typeface="+mn-ea"/>
+                <a:cs typeface="+mn-cs"/>
+              </a:defRPr>
+            </a:lvl7pPr>
+            <a:lvl8pPr marL="3429000" indent="-228600" algn="l" defTabSz="914400" rtl="0" eaLnBrk="1" latinLnBrk="0" hangingPunct="1">
+              <a:lnSpc>
+                <a:spcPct val="90000"/>
+              </a:lnSpc>
+              <a:spcBef>
+                <a:spcPts val="500"/>
+              </a:spcBef>
+              <a:buFont typeface="Arial" panose="020B0604020202020204" pitchFamily="34" charset="0"/>
+              <a:buChar char="•"/>
+              <a:defRPr sz="1800" kern="1200">
+                <a:solidFill>
+                  <a:schemeClr val="tx1"/>
+                </a:solidFill>
+                <a:latin typeface="+mn-lt"/>
+                <a:ea typeface="+mn-ea"/>
+                <a:cs typeface="+mn-cs"/>
+              </a:defRPr>
+            </a:lvl8pPr>
+            <a:lvl9pPr marL="3886200" indent="-228600" algn="l" defTabSz="914400" rtl="0" eaLnBrk="1" latinLnBrk="0" hangingPunct="1">
+              <a:lnSpc>
+                <a:spcPct val="90000"/>
+              </a:lnSpc>
+              <a:spcBef>
+                <a:spcPts val="500"/>
+              </a:spcBef>
+              <a:buFont typeface="Arial" panose="020B0604020202020204" pitchFamily="34" charset="0"/>
+              <a:buChar char="•"/>
+              <a:defRPr sz="1800" kern="1200">
+                <a:solidFill>
+                  <a:schemeClr val="tx1"/>
+                </a:solidFill>
+                <a:latin typeface="+mn-lt"/>
+                <a:ea typeface="+mn-ea"/>
+                <a:cs typeface="+mn-cs"/>
+              </a:defRPr>
+            </a:lvl9pPr>
+          </a:lstStyle>
+          <a:p>
+            <a:pPr marL="0" indent="0" algn="ctr">
+              <a:buNone/>
+            </a:pPr>
+            <a:r>
+              <a:rPr lang="en-US" dirty="0"/>
+              <a:t>Control x axis       (e.g., set axis breaks)</a:t>
+            </a:r>
+          </a:p>
+        </p:txBody>
+      </p:sp>
+      <p:grpSp>
+        <p:nvGrpSpPr>
+          <p:cNvPr id="18" name="Group 17">
+            <a:extLst>
+              <a:ext uri="{FF2B5EF4-FFF2-40B4-BE49-F238E27FC236}">
+                <a16:creationId xmlns:a16="http://schemas.microsoft.com/office/drawing/2014/main" id="{2178917D-682B-41BB-B8AE-B9F640E9CCE8}"/>
+              </a:ext>
+            </a:extLst>
+          </p:cNvPr>
+          <p:cNvGrpSpPr/>
+          <p:nvPr/>
+        </p:nvGrpSpPr>
+        <p:grpSpPr>
+          <a:xfrm>
+            <a:off x="7162971" y="4737262"/>
+            <a:ext cx="355329" cy="757527"/>
+            <a:chOff x="7162971" y="4737262"/>
+            <a:chExt cx="355329" cy="757527"/>
+          </a:xfrm>
+        </p:grpSpPr>
+        <p:sp>
+          <p:nvSpPr>
+            <p:cNvPr id="16" name="Freeform: Shape 15">
+              <a:extLst>
+                <a:ext uri="{FF2B5EF4-FFF2-40B4-BE49-F238E27FC236}">
+                  <a16:creationId xmlns:a16="http://schemas.microsoft.com/office/drawing/2014/main" id="{2D01391F-70A2-400C-9F8B-5CE3D9902E7B}"/>
+                </a:ext>
+              </a:extLst>
+            </p:cNvPr>
+            <p:cNvSpPr/>
+            <p:nvPr/>
+          </p:nvSpPr>
+          <p:spPr>
+            <a:xfrm>
+              <a:off x="7162971" y="4884229"/>
+              <a:ext cx="257669" cy="610560"/>
+            </a:xfrm>
+            <a:custGeom>
+              <a:avLst/>
+              <a:gdLst>
+                <a:gd name="connsiteX0" fmla="*/ 295224 w 295224"/>
+                <a:gd name="connsiteY0" fmla="*/ 0 h 778213"/>
+                <a:gd name="connsiteX1" fmla="*/ 32577 w 295224"/>
+                <a:gd name="connsiteY1" fmla="*/ 408562 h 778213"/>
+                <a:gd name="connsiteX2" fmla="*/ 13122 w 295224"/>
+                <a:gd name="connsiteY2" fmla="*/ 778213 h 778213"/>
+              </a:gdLst>
+              <a:ahLst/>
+              <a:cxnLst>
+                <a:cxn ang="0">
+                  <a:pos x="connsiteX0" y="connsiteY0"/>
+                </a:cxn>
+                <a:cxn ang="0">
+                  <a:pos x="connsiteX1" y="connsiteY1"/>
+                </a:cxn>
+                <a:cxn ang="0">
+                  <a:pos x="connsiteX2" y="connsiteY2"/>
+                </a:cxn>
+              </a:cxnLst>
+              <a:rect l="l" t="t" r="r" b="b"/>
+              <a:pathLst>
+                <a:path w="295224" h="778213">
+                  <a:moveTo>
+                    <a:pt x="295224" y="0"/>
+                  </a:moveTo>
+                  <a:cubicBezTo>
+                    <a:pt x="187409" y="139430"/>
+                    <a:pt x="79594" y="278860"/>
+                    <a:pt x="32577" y="408562"/>
+                  </a:cubicBezTo>
+                  <a:cubicBezTo>
+                    <a:pt x="-14440" y="538264"/>
+                    <a:pt x="-659" y="658238"/>
+                    <a:pt x="13122" y="778213"/>
+                  </a:cubicBezTo>
+                </a:path>
+              </a:pathLst>
+            </a:custGeom>
+            <a:noFill/>
+            <a:ln w="57150">
+              <a:solidFill>
+                <a:srgbClr val="C00000"/>
+              </a:solidFill>
+            </a:ln>
+          </p:spPr>
+          <p:style>
+            <a:lnRef idx="2">
+              <a:schemeClr val="accent1">
+                <a:shade val="50000"/>
+              </a:schemeClr>
+            </a:lnRef>
+            <a:fillRef idx="1">
+              <a:schemeClr val="accent1"/>
+            </a:fillRef>
+            <a:effectRef idx="0">
+              <a:schemeClr val="accent1"/>
+            </a:effectRef>
+            <a:fontRef idx="minor">
+              <a:schemeClr val="lt1"/>
+            </a:fontRef>
+          </p:style>
+          <p:txBody>
+            <a:bodyPr rtlCol="0" anchor="ctr"/>
+            <a:lstStyle/>
+            <a:p>
+              <a:pPr algn="ctr"/>
+              <a:endParaRPr lang="en-US"/>
+            </a:p>
+          </p:txBody>
+        </p:sp>
+        <p:sp>
+          <p:nvSpPr>
+            <p:cNvPr id="17" name="Isosceles Triangle 16">
+              <a:extLst>
+                <a:ext uri="{FF2B5EF4-FFF2-40B4-BE49-F238E27FC236}">
+                  <a16:creationId xmlns:a16="http://schemas.microsoft.com/office/drawing/2014/main" id="{ED57BBF3-994A-4DA6-BF70-A0359D307A9D}"/>
+                </a:ext>
+              </a:extLst>
+            </p:cNvPr>
+            <p:cNvSpPr/>
+            <p:nvPr/>
+          </p:nvSpPr>
+          <p:spPr>
+            <a:xfrm rot="6522431" flipV="1">
+              <a:off x="7307356" y="4752888"/>
+              <a:ext cx="226569" cy="195318"/>
+            </a:xfrm>
+            <a:prstGeom prst="triangle">
+              <a:avLst/>
+            </a:prstGeom>
+            <a:solidFill>
+              <a:srgbClr val="C00000"/>
+            </a:solidFill>
+            <a:ln>
+              <a:noFill/>
+            </a:ln>
+          </p:spPr>
+          <p:style>
+            <a:lnRef idx="2">
+              <a:schemeClr val="accent1">
+                <a:shade val="50000"/>
+              </a:schemeClr>
+            </a:lnRef>
+            <a:fillRef idx="1">
+              <a:schemeClr val="accent1"/>
+            </a:fillRef>
+            <a:effectRef idx="0">
+              <a:schemeClr val="accent1"/>
+            </a:effectRef>
+            <a:fontRef idx="minor">
+              <a:schemeClr val="lt1"/>
+            </a:fontRef>
+          </p:style>
+          <p:txBody>
+            <a:bodyPr rtlCol="0" anchor="ctr"/>
+            <a:lstStyle/>
+            <a:p>
+              <a:pPr algn="ctr"/>
+              <a:endParaRPr lang="en-US"/>
+            </a:p>
+          </p:txBody>
+        </p:sp>
+      </p:grpSp>
+      <p:sp>
+        <p:nvSpPr>
+          <p:cNvPr id="19" name="Content Placeholder 2">
+            <a:extLst>
+              <a:ext uri="{FF2B5EF4-FFF2-40B4-BE49-F238E27FC236}">
+                <a16:creationId xmlns:a16="http://schemas.microsoft.com/office/drawing/2014/main" id="{A2AFA6E0-E0B7-44E3-9D01-06A5E1BAD127}"/>
+              </a:ext>
+            </a:extLst>
+          </p:cNvPr>
+          <p:cNvSpPr txBox="1">
+            <a:spLocks/>
+          </p:cNvSpPr>
+          <p:nvPr/>
+        </p:nvSpPr>
+        <p:spPr>
+          <a:xfrm>
+            <a:off x="6509406" y="5480963"/>
+            <a:ext cx="2743201" cy="756766"/>
+          </a:xfrm>
+          <a:prstGeom prst="rect">
+            <a:avLst/>
+          </a:prstGeom>
+        </p:spPr>
+        <p:txBody>
+          <a:bodyPr vert="horz" lIns="91440" tIns="45720" rIns="91440" bIns="45720" rtlCol="0">
+            <a:normAutofit/>
+          </a:bodyPr>
+          <a:lstStyle>
+            <a:lvl1pPr marL="228600" indent="-228600" algn="l" defTabSz="914400" rtl="0" eaLnBrk="1" latinLnBrk="0" hangingPunct="1">
+              <a:lnSpc>
+                <a:spcPct val="90000"/>
+              </a:lnSpc>
+              <a:spcBef>
+                <a:spcPts val="1000"/>
+              </a:spcBef>
+              <a:buFont typeface="Arial" panose="020B0604020202020204" pitchFamily="34" charset="0"/>
+              <a:buChar char="•"/>
+              <a:defRPr sz="2800" kern="1200">
+                <a:solidFill>
+                  <a:schemeClr val="tx1"/>
+                </a:solidFill>
+                <a:latin typeface="+mn-lt"/>
+                <a:ea typeface="+mn-ea"/>
+                <a:cs typeface="+mn-cs"/>
+              </a:defRPr>
+            </a:lvl1pPr>
+            <a:lvl2pPr marL="685800" indent="-228600" algn="l" defTabSz="914400" rtl="0" eaLnBrk="1" latinLnBrk="0" hangingPunct="1">
+              <a:lnSpc>
+                <a:spcPct val="90000"/>
+              </a:lnSpc>
+              <a:spcBef>
+                <a:spcPts val="500"/>
+              </a:spcBef>
+              <a:buFont typeface="Arial" panose="020B0604020202020204" pitchFamily="34" charset="0"/>
+              <a:buChar char="•"/>
+              <a:defRPr sz="2400" kern="1200">
+                <a:solidFill>
+                  <a:schemeClr val="tx1"/>
+                </a:solidFill>
+                <a:latin typeface="+mn-lt"/>
+                <a:ea typeface="+mn-ea"/>
+                <a:cs typeface="+mn-cs"/>
+              </a:defRPr>
+            </a:lvl2pPr>
+            <a:lvl3pPr marL="1143000" indent="-228600" algn="l" defTabSz="914400" rtl="0" eaLnBrk="1" latinLnBrk="0" hangingPunct="1">
+              <a:lnSpc>
+                <a:spcPct val="90000"/>
+              </a:lnSpc>
+              <a:spcBef>
+                <a:spcPts val="500"/>
+              </a:spcBef>
+              <a:buFont typeface="Arial" panose="020B0604020202020204" pitchFamily="34" charset="0"/>
+              <a:buChar char="•"/>
+              <a:defRPr sz="2000" kern="1200">
+                <a:solidFill>
+                  <a:schemeClr val="tx1"/>
+                </a:solidFill>
+                <a:latin typeface="+mn-lt"/>
+                <a:ea typeface="+mn-ea"/>
+                <a:cs typeface="+mn-cs"/>
+              </a:defRPr>
+            </a:lvl3pPr>
+            <a:lvl4pPr marL="1600200" indent="-228600" algn="l" defTabSz="914400" rtl="0" eaLnBrk="1" latinLnBrk="0" hangingPunct="1">
+              <a:lnSpc>
+                <a:spcPct val="90000"/>
+              </a:lnSpc>
+              <a:spcBef>
+                <a:spcPts val="500"/>
+              </a:spcBef>
+              <a:buFont typeface="Arial" panose="020B0604020202020204" pitchFamily="34" charset="0"/>
+              <a:buChar char="•"/>
+              <a:defRPr sz="1800" kern="1200">
+                <a:solidFill>
+                  <a:schemeClr val="tx1"/>
+                </a:solidFill>
+                <a:latin typeface="+mn-lt"/>
+                <a:ea typeface="+mn-ea"/>
+                <a:cs typeface="+mn-cs"/>
+              </a:defRPr>
+            </a:lvl4pPr>
+            <a:lvl5pPr marL="2057400" indent="-228600" algn="l" defTabSz="914400" rtl="0" eaLnBrk="1" latinLnBrk="0" hangingPunct="1">
+              <a:lnSpc>
+                <a:spcPct val="90000"/>
+              </a:lnSpc>
+              <a:spcBef>
+                <a:spcPts val="500"/>
+              </a:spcBef>
+              <a:buFont typeface="Arial" panose="020B0604020202020204" pitchFamily="34" charset="0"/>
+              <a:buChar char="•"/>
+              <a:defRPr sz="1800" kern="1200">
+                <a:solidFill>
+                  <a:schemeClr val="tx1"/>
+                </a:solidFill>
+                <a:latin typeface="+mn-lt"/>
+                <a:ea typeface="+mn-ea"/>
+                <a:cs typeface="+mn-cs"/>
+              </a:defRPr>
+            </a:lvl5pPr>
+            <a:lvl6pPr marL="2514600" indent="-228600" algn="l" defTabSz="914400" rtl="0" eaLnBrk="1" latinLnBrk="0" hangingPunct="1">
+              <a:lnSpc>
+                <a:spcPct val="90000"/>
+              </a:lnSpc>
+              <a:spcBef>
+                <a:spcPts val="500"/>
+              </a:spcBef>
+              <a:buFont typeface="Arial" panose="020B0604020202020204" pitchFamily="34" charset="0"/>
+              <a:buChar char="•"/>
+              <a:defRPr sz="1800" kern="1200">
+                <a:solidFill>
+                  <a:schemeClr val="tx1"/>
+                </a:solidFill>
+                <a:latin typeface="+mn-lt"/>
+                <a:ea typeface="+mn-ea"/>
+                <a:cs typeface="+mn-cs"/>
+              </a:defRPr>
+            </a:lvl6pPr>
+            <a:lvl7pPr marL="2971800" indent="-228600" algn="l" defTabSz="914400" rtl="0" eaLnBrk="1" latinLnBrk="0" hangingPunct="1">
+              <a:lnSpc>
+                <a:spcPct val="90000"/>
+              </a:lnSpc>
+              <a:spcBef>
+                <a:spcPts val="500"/>
+              </a:spcBef>
+              <a:buFont typeface="Arial" panose="020B0604020202020204" pitchFamily="34" charset="0"/>
+              <a:buChar char="•"/>
+              <a:defRPr sz="1800" kern="1200">
+                <a:solidFill>
+                  <a:schemeClr val="tx1"/>
+                </a:solidFill>
+                <a:latin typeface="+mn-lt"/>
+                <a:ea typeface="+mn-ea"/>
+                <a:cs typeface="+mn-cs"/>
+              </a:defRPr>
+            </a:lvl7pPr>
+            <a:lvl8pPr marL="3429000" indent="-228600" algn="l" defTabSz="914400" rtl="0" eaLnBrk="1" latinLnBrk="0" hangingPunct="1">
+              <a:lnSpc>
+                <a:spcPct val="90000"/>
+              </a:lnSpc>
+              <a:spcBef>
+                <a:spcPts val="500"/>
+              </a:spcBef>
+              <a:buFont typeface="Arial" panose="020B0604020202020204" pitchFamily="34" charset="0"/>
+              <a:buChar char="•"/>
+              <a:defRPr sz="1800" kern="1200">
+                <a:solidFill>
+                  <a:schemeClr val="tx1"/>
+                </a:solidFill>
+                <a:latin typeface="+mn-lt"/>
+                <a:ea typeface="+mn-ea"/>
+                <a:cs typeface="+mn-cs"/>
+              </a:defRPr>
+            </a:lvl8pPr>
+            <a:lvl9pPr marL="3886200" indent="-228600" algn="l" defTabSz="914400" rtl="0" eaLnBrk="1" latinLnBrk="0" hangingPunct="1">
+              <a:lnSpc>
+                <a:spcPct val="90000"/>
+              </a:lnSpc>
+              <a:spcBef>
+                <a:spcPts val="500"/>
+              </a:spcBef>
+              <a:buFont typeface="Arial" panose="020B0604020202020204" pitchFamily="34" charset="0"/>
+              <a:buChar char="•"/>
+              <a:defRPr sz="1800" kern="1200">
+                <a:solidFill>
+                  <a:schemeClr val="tx1"/>
+                </a:solidFill>
+                <a:latin typeface="+mn-lt"/>
+                <a:ea typeface="+mn-ea"/>
+                <a:cs typeface="+mn-cs"/>
+              </a:defRPr>
+            </a:lvl9pPr>
+          </a:lstStyle>
+          <a:p>
+            <a:pPr marL="0" indent="0">
+              <a:buNone/>
+            </a:pPr>
+            <a:r>
+              <a:rPr lang="en-US" dirty="0"/>
+              <a:t>Create lines!</a:t>
+            </a:r>
+          </a:p>
+        </p:txBody>
+      </p:sp>
+      <p:sp>
+        <p:nvSpPr>
+          <p:cNvPr id="6" name="TextBox 5">
+            <a:extLst>
+              <a:ext uri="{FF2B5EF4-FFF2-40B4-BE49-F238E27FC236}">
+                <a16:creationId xmlns:a16="http://schemas.microsoft.com/office/drawing/2014/main" id="{9F719AE6-202B-4341-8C3C-0A1EB78CF39B}"/>
+              </a:ext>
+            </a:extLst>
+          </p:cNvPr>
+          <p:cNvSpPr txBox="1"/>
+          <p:nvPr/>
+        </p:nvSpPr>
+        <p:spPr>
+          <a:xfrm>
+            <a:off x="10163986" y="3312059"/>
+            <a:ext cx="276924" cy="400110"/>
+          </a:xfrm>
+          <a:prstGeom prst="rect">
+            <a:avLst/>
+          </a:prstGeom>
+          <a:noFill/>
+        </p:spPr>
+        <p:txBody>
+          <a:bodyPr wrap="square" rtlCol="0">
+            <a:spAutoFit/>
+          </a:bodyPr>
+          <a:lstStyle/>
+          <a:p>
+            <a:r>
+              <a:rPr lang="en-US" sz="2000" dirty="0">
+                <a:latin typeface="Consolas" panose="020B0609020204030204" pitchFamily="49" charset="0"/>
+              </a:rPr>
+              <a:t>+</a:t>
+            </a:r>
+            <a:endParaRPr lang="en-US" dirty="0"/>
+          </a:p>
+        </p:txBody>
+      </p:sp>
+    </p:spTree>
+    <p:extLst>
+      <p:ext uri="{BB962C8B-B14F-4D97-AF65-F5344CB8AC3E}">
+        <p14:creationId xmlns:p14="http://schemas.microsoft.com/office/powerpoint/2010/main" val="991509113"/>
+      </p:ext>
+    </p:extLst>
+  </p:cSld>
+  <p:clrMapOvr>
+    <a:masterClrMapping/>
+  </p:clrMapOvr>
+  <p:timing>
+    <p:tnLst>
+      <p:par>
+        <p:cTn id="1" dur="indefinite" restart="never" nodeType="tmRoot">
+          <p:childTnLst>
+            <p:seq concurrent="1" nextAc="seek">
+              <p:cTn id="2" dur="indefinite" nodeType="mainSeq">
+                <p:childTnLst>
+                  <p:par>
+                    <p:cTn id="3" fill="hold">
+                      <p:stCondLst>
+                        <p:cond delay="indefinite"/>
+                      </p:stCondLst>
+                      <p:childTnLst>
+                        <p:par>
+                          <p:cTn id="4" fill="hold">
+                            <p:stCondLst>
+                              <p:cond delay="0"/>
+                            </p:stCondLst>
+                            <p:childTnLst>
+                              <p:par>
+                                <p:cTn id="5" presetID="1" presetClass="entr" presetSubtype="0" fill="hold" nodeType="clickEffect">
+                                  <p:stCondLst>
+                                    <p:cond delay="0"/>
+                                  </p:stCondLst>
+                                  <p:childTnLst>
+                                    <p:set>
+                                      <p:cBhvr>
+                                        <p:cTn id="6" dur="1" fill="hold">
+                                          <p:stCondLst>
+                                            <p:cond delay="0"/>
+                                          </p:stCondLst>
+                                        </p:cTn>
+                                        <p:tgtEl>
+                                          <p:spTgt spid="3">
+                                            <p:txEl>
+                                              <p:pRg st="0" end="0"/>
+                                            </p:txEl>
+                                          </p:spTgt>
+                                        </p:tgtEl>
+                                        <p:attrNameLst>
+                                          <p:attrName>style.visibility</p:attrName>
+                                        </p:attrNameLst>
+                                      </p:cBhvr>
+                                      <p:to>
+                                        <p:strVal val="visible"/>
+                                      </p:to>
+                                    </p:set>
+                                  </p:childTnLst>
+                                </p:cTn>
+                              </p:par>
+                              <p:par>
+                                <p:cTn id="7" presetID="1" presetClass="entr" presetSubtype="0" fill="hold" nodeType="withEffect">
+                                  <p:stCondLst>
+                                    <p:cond delay="0"/>
+                                  </p:stCondLst>
+                                  <p:childTnLst>
+                                    <p:set>
+                                      <p:cBhvr>
+                                        <p:cTn id="8" dur="1" fill="hold">
+                                          <p:stCondLst>
+                                            <p:cond delay="0"/>
+                                          </p:stCondLst>
+                                        </p:cTn>
+                                        <p:tgtEl>
+                                          <p:spTgt spid="3">
+                                            <p:txEl>
+                                              <p:pRg st="1" end="1"/>
+                                            </p:txEl>
+                                          </p:spTgt>
+                                        </p:tgtEl>
+                                        <p:attrNameLst>
+                                          <p:attrName>style.visibility</p:attrName>
+                                        </p:attrNameLst>
+                                      </p:cBhvr>
+                                      <p:to>
+                                        <p:strVal val="visible"/>
+                                      </p:to>
+                                    </p:set>
+                                  </p:childTnLst>
+                                </p:cTn>
+                              </p:par>
+                            </p:childTnLst>
+                          </p:cTn>
+                        </p:par>
+                      </p:childTnLst>
+                    </p:cTn>
+                  </p:par>
+                  <p:par>
+                    <p:cTn id="9" fill="hold">
+                      <p:stCondLst>
+                        <p:cond delay="indefinite"/>
+                      </p:stCondLst>
+                      <p:childTnLst>
+                        <p:par>
+                          <p:cTn id="10" fill="hold">
+                            <p:stCondLst>
+                              <p:cond delay="0"/>
+                            </p:stCondLst>
+                            <p:childTnLst>
+                              <p:par>
+                                <p:cTn id="11" presetID="1" presetClass="entr" presetSubtype="0" fill="hold" nodeType="clickEffect">
+                                  <p:stCondLst>
+                                    <p:cond delay="0"/>
+                                  </p:stCondLst>
+                                  <p:childTnLst>
+                                    <p:set>
+                                      <p:cBhvr>
+                                        <p:cTn id="12" dur="1" fill="hold">
+                                          <p:stCondLst>
+                                            <p:cond delay="0"/>
+                                          </p:stCondLst>
+                                        </p:cTn>
+                                        <p:tgtEl>
+                                          <p:spTgt spid="5">
+                                            <p:txEl>
+                                              <p:pRg st="0" end="0"/>
+                                            </p:txEl>
+                                          </p:spTgt>
+                                        </p:tgtEl>
+                                        <p:attrNameLst>
+                                          <p:attrName>style.visibility</p:attrName>
+                                        </p:attrNameLst>
+                                      </p:cBhvr>
+                                      <p:to>
+                                        <p:strVal val="visible"/>
+                                      </p:to>
+                                    </p:set>
+                                  </p:childTnLst>
+                                </p:cTn>
+                              </p:par>
+                            </p:childTnLst>
+                          </p:cTn>
+                        </p:par>
+                      </p:childTnLst>
+                    </p:cTn>
+                  </p:par>
+                  <p:par>
+                    <p:cTn id="13" fill="hold">
+                      <p:stCondLst>
+                        <p:cond delay="indefinite"/>
+                      </p:stCondLst>
+                      <p:childTnLst>
+                        <p:par>
+                          <p:cTn id="14" fill="hold">
+                            <p:stCondLst>
+                              <p:cond delay="0"/>
+                            </p:stCondLst>
+                            <p:childTnLst>
+                              <p:par>
+                                <p:cTn id="15" presetID="1" presetClass="entr" presetSubtype="0" fill="hold" nodeType="clickEffect">
+                                  <p:stCondLst>
+                                    <p:cond delay="0"/>
+                                  </p:stCondLst>
+                                  <p:childTnLst>
+                                    <p:set>
+                                      <p:cBhvr>
+                                        <p:cTn id="16" dur="1" fill="hold">
+                                          <p:stCondLst>
+                                            <p:cond delay="0"/>
+                                          </p:stCondLst>
+                                        </p:cTn>
+                                        <p:tgtEl>
+                                          <p:spTgt spid="3">
+                                            <p:txEl>
+                                              <p:pRg st="2" end="2"/>
+                                            </p:txEl>
+                                          </p:spTgt>
+                                        </p:tgtEl>
+                                        <p:attrNameLst>
+                                          <p:attrName>style.visibility</p:attrName>
+                                        </p:attrNameLst>
+                                      </p:cBhvr>
+                                      <p:to>
+                                        <p:strVal val="visible"/>
+                                      </p:to>
+                                    </p:set>
+                                  </p:childTnLst>
+                                </p:cTn>
+                              </p:par>
+                              <p:par>
+                                <p:cTn id="17" presetID="1" presetClass="entr" presetSubtype="0" fill="hold" grpId="0" nodeType="withEffect">
+                                  <p:stCondLst>
+                                    <p:cond delay="0"/>
+                                  </p:stCondLst>
+                                  <p:childTnLst>
+                                    <p:set>
+                                      <p:cBhvr>
+                                        <p:cTn id="18" dur="1" fill="hold">
+                                          <p:stCondLst>
+                                            <p:cond delay="0"/>
+                                          </p:stCondLst>
+                                        </p:cTn>
+                                        <p:tgtEl>
+                                          <p:spTgt spid="6"/>
+                                        </p:tgtEl>
+                                        <p:attrNameLst>
+                                          <p:attrName>style.visibility</p:attrName>
+                                        </p:attrNameLst>
+                                      </p:cBhvr>
+                                      <p:to>
+                                        <p:strVal val="visible"/>
+                                      </p:to>
+                                    </p:set>
+                                  </p:childTnLst>
+                                </p:cTn>
+                              </p:par>
+                            </p:childTnLst>
+                          </p:cTn>
+                        </p:par>
+                      </p:childTnLst>
+                    </p:cTn>
+                  </p:par>
+                  <p:par>
+                    <p:cTn id="19" fill="hold">
+                      <p:stCondLst>
+                        <p:cond delay="indefinite"/>
+                      </p:stCondLst>
+                      <p:childTnLst>
+                        <p:par>
+                          <p:cTn id="20" fill="hold">
+                            <p:stCondLst>
+                              <p:cond delay="0"/>
+                            </p:stCondLst>
+                            <p:childTnLst>
+                              <p:par>
+                                <p:cTn id="21" presetID="1" presetClass="entr" presetSubtype="0" fill="hold" nodeType="clickEffect">
+                                  <p:stCondLst>
+                                    <p:cond delay="0"/>
+                                  </p:stCondLst>
+                                  <p:childTnLst>
+                                    <p:set>
+                                      <p:cBhvr>
+                                        <p:cTn id="22" dur="1" fill="hold">
+                                          <p:stCondLst>
+                                            <p:cond delay="0"/>
+                                          </p:stCondLst>
+                                        </p:cTn>
+                                        <p:tgtEl>
+                                          <p:spTgt spid="3">
+                                            <p:txEl>
+                                              <p:pRg st="3" end="3"/>
+                                            </p:txEl>
+                                          </p:spTgt>
+                                        </p:tgtEl>
+                                        <p:attrNameLst>
+                                          <p:attrName>style.visibility</p:attrName>
+                                        </p:attrNameLst>
+                                      </p:cBhvr>
+                                      <p:to>
+                                        <p:strVal val="visible"/>
+                                      </p:to>
+                                    </p:set>
+                                  </p:childTnLst>
+                                </p:cTn>
+                              </p:par>
+                              <p:par>
+                                <p:cTn id="23" presetID="1" presetClass="entr" presetSubtype="0" fill="hold" nodeType="withEffect">
+                                  <p:stCondLst>
+                                    <p:cond delay="0"/>
+                                  </p:stCondLst>
+                                  <p:childTnLst>
+                                    <p:set>
+                                      <p:cBhvr>
+                                        <p:cTn id="24" dur="1" fill="hold">
+                                          <p:stCondLst>
+                                            <p:cond delay="0"/>
+                                          </p:stCondLst>
+                                        </p:cTn>
+                                        <p:tgtEl>
+                                          <p:spTgt spid="5">
+                                            <p:txEl>
+                                              <p:pRg st="1" end="1"/>
+                                            </p:txEl>
+                                          </p:spTgt>
+                                        </p:tgtEl>
+                                        <p:attrNameLst>
+                                          <p:attrName>style.visibility</p:attrName>
+                                        </p:attrNameLst>
+                                      </p:cBhvr>
+                                      <p:to>
+                                        <p:strVal val="visible"/>
+                                      </p:to>
+                                    </p:set>
+                                  </p:childTnLst>
+                                </p:cTn>
+                              </p:par>
+                            </p:childTnLst>
+                          </p:cTn>
+                        </p:par>
+                      </p:childTnLst>
+                    </p:cTn>
+                  </p:par>
+                  <p:par>
+                    <p:cTn id="25" fill="hold">
+                      <p:stCondLst>
+                        <p:cond delay="indefinite"/>
+                      </p:stCondLst>
+                      <p:childTnLst>
+                        <p:par>
+                          <p:cTn id="26" fill="hold">
+                            <p:stCondLst>
+                              <p:cond delay="0"/>
+                            </p:stCondLst>
+                            <p:childTnLst>
+                              <p:par>
+                                <p:cTn id="27" presetID="1" presetClass="entr" presetSubtype="0" fill="hold" nodeType="clickEffect">
+                                  <p:stCondLst>
+                                    <p:cond delay="0"/>
+                                  </p:stCondLst>
+                                  <p:childTnLst>
+                                    <p:set>
+                                      <p:cBhvr>
+                                        <p:cTn id="28" dur="1" fill="hold">
+                                          <p:stCondLst>
+                                            <p:cond delay="0"/>
+                                          </p:stCondLst>
+                                        </p:cTn>
+                                        <p:tgtEl>
+                                          <p:spTgt spid="3">
+                                            <p:txEl>
+                                              <p:pRg st="4" end="4"/>
+                                            </p:txEl>
+                                          </p:spTgt>
+                                        </p:tgtEl>
+                                        <p:attrNameLst>
+                                          <p:attrName>style.visibility</p:attrName>
+                                        </p:attrNameLst>
+                                      </p:cBhvr>
+                                      <p:to>
+                                        <p:strVal val="visible"/>
+                                      </p:to>
+                                    </p:set>
+                                  </p:childTnLst>
+                                </p:cTn>
+                              </p:par>
+                              <p:par>
+                                <p:cTn id="29" presetID="1" presetClass="entr" presetSubtype="0" fill="hold" nodeType="withEffect">
+                                  <p:stCondLst>
+                                    <p:cond delay="0"/>
+                                  </p:stCondLst>
+                                  <p:childTnLst>
+                                    <p:set>
+                                      <p:cBhvr>
+                                        <p:cTn id="30" dur="1" fill="hold">
+                                          <p:stCondLst>
+                                            <p:cond delay="0"/>
+                                          </p:stCondLst>
+                                        </p:cTn>
+                                        <p:tgtEl>
+                                          <p:spTgt spid="3">
+                                            <p:txEl>
+                                              <p:pRg st="5" end="5"/>
+                                            </p:txEl>
+                                          </p:spTgt>
+                                        </p:tgtEl>
+                                        <p:attrNameLst>
+                                          <p:attrName>style.visibility</p:attrName>
+                                        </p:attrNameLst>
+                                      </p:cBhvr>
+                                      <p:to>
+                                        <p:strVal val="visible"/>
+                                      </p:to>
+                                    </p:set>
+                                  </p:childTnLst>
+                                </p:cTn>
+                              </p:par>
+                              <p:par>
+                                <p:cTn id="31" presetID="1" presetClass="entr" presetSubtype="0" fill="hold" nodeType="withEffect">
+                                  <p:stCondLst>
+                                    <p:cond delay="0"/>
+                                  </p:stCondLst>
+                                  <p:childTnLst>
+                                    <p:set>
+                                      <p:cBhvr>
+                                        <p:cTn id="32" dur="1" fill="hold">
+                                          <p:stCondLst>
+                                            <p:cond delay="0"/>
+                                          </p:stCondLst>
+                                        </p:cTn>
+                                        <p:tgtEl>
+                                          <p:spTgt spid="5">
+                                            <p:txEl>
+                                              <p:pRg st="2" end="2"/>
+                                            </p:txEl>
+                                          </p:spTgt>
+                                        </p:tgtEl>
+                                        <p:attrNameLst>
+                                          <p:attrName>style.visibility</p:attrName>
+                                        </p:attrNameLst>
+                                      </p:cBhvr>
+                                      <p:to>
+                                        <p:strVal val="visible"/>
+                                      </p:to>
+                                    </p:set>
+                                  </p:childTnLst>
+                                </p:cTn>
+                              </p:par>
+                            </p:childTnLst>
+                          </p:cTn>
+                        </p:par>
+                      </p:childTnLst>
+                    </p:cTn>
+                  </p:par>
+                  <p:par>
+                    <p:cTn id="33" fill="hold">
+                      <p:stCondLst>
+                        <p:cond delay="indefinite"/>
+                      </p:stCondLst>
+                      <p:childTnLst>
+                        <p:par>
+                          <p:cTn id="34" fill="hold">
+                            <p:stCondLst>
+                              <p:cond delay="0"/>
+                            </p:stCondLst>
+                            <p:childTnLst>
+                              <p:par>
+                                <p:cTn id="35" presetID="1" presetClass="entr" presetSubtype="0" fill="hold" nodeType="clickEffect">
+                                  <p:stCondLst>
+                                    <p:cond delay="0"/>
+                                  </p:stCondLst>
+                                  <p:childTnLst>
+                                    <p:set>
+                                      <p:cBhvr>
+                                        <p:cTn id="36" dur="1" fill="hold">
+                                          <p:stCondLst>
+                                            <p:cond delay="0"/>
+                                          </p:stCondLst>
+                                        </p:cTn>
+                                        <p:tgtEl>
+                                          <p:spTgt spid="3">
+                                            <p:txEl>
+                                              <p:pRg st="6" end="6"/>
+                                            </p:txEl>
+                                          </p:spTgt>
+                                        </p:tgtEl>
+                                        <p:attrNameLst>
+                                          <p:attrName>style.visibility</p:attrName>
+                                        </p:attrNameLst>
+                                      </p:cBhvr>
+                                      <p:to>
+                                        <p:strVal val="visible"/>
+                                      </p:to>
+                                    </p:set>
+                                  </p:childTnLst>
+                                </p:cTn>
+                              </p:par>
+                              <p:par>
+                                <p:cTn id="37" presetID="3" presetClass="emph" presetSubtype="2" fill="hold" nodeType="withEffect">
+                                  <p:stCondLst>
+                                    <p:cond delay="0"/>
+                                  </p:stCondLst>
+                                  <p:childTnLst>
+                                    <p:animClr clrSpc="rgb" dir="cw">
+                                      <p:cBhvr override="childStyle">
+                                        <p:cTn id="38" dur="500" fill="hold"/>
+                                        <p:tgtEl>
+                                          <p:spTgt spid="3">
+                                            <p:txEl>
+                                              <p:pRg st="0" end="0"/>
+                                            </p:txEl>
+                                          </p:spTgt>
+                                        </p:tgtEl>
+                                        <p:attrNameLst>
+                                          <p:attrName>style.color</p:attrName>
+                                        </p:attrNameLst>
+                                      </p:cBhvr>
+                                      <p:to>
+                                        <a:srgbClr val="9D9D9D"/>
+                                      </p:to>
+                                    </p:animClr>
+                                  </p:childTnLst>
+                                </p:cTn>
+                              </p:par>
+                              <p:par>
+                                <p:cTn id="39" presetID="3" presetClass="emph" presetSubtype="2" fill="hold" nodeType="withEffect">
+                                  <p:stCondLst>
+                                    <p:cond delay="0"/>
+                                  </p:stCondLst>
+                                  <p:childTnLst>
+                                    <p:animClr clrSpc="rgb" dir="cw">
+                                      <p:cBhvr override="childStyle">
+                                        <p:cTn id="40" dur="500" fill="hold"/>
+                                        <p:tgtEl>
+                                          <p:spTgt spid="3">
+                                            <p:txEl>
+                                              <p:pRg st="1" end="1"/>
+                                            </p:txEl>
+                                          </p:spTgt>
+                                        </p:tgtEl>
+                                        <p:attrNameLst>
+                                          <p:attrName>style.color</p:attrName>
+                                        </p:attrNameLst>
+                                      </p:cBhvr>
+                                      <p:to>
+                                        <a:srgbClr val="9D9D9D"/>
+                                      </p:to>
+                                    </p:animClr>
+                                  </p:childTnLst>
+                                </p:cTn>
+                              </p:par>
+                              <p:par>
+                                <p:cTn id="41" presetID="3" presetClass="emph" presetSubtype="2" fill="hold" nodeType="withEffect">
+                                  <p:stCondLst>
+                                    <p:cond delay="0"/>
+                                  </p:stCondLst>
+                                  <p:childTnLst>
+                                    <p:animClr clrSpc="rgb" dir="cw">
+                                      <p:cBhvr override="childStyle">
+                                        <p:cTn id="42" dur="500" fill="hold"/>
+                                        <p:tgtEl>
+                                          <p:spTgt spid="3">
+                                            <p:txEl>
+                                              <p:pRg st="2" end="2"/>
+                                            </p:txEl>
+                                          </p:spTgt>
+                                        </p:tgtEl>
+                                        <p:attrNameLst>
+                                          <p:attrName>style.color</p:attrName>
+                                        </p:attrNameLst>
+                                      </p:cBhvr>
+                                      <p:to>
+                                        <a:srgbClr val="9D9D9D"/>
+                                      </p:to>
+                                    </p:animClr>
+                                  </p:childTnLst>
+                                </p:cTn>
+                              </p:par>
+                              <p:par>
+                                <p:cTn id="43" presetID="3" presetClass="emph" presetSubtype="2" fill="hold" nodeType="withEffect">
+                                  <p:stCondLst>
+                                    <p:cond delay="0"/>
+                                  </p:stCondLst>
+                                  <p:childTnLst>
+                                    <p:animClr clrSpc="rgb" dir="cw">
+                                      <p:cBhvr override="childStyle">
+                                        <p:cTn id="44" dur="500" fill="hold"/>
+                                        <p:tgtEl>
+                                          <p:spTgt spid="3">
+                                            <p:txEl>
+                                              <p:pRg st="4" end="4"/>
+                                            </p:txEl>
+                                          </p:spTgt>
+                                        </p:tgtEl>
+                                        <p:attrNameLst>
+                                          <p:attrName>style.color</p:attrName>
+                                        </p:attrNameLst>
+                                      </p:cBhvr>
+                                      <p:to>
+                                        <a:srgbClr val="9D9D9D"/>
+                                      </p:to>
+                                    </p:animClr>
+                                  </p:childTnLst>
+                                </p:cTn>
+                              </p:par>
+                              <p:par>
+                                <p:cTn id="45" presetID="3" presetClass="emph" presetSubtype="2" fill="hold" nodeType="withEffect">
+                                  <p:stCondLst>
+                                    <p:cond delay="0"/>
+                                  </p:stCondLst>
+                                  <p:childTnLst>
+                                    <p:animClr clrSpc="rgb" dir="cw">
+                                      <p:cBhvr override="childStyle">
+                                        <p:cTn id="46" dur="500" fill="hold"/>
+                                        <p:tgtEl>
+                                          <p:spTgt spid="3">
+                                            <p:txEl>
+                                              <p:pRg st="5" end="5"/>
+                                            </p:txEl>
+                                          </p:spTgt>
+                                        </p:tgtEl>
+                                        <p:attrNameLst>
+                                          <p:attrName>style.color</p:attrName>
+                                        </p:attrNameLst>
+                                      </p:cBhvr>
+                                      <p:to>
+                                        <a:srgbClr val="9D9D9D"/>
+                                      </p:to>
+                                    </p:animClr>
+                                  </p:childTnLst>
+                                </p:cTn>
+                              </p:par>
+                              <p:par>
+                                <p:cTn id="47" presetID="3" presetClass="emph" presetSubtype="2" fill="hold" nodeType="withEffect">
+                                  <p:stCondLst>
+                                    <p:cond delay="0"/>
+                                  </p:stCondLst>
+                                  <p:childTnLst>
+                                    <p:animClr clrSpc="rgb" dir="cw">
+                                      <p:cBhvr override="childStyle">
+                                        <p:cTn id="48" dur="500" fill="hold"/>
+                                        <p:tgtEl>
+                                          <p:spTgt spid="3">
+                                            <p:txEl>
+                                              <p:pRg st="3" end="3"/>
+                                            </p:txEl>
+                                          </p:spTgt>
+                                        </p:tgtEl>
+                                        <p:attrNameLst>
+                                          <p:attrName>style.color</p:attrName>
+                                        </p:attrNameLst>
+                                      </p:cBhvr>
+                                      <p:to>
+                                        <a:srgbClr val="9D9D9D"/>
+                                      </p:to>
+                                    </p:animClr>
+                                  </p:childTnLst>
+                                </p:cTn>
+                              </p:par>
+                              <p:par>
+                                <p:cTn id="49" presetID="3" presetClass="emph" presetSubtype="2" fill="hold" nodeType="withEffect">
+                                  <p:stCondLst>
+                                    <p:cond delay="0"/>
+                                  </p:stCondLst>
+                                  <p:childTnLst>
+                                    <p:animClr clrSpc="rgb" dir="cw">
+                                      <p:cBhvr override="childStyle">
+                                        <p:cTn id="50" dur="500" fill="hold"/>
+                                        <p:tgtEl>
+                                          <p:spTgt spid="3">
+                                            <p:txEl>
+                                              <p:pRg st="6" end="6"/>
+                                            </p:txEl>
+                                          </p:spTgt>
+                                        </p:tgtEl>
+                                        <p:attrNameLst>
+                                          <p:attrName>style.color</p:attrName>
+                                        </p:attrNameLst>
+                                      </p:cBhvr>
+                                      <p:to>
+                                        <a:srgbClr val="9D9D9D"/>
+                                      </p:to>
+                                    </p:animClr>
+                                  </p:childTnLst>
+                                </p:cTn>
+                              </p:par>
+                            </p:childTnLst>
+                          </p:cTn>
+                        </p:par>
+                      </p:childTnLst>
+                    </p:cTn>
+                  </p:par>
+                  <p:par>
+                    <p:cTn id="51" fill="hold">
+                      <p:stCondLst>
+                        <p:cond delay="indefinite"/>
+                      </p:stCondLst>
+                      <p:childTnLst>
+                        <p:par>
+                          <p:cTn id="52" fill="hold">
+                            <p:stCondLst>
+                              <p:cond delay="0"/>
+                            </p:stCondLst>
+                            <p:childTnLst>
+                              <p:par>
+                                <p:cTn id="53" presetID="1" presetClass="entr" presetSubtype="0" fill="hold" nodeType="clickEffect">
+                                  <p:stCondLst>
+                                    <p:cond delay="0"/>
+                                  </p:stCondLst>
+                                  <p:childTnLst>
+                                    <p:set>
+                                      <p:cBhvr>
+                                        <p:cTn id="54" dur="1" fill="hold">
+                                          <p:stCondLst>
+                                            <p:cond delay="0"/>
+                                          </p:stCondLst>
+                                        </p:cTn>
+                                        <p:tgtEl>
+                                          <p:spTgt spid="10"/>
+                                        </p:tgtEl>
+                                        <p:attrNameLst>
+                                          <p:attrName>style.visibility</p:attrName>
+                                        </p:attrNameLst>
+                                      </p:cBhvr>
+                                      <p:to>
+                                        <p:strVal val="visible"/>
+                                      </p:to>
+                                    </p:set>
+                                  </p:childTnLst>
+                                </p:cTn>
+                              </p:par>
+                              <p:par>
+                                <p:cTn id="55" presetID="1" presetClass="entr" presetSubtype="0" fill="hold" grpId="0" nodeType="withEffect">
+                                  <p:stCondLst>
+                                    <p:cond delay="0"/>
+                                  </p:stCondLst>
+                                  <p:childTnLst>
+                                    <p:set>
+                                      <p:cBhvr>
+                                        <p:cTn id="56" dur="1" fill="hold">
+                                          <p:stCondLst>
+                                            <p:cond delay="0"/>
+                                          </p:stCondLst>
+                                        </p:cTn>
+                                        <p:tgtEl>
+                                          <p:spTgt spid="14"/>
+                                        </p:tgtEl>
+                                        <p:attrNameLst>
+                                          <p:attrName>style.visibility</p:attrName>
+                                        </p:attrNameLst>
+                                      </p:cBhvr>
+                                      <p:to>
+                                        <p:strVal val="visible"/>
+                                      </p:to>
+                                    </p:set>
+                                  </p:childTnLst>
+                                </p:cTn>
+                              </p:par>
+                            </p:childTnLst>
+                          </p:cTn>
+                        </p:par>
+                      </p:childTnLst>
+                    </p:cTn>
+                  </p:par>
+                  <p:par>
+                    <p:cTn id="57" fill="hold">
+                      <p:stCondLst>
+                        <p:cond delay="indefinite"/>
+                      </p:stCondLst>
+                      <p:childTnLst>
+                        <p:par>
+                          <p:cTn id="58" fill="hold">
+                            <p:stCondLst>
+                              <p:cond delay="0"/>
+                            </p:stCondLst>
+                            <p:childTnLst>
+                              <p:par>
+                                <p:cTn id="59" presetID="1" presetClass="entr" presetSubtype="0" fill="hold" nodeType="clickEffect">
+                                  <p:stCondLst>
+                                    <p:cond delay="0"/>
+                                  </p:stCondLst>
+                                  <p:childTnLst>
+                                    <p:set>
+                                      <p:cBhvr>
+                                        <p:cTn id="60" dur="1" fill="hold">
+                                          <p:stCondLst>
+                                            <p:cond delay="0"/>
+                                          </p:stCondLst>
+                                        </p:cTn>
+                                        <p:tgtEl>
+                                          <p:spTgt spid="11"/>
+                                        </p:tgtEl>
+                                        <p:attrNameLst>
+                                          <p:attrName>style.visibility</p:attrName>
+                                        </p:attrNameLst>
+                                      </p:cBhvr>
+                                      <p:to>
+                                        <p:strVal val="visible"/>
+                                      </p:to>
+                                    </p:set>
+                                  </p:childTnLst>
+                                </p:cTn>
+                              </p:par>
+                              <p:par>
+                                <p:cTn id="61" presetID="1" presetClass="entr" presetSubtype="0" fill="hold" grpId="0" nodeType="withEffect">
+                                  <p:stCondLst>
+                                    <p:cond delay="0"/>
+                                  </p:stCondLst>
+                                  <p:childTnLst>
+                                    <p:set>
+                                      <p:cBhvr>
+                                        <p:cTn id="62" dur="1" fill="hold">
+                                          <p:stCondLst>
+                                            <p:cond delay="0"/>
+                                          </p:stCondLst>
+                                        </p:cTn>
+                                        <p:tgtEl>
+                                          <p:spTgt spid="15"/>
+                                        </p:tgtEl>
+                                        <p:attrNameLst>
+                                          <p:attrName>style.visibility</p:attrName>
+                                        </p:attrNameLst>
+                                      </p:cBhvr>
+                                      <p:to>
+                                        <p:strVal val="visible"/>
+                                      </p:to>
+                                    </p:set>
+                                  </p:childTnLst>
+                                </p:cTn>
+                              </p:par>
+                            </p:childTnLst>
+                          </p:cTn>
+                        </p:par>
+                      </p:childTnLst>
+                    </p:cTn>
+                  </p:par>
+                  <p:par>
+                    <p:cTn id="63" fill="hold">
+                      <p:stCondLst>
+                        <p:cond delay="indefinite"/>
+                      </p:stCondLst>
+                      <p:childTnLst>
+                        <p:par>
+                          <p:cTn id="64" fill="hold">
+                            <p:stCondLst>
+                              <p:cond delay="0"/>
+                            </p:stCondLst>
+                            <p:childTnLst>
+                              <p:par>
+                                <p:cTn id="65" presetID="1" presetClass="entr" presetSubtype="0" fill="hold" nodeType="clickEffect">
+                                  <p:stCondLst>
+                                    <p:cond delay="0"/>
+                                  </p:stCondLst>
+                                  <p:childTnLst>
+                                    <p:set>
+                                      <p:cBhvr>
+                                        <p:cTn id="66" dur="1" fill="hold">
+                                          <p:stCondLst>
+                                            <p:cond delay="0"/>
+                                          </p:stCondLst>
+                                        </p:cTn>
+                                        <p:tgtEl>
+                                          <p:spTgt spid="18"/>
+                                        </p:tgtEl>
+                                        <p:attrNameLst>
+                                          <p:attrName>style.visibility</p:attrName>
+                                        </p:attrNameLst>
+                                      </p:cBhvr>
+                                      <p:to>
+                                        <p:strVal val="visible"/>
+                                      </p:to>
+                                    </p:set>
+                                  </p:childTnLst>
+                                </p:cTn>
+                              </p:par>
+                              <p:par>
+                                <p:cTn id="67" presetID="1" presetClass="entr" presetSubtype="0" fill="hold" grpId="0" nodeType="withEffect">
+                                  <p:stCondLst>
+                                    <p:cond delay="0"/>
+                                  </p:stCondLst>
+                                  <p:childTnLst>
+                                    <p:set>
+                                      <p:cBhvr>
+                                        <p:cTn id="68" dur="1" fill="hold">
+                                          <p:stCondLst>
+                                            <p:cond delay="0"/>
+                                          </p:stCondLst>
+                                        </p:cTn>
+                                        <p:tgtEl>
+                                          <p:spTgt spid="19"/>
+                                        </p:tgtEl>
+                                        <p:attrNameLst>
+                                          <p:attrName>style.visibility</p:attrName>
+                                        </p:attrNameLst>
+                                      </p:cBhvr>
+                                      <p:to>
+                                        <p:strVal val="visible"/>
+                                      </p:to>
+                                    </p:set>
+                                  </p:childTnLst>
+                                </p:cTn>
+                              </p:par>
+                            </p:childTnLst>
+                          </p:cTn>
+                        </p:par>
+                      </p:childTnLst>
+                    </p:cTn>
+                  </p:par>
+                </p:childTnLst>
+              </p:cTn>
+              <p:prevCondLst>
+                <p:cond evt="onPrev" delay="0">
+                  <p:tgtEl>
+                    <p:sldTgt/>
+                  </p:tgtEl>
+                </p:cond>
+              </p:prevCondLst>
+              <p:nextCondLst>
+                <p:cond evt="onNext" delay="0">
+                  <p:tgtEl>
+                    <p:sldTgt/>
+                  </p:tgtEl>
+                </p:cond>
+              </p:nextCondLst>
+            </p:seq>
+          </p:childTnLst>
+        </p:cTn>
+      </p:par>
+    </p:tnLst>
+    <p:bldLst>
+      <p:bldP spid="14" grpId="0"/>
+      <p:bldP spid="15" grpId="0"/>
+      <p:bldP spid="19" grpId="0"/>
+      <p:bldP spid="6" grpId="0"/>
+    </p:bldLst>
+  </p:timing>
+</p:sld>
+</file>
+
+<file path=ppt/slides/slide14.xml><?xml version="1.0" encoding="utf-8"?>
+<p:sld xmlns:a="http://schemas.openxmlformats.org/drawingml/2006/main" xmlns:r="http://schemas.openxmlformats.org/officeDocument/2006/relationships" xmlns:p="http://schemas.openxmlformats.org/presentationml/2006/main">
+  <p:cSld>
+    <p:spTree>
+      <p:nvGrpSpPr>
+        <p:cNvPr id="1" name=""/>
+        <p:cNvGrpSpPr/>
+        <p:nvPr/>
+      </p:nvGrpSpPr>
+      <p:grpSpPr>
+        <a:xfrm>
+          <a:off x="0" y="0"/>
+          <a:ext cx="0" cy="0"/>
+          <a:chOff x="0" y="0"/>
+          <a:chExt cx="0" cy="0"/>
+        </a:xfrm>
+      </p:grpSpPr>
+      <p:sp>
+        <p:nvSpPr>
           <p:cNvPr id="2" name="Title 1">
             <a:extLst>
               <a:ext uri="{FF2B5EF4-FFF2-40B4-BE49-F238E27FC236}">
@@ -4891,7 +8532,7 @@
           <a:p>
             <a:fld id="{6D95AE55-B5F4-483D-AEFF-E8059F5502F5}" type="slidenum">
               <a:rPr lang="en-US" smtClean="0"/>
-              <a:t>10</a:t>
+              <a:t>14</a:t>
             </a:fld>
             <a:endParaRPr lang="en-US" dirty="0"/>
           </a:p>
@@ -7361,7 +11002,7 @@
 </p:sld>
 </file>
 
-<file path=ppt/slides/slide11.xml><?xml version="1.0" encoding="utf-8"?>
+<file path=ppt/slides/slide15.xml><?xml version="1.0" encoding="utf-8"?>
 <p:sld xmlns:a="http://schemas.openxmlformats.org/drawingml/2006/main" xmlns:r="http://schemas.openxmlformats.org/officeDocument/2006/relationships" xmlns:p="http://schemas.openxmlformats.org/presentationml/2006/main">
   <p:cSld>
     <p:spTree>
@@ -7565,7 +11206,7 @@
           <a:p>
             <a:fld id="{6D95AE55-B5F4-483D-AEFF-E8059F5502F5}" type="slidenum">
               <a:rPr lang="en-US" smtClean="0"/>
-              <a:t>11</a:t>
+              <a:t>15</a:t>
             </a:fld>
             <a:endParaRPr lang="en-US"/>
           </a:p>
@@ -8367,7 +12008,7 @@
 </p:sld>
 </file>
 
-<file path=ppt/slides/slide12.xml><?xml version="1.0" encoding="utf-8"?>
+<file path=ppt/slides/slide16.xml><?xml version="1.0" encoding="utf-8"?>
 <p:sld xmlns:a="http://schemas.openxmlformats.org/drawingml/2006/main" xmlns:r="http://schemas.openxmlformats.org/officeDocument/2006/relationships" xmlns:p="http://schemas.openxmlformats.org/presentationml/2006/main">
   <p:cSld>
     <p:spTree>
@@ -8576,7 +12217,7 @@
           <a:p>
             <a:fld id="{6D95AE55-B5F4-483D-AEFF-E8059F5502F5}" type="slidenum">
               <a:rPr lang="en-US" smtClean="0"/>
-              <a:t>12</a:t>
+              <a:t>16</a:t>
             </a:fld>
             <a:endParaRPr lang="en-US" dirty="0"/>
           </a:p>
@@ -9501,7 +13142,7 @@
 </p:sld>
 </file>
 
-<file path=ppt/slides/slide13.xml><?xml version="1.0" encoding="utf-8"?>
+<file path=ppt/slides/slide17.xml><?xml version="1.0" encoding="utf-8"?>
 <p:sld xmlns:a="http://schemas.openxmlformats.org/drawingml/2006/main" xmlns:r="http://schemas.openxmlformats.org/officeDocument/2006/relationships" xmlns:p="http://schemas.openxmlformats.org/presentationml/2006/main">
   <p:cSld>
     <p:spTree>
@@ -9578,7 +13219,7 @@
           <a:p>
             <a:fld id="{6D95AE55-B5F4-483D-AEFF-E8059F5502F5}" type="slidenum">
               <a:rPr lang="en-US" smtClean="0"/>
-              <a:t>13</a:t>
+              <a:t>17</a:t>
             </a:fld>
             <a:endParaRPr lang="en-US"/>
           </a:p>
@@ -12249,7 +15890,7 @@
 </p:sld>
 </file>
 
-<file path=ppt/slides/slide14.xml><?xml version="1.0" encoding="utf-8"?>
+<file path=ppt/slides/slide18.xml><?xml version="1.0" encoding="utf-8"?>
 <p:sld xmlns:a="http://schemas.openxmlformats.org/drawingml/2006/main" xmlns:r="http://schemas.openxmlformats.org/officeDocument/2006/relationships" xmlns:p="http://schemas.openxmlformats.org/presentationml/2006/main">
   <p:cSld>
     <p:spTree>
@@ -12419,7 +16060,7 @@
           <a:p>
             <a:fld id="{6D95AE55-B5F4-483D-AEFF-E8059F5502F5}" type="slidenum">
               <a:rPr lang="en-US" smtClean="0"/>
-              <a:t>14</a:t>
+              <a:t>18</a:t>
             </a:fld>
             <a:endParaRPr lang="en-US"/>
           </a:p>
@@ -13777,7 +17418,7 @@
 </p:sld>
 </file>
 
-<file path=ppt/slides/slide15.xml><?xml version="1.0" encoding="utf-8"?>
+<file path=ppt/slides/slide19.xml><?xml version="1.0" encoding="utf-8"?>
 <p:sld xmlns:a="http://schemas.openxmlformats.org/drawingml/2006/main" xmlns:r="http://schemas.openxmlformats.org/officeDocument/2006/relationships" xmlns:p="http://schemas.openxmlformats.org/presentationml/2006/main">
   <p:cSld>
     <p:spTree>
@@ -13961,7 +17602,7 @@
           <a:p>
             <a:fld id="{6D95AE55-B5F4-483D-AEFF-E8059F5502F5}" type="slidenum">
               <a:rPr lang="en-US" smtClean="0"/>
-              <a:t>15</a:t>
+              <a:t>19</a:t>
             </a:fld>
             <a:endParaRPr lang="en-US"/>
           </a:p>
@@ -13980,7 +17621,123 @@
 </p:sld>
 </file>
 
-<file path=ppt/slides/slide16.xml><?xml version="1.0" encoding="utf-8"?>
+<file path=ppt/slides/slide2.xml><?xml version="1.0" encoding="utf-8"?>
+<p:sld xmlns:a="http://schemas.openxmlformats.org/drawingml/2006/main" xmlns:r="http://schemas.openxmlformats.org/officeDocument/2006/relationships" xmlns:p="http://schemas.openxmlformats.org/presentationml/2006/main">
+  <p:cSld>
+    <p:spTree>
+      <p:nvGrpSpPr>
+        <p:cNvPr id="1" name=""/>
+        <p:cNvGrpSpPr/>
+        <p:nvPr/>
+      </p:nvGrpSpPr>
+      <p:grpSpPr>
+        <a:xfrm>
+          <a:off x="0" y="0"/>
+          <a:ext cx="0" cy="0"/>
+          <a:chOff x="0" y="0"/>
+          <a:chExt cx="0" cy="0"/>
+        </a:xfrm>
+      </p:grpSpPr>
+      <p:sp>
+        <p:nvSpPr>
+          <p:cNvPr id="2" name="Title 1">
+            <a:extLst>
+              <a:ext uri="{FF2B5EF4-FFF2-40B4-BE49-F238E27FC236}">
+                <a16:creationId xmlns:a16="http://schemas.microsoft.com/office/drawing/2014/main" id="{1B0D271F-B47F-4614-A072-B8ACF3826F99}"/>
+              </a:ext>
+            </a:extLst>
+          </p:cNvPr>
+          <p:cNvSpPr>
+            <a:spLocks noGrp="1"/>
+          </p:cNvSpPr>
+          <p:nvPr>
+            <p:ph type="title"/>
+          </p:nvPr>
+        </p:nvSpPr>
+        <p:spPr/>
+        <p:txBody>
+          <a:bodyPr/>
+          <a:lstStyle/>
+          <a:p>
+            <a:r>
+              <a:rPr lang="en-US" sz="6000" b="1" dirty="0"/>
+              <a:t>7 – Let’s Make Charts!</a:t>
+            </a:r>
+            <a:endParaRPr lang="en-US" dirty="0"/>
+          </a:p>
+        </p:txBody>
+      </p:sp>
+      <p:sp>
+        <p:nvSpPr>
+          <p:cNvPr id="3" name="Text Placeholder 2">
+            <a:extLst>
+              <a:ext uri="{FF2B5EF4-FFF2-40B4-BE49-F238E27FC236}">
+                <a16:creationId xmlns:a16="http://schemas.microsoft.com/office/drawing/2014/main" id="{1E5828A6-BFEC-4AD1-B031-2760C6042600}"/>
+              </a:ext>
+            </a:extLst>
+          </p:cNvPr>
+          <p:cNvSpPr>
+            <a:spLocks noGrp="1"/>
+          </p:cNvSpPr>
+          <p:nvPr>
+            <p:ph type="body" idx="1"/>
+          </p:nvPr>
+        </p:nvSpPr>
+        <p:spPr/>
+        <p:txBody>
+          <a:bodyPr/>
+          <a:lstStyle/>
+          <a:p>
+            <a:r>
+              <a:rPr lang="en-US" dirty="0"/>
+              <a:t>Charts and plots and graphs, oh my!</a:t>
+            </a:r>
+          </a:p>
+        </p:txBody>
+      </p:sp>
+      <p:sp>
+        <p:nvSpPr>
+          <p:cNvPr id="4" name="Slide Number Placeholder 3">
+            <a:extLst>
+              <a:ext uri="{FF2B5EF4-FFF2-40B4-BE49-F238E27FC236}">
+                <a16:creationId xmlns:a16="http://schemas.microsoft.com/office/drawing/2014/main" id="{8C7A22D3-D51C-4D87-82A4-7FE7771FBB90}"/>
+              </a:ext>
+            </a:extLst>
+          </p:cNvPr>
+          <p:cNvSpPr>
+            <a:spLocks noGrp="1"/>
+          </p:cNvSpPr>
+          <p:nvPr>
+            <p:ph type="sldNum" sz="quarter" idx="12"/>
+          </p:nvPr>
+        </p:nvSpPr>
+        <p:spPr/>
+        <p:txBody>
+          <a:bodyPr/>
+          <a:lstStyle/>
+          <a:p>
+            <a:fld id="{6D95AE55-B5F4-483D-AEFF-E8059F5502F5}" type="slidenum">
+              <a:rPr lang="en-US" smtClean="0"/>
+              <a:t>2</a:t>
+            </a:fld>
+            <a:endParaRPr lang="en-US"/>
+          </a:p>
+        </p:txBody>
+      </p:sp>
+    </p:spTree>
+    <p:extLst>
+      <p:ext uri="{BB962C8B-B14F-4D97-AF65-F5344CB8AC3E}">
+        <p14:creationId xmlns:p14="http://schemas.microsoft.com/office/powerpoint/2010/main" val="3640180372"/>
+      </p:ext>
+    </p:extLst>
+  </p:cSld>
+  <p:clrMapOvr>
+    <a:masterClrMapping/>
+  </p:clrMapOvr>
+</p:sld>
+</file>
+
+<file path=ppt/slides/slide20.xml><?xml version="1.0" encoding="utf-8"?>
 <p:sld xmlns:a="http://schemas.openxmlformats.org/drawingml/2006/main" xmlns:r="http://schemas.openxmlformats.org/officeDocument/2006/relationships" xmlns:p="http://schemas.openxmlformats.org/presentationml/2006/main">
   <p:cSld>
     <p:spTree>
@@ -14110,7 +17867,7 @@
           <a:p>
             <a:fld id="{6D95AE55-B5F4-483D-AEFF-E8059F5502F5}" type="slidenum">
               <a:rPr lang="en-US" smtClean="0"/>
-              <a:t>16</a:t>
+              <a:t>20</a:t>
             </a:fld>
             <a:endParaRPr lang="en-US"/>
           </a:p>
@@ -14862,7 +18619,7 @@
 </p:sld>
 </file>
 
-<file path=ppt/slides/slide17.xml><?xml version="1.0" encoding="utf-8"?>
+<file path=ppt/slides/slide21.xml><?xml version="1.0" encoding="utf-8"?>
 <p:sld xmlns:a="http://schemas.openxmlformats.org/drawingml/2006/main" xmlns:r="http://schemas.openxmlformats.org/officeDocument/2006/relationships" xmlns:p="http://schemas.openxmlformats.org/presentationml/2006/main">
   <p:cSld>
     <p:spTree>
@@ -15033,7 +18790,7 @@
           <a:p>
             <a:fld id="{6D95AE55-B5F4-483D-AEFF-E8059F5502F5}" type="slidenum">
               <a:rPr lang="en-US" smtClean="0"/>
-              <a:t>17</a:t>
+              <a:t>21</a:t>
             </a:fld>
             <a:endParaRPr lang="en-US"/>
           </a:p>
@@ -15266,7 +19023,7 @@
 </p:sld>
 </file>
 
-<file path=ppt/slides/slide18.xml><?xml version="1.0" encoding="utf-8"?>
+<file path=ppt/slides/slide22.xml><?xml version="1.0" encoding="utf-8"?>
 <p:sld xmlns:a="http://schemas.openxmlformats.org/drawingml/2006/main" xmlns:r="http://schemas.openxmlformats.org/officeDocument/2006/relationships" xmlns:p="http://schemas.openxmlformats.org/presentationml/2006/main">
   <p:cSld>
     <p:spTree>
@@ -15416,7 +19173,7 @@
           <a:p>
             <a:fld id="{6D95AE55-B5F4-483D-AEFF-E8059F5502F5}" type="slidenum">
               <a:rPr lang="en-US" smtClean="0"/>
-              <a:t>18</a:t>
+              <a:t>22</a:t>
             </a:fld>
             <a:endParaRPr lang="en-US"/>
           </a:p>
@@ -16095,7 +19852,7 @@
 </p:sld>
 </file>
 
-<file path=ppt/slides/slide19.xml><?xml version="1.0" encoding="utf-8"?>
+<file path=ppt/slides/slide23.xml><?xml version="1.0" encoding="utf-8"?>
 <p:sld xmlns:a="http://schemas.openxmlformats.org/drawingml/2006/main" xmlns:r="http://schemas.openxmlformats.org/officeDocument/2006/relationships" xmlns:p="http://schemas.openxmlformats.org/presentationml/2006/main">
   <p:cSld>
     <p:spTree>
@@ -16278,7 +20035,7 @@
           <a:p>
             <a:fld id="{6D95AE55-B5F4-483D-AEFF-E8059F5502F5}" type="slidenum">
               <a:rPr lang="en-US" smtClean="0"/>
-              <a:t>19</a:t>
+              <a:t>23</a:t>
             </a:fld>
             <a:endParaRPr lang="en-US"/>
           </a:p>
@@ -16326,123 +20083,7 @@
 </p:sld>
 </file>
 
-<file path=ppt/slides/slide2.xml><?xml version="1.0" encoding="utf-8"?>
-<p:sld xmlns:a="http://schemas.openxmlformats.org/drawingml/2006/main" xmlns:r="http://schemas.openxmlformats.org/officeDocument/2006/relationships" xmlns:p="http://schemas.openxmlformats.org/presentationml/2006/main">
-  <p:cSld>
-    <p:spTree>
-      <p:nvGrpSpPr>
-        <p:cNvPr id="1" name=""/>
-        <p:cNvGrpSpPr/>
-        <p:nvPr/>
-      </p:nvGrpSpPr>
-      <p:grpSpPr>
-        <a:xfrm>
-          <a:off x="0" y="0"/>
-          <a:ext cx="0" cy="0"/>
-          <a:chOff x="0" y="0"/>
-          <a:chExt cx="0" cy="0"/>
-        </a:xfrm>
-      </p:grpSpPr>
-      <p:sp>
-        <p:nvSpPr>
-          <p:cNvPr id="2" name="Title 1">
-            <a:extLst>
-              <a:ext uri="{FF2B5EF4-FFF2-40B4-BE49-F238E27FC236}">
-                <a16:creationId xmlns:a16="http://schemas.microsoft.com/office/drawing/2014/main" id="{1B0D271F-B47F-4614-A072-B8ACF3826F99}"/>
-              </a:ext>
-            </a:extLst>
-          </p:cNvPr>
-          <p:cNvSpPr>
-            <a:spLocks noGrp="1"/>
-          </p:cNvSpPr>
-          <p:nvPr>
-            <p:ph type="title"/>
-          </p:nvPr>
-        </p:nvSpPr>
-        <p:spPr/>
-        <p:txBody>
-          <a:bodyPr/>
-          <a:lstStyle/>
-          <a:p>
-            <a:r>
-              <a:rPr lang="en-US" sz="6000" b="1" dirty="0"/>
-              <a:t>7 – Let’s Make Charts!</a:t>
-            </a:r>
-            <a:endParaRPr lang="en-US" dirty="0"/>
-          </a:p>
-        </p:txBody>
-      </p:sp>
-      <p:sp>
-        <p:nvSpPr>
-          <p:cNvPr id="3" name="Text Placeholder 2">
-            <a:extLst>
-              <a:ext uri="{FF2B5EF4-FFF2-40B4-BE49-F238E27FC236}">
-                <a16:creationId xmlns:a16="http://schemas.microsoft.com/office/drawing/2014/main" id="{1E5828A6-BFEC-4AD1-B031-2760C6042600}"/>
-              </a:ext>
-            </a:extLst>
-          </p:cNvPr>
-          <p:cNvSpPr>
-            <a:spLocks noGrp="1"/>
-          </p:cNvSpPr>
-          <p:nvPr>
-            <p:ph type="body" idx="1"/>
-          </p:nvPr>
-        </p:nvSpPr>
-        <p:spPr/>
-        <p:txBody>
-          <a:bodyPr/>
-          <a:lstStyle/>
-          <a:p>
-            <a:r>
-              <a:rPr lang="en-US" dirty="0"/>
-              <a:t>Charts and plots and graphs, oh my!</a:t>
-            </a:r>
-          </a:p>
-        </p:txBody>
-      </p:sp>
-      <p:sp>
-        <p:nvSpPr>
-          <p:cNvPr id="4" name="Slide Number Placeholder 3">
-            <a:extLst>
-              <a:ext uri="{FF2B5EF4-FFF2-40B4-BE49-F238E27FC236}">
-                <a16:creationId xmlns:a16="http://schemas.microsoft.com/office/drawing/2014/main" id="{8C7A22D3-D51C-4D87-82A4-7FE7771FBB90}"/>
-              </a:ext>
-            </a:extLst>
-          </p:cNvPr>
-          <p:cNvSpPr>
-            <a:spLocks noGrp="1"/>
-          </p:cNvSpPr>
-          <p:nvPr>
-            <p:ph type="sldNum" sz="quarter" idx="12"/>
-          </p:nvPr>
-        </p:nvSpPr>
-        <p:spPr/>
-        <p:txBody>
-          <a:bodyPr/>
-          <a:lstStyle/>
-          <a:p>
-            <a:fld id="{6D95AE55-B5F4-483D-AEFF-E8059F5502F5}" type="slidenum">
-              <a:rPr lang="en-US" smtClean="0"/>
-              <a:t>2</a:t>
-            </a:fld>
-            <a:endParaRPr lang="en-US"/>
-          </a:p>
-        </p:txBody>
-      </p:sp>
-    </p:spTree>
-    <p:extLst>
-      <p:ext uri="{BB962C8B-B14F-4D97-AF65-F5344CB8AC3E}">
-        <p14:creationId xmlns:p14="http://schemas.microsoft.com/office/powerpoint/2010/main" val="3640180372"/>
-      </p:ext>
-    </p:extLst>
-  </p:cSld>
-  <p:clrMapOvr>
-    <a:masterClrMapping/>
-  </p:clrMapOvr>
-</p:sld>
-</file>
-
-<file path=ppt/slides/slide20.xml><?xml version="1.0" encoding="utf-8"?>
+<file path=ppt/slides/slide24.xml><?xml version="1.0" encoding="utf-8"?>
 <p:sld xmlns:a="http://schemas.openxmlformats.org/drawingml/2006/main" xmlns:r="http://schemas.openxmlformats.org/officeDocument/2006/relationships" xmlns:p="http://schemas.openxmlformats.org/presentationml/2006/main">
   <p:cSld>
     <p:spTree>
@@ -16629,7 +20270,7 @@
           <a:p>
             <a:fld id="{6D95AE55-B5F4-483D-AEFF-E8059F5502F5}" type="slidenum">
               <a:rPr lang="en-US" smtClean="0"/>
-              <a:t>20</a:t>
+              <a:t>24</a:t>
             </a:fld>
             <a:endParaRPr lang="en-US"/>
           </a:p>
@@ -19902,7 +23543,7 @@
 </p:sld>
 </file>
 
-<file path=ppt/slides/slide21.xml><?xml version="1.0" encoding="utf-8"?>
+<file path=ppt/slides/slide25.xml><?xml version="1.0" encoding="utf-8"?>
 <p:sld xmlns:a="http://schemas.openxmlformats.org/drawingml/2006/main" xmlns:r="http://schemas.openxmlformats.org/officeDocument/2006/relationships" xmlns:p="http://schemas.openxmlformats.org/presentationml/2006/main">
   <p:cSld>
     <p:spTree>
@@ -20063,7 +23704,7 @@
           <a:p>
             <a:fld id="{6D95AE55-B5F4-483D-AEFF-E8059F5502F5}" type="slidenum">
               <a:rPr lang="en-US" smtClean="0"/>
-              <a:t>21</a:t>
+              <a:t>25</a:t>
             </a:fld>
             <a:endParaRPr lang="en-US"/>
           </a:p>
@@ -20082,7 +23723,7 @@
 </p:sld>
 </file>
 
-<file path=ppt/slides/slide22.xml><?xml version="1.0" encoding="utf-8"?>
+<file path=ppt/slides/slide26.xml><?xml version="1.0" encoding="utf-8"?>
 <p:sld xmlns:a="http://schemas.openxmlformats.org/drawingml/2006/main" xmlns:r="http://schemas.openxmlformats.org/officeDocument/2006/relationships" xmlns:p="http://schemas.openxmlformats.org/presentationml/2006/main">
   <p:cSld>
     <p:spTree>
@@ -20219,7 +23860,7 @@
           <a:p>
             <a:fld id="{6D95AE55-B5F4-483D-AEFF-E8059F5502F5}" type="slidenum">
               <a:rPr lang="en-US" smtClean="0"/>
-              <a:t>22</a:t>
+              <a:t>26</a:t>
             </a:fld>
             <a:endParaRPr lang="en-US"/>
           </a:p>
@@ -22805,7 +26446,7 @@
 </p:sld>
 </file>
 
-<file path=ppt/slides/slide23.xml><?xml version="1.0" encoding="utf-8"?>
+<file path=ppt/slides/slide27.xml><?xml version="1.0" encoding="utf-8"?>
 <p:sld xmlns:a="http://schemas.openxmlformats.org/drawingml/2006/main" xmlns:r="http://schemas.openxmlformats.org/officeDocument/2006/relationships" xmlns:p="http://schemas.openxmlformats.org/presentationml/2006/main">
   <p:cSld>
     <p:spTree>
@@ -22878,7 +26519,7 @@
           <a:p>
             <a:fld id="{6D95AE55-B5F4-483D-AEFF-E8059F5502F5}" type="slidenum">
               <a:rPr lang="en-US" smtClean="0"/>
-              <a:t>23</a:t>
+              <a:t>27</a:t>
             </a:fld>
             <a:endParaRPr lang="en-US"/>
           </a:p>
@@ -24941,7 +28582,7 @@
 </p:sld>
 </file>
 
-<file path=ppt/slides/slide24.xml><?xml version="1.0" encoding="utf-8"?>
+<file path=ppt/slides/slide28.xml><?xml version="1.0" encoding="utf-8"?>
 <p:sld xmlns:a="http://schemas.openxmlformats.org/drawingml/2006/main" xmlns:r="http://schemas.openxmlformats.org/officeDocument/2006/relationships" xmlns:p="http://schemas.openxmlformats.org/presentationml/2006/main">
   <p:cSld>
     <p:spTree>
@@ -25144,7 +28785,7 @@
           <a:p>
             <a:fld id="{6D95AE55-B5F4-483D-AEFF-E8059F5502F5}" type="slidenum">
               <a:rPr lang="en-US" smtClean="0"/>
-              <a:t>24</a:t>
+              <a:t>28</a:t>
             </a:fld>
             <a:endParaRPr lang="en-US"/>
           </a:p>
@@ -26774,7 +30415,7 @@
 </p:sld>
 </file>
 
-<file path=ppt/slides/slide25.xml><?xml version="1.0" encoding="utf-8"?>
+<file path=ppt/slides/slide29.xml><?xml version="1.0" encoding="utf-8"?>
 <p:sld xmlns:a="http://schemas.openxmlformats.org/drawingml/2006/main" xmlns:r="http://schemas.openxmlformats.org/officeDocument/2006/relationships" xmlns:p="http://schemas.openxmlformats.org/presentationml/2006/main">
   <p:cSld>
     <p:spTree>
@@ -26978,7 +30619,7 @@
           <a:p>
             <a:fld id="{6D95AE55-B5F4-483D-AEFF-E8059F5502F5}" type="slidenum">
               <a:rPr lang="en-US" smtClean="0"/>
-              <a:t>25</a:t>
+              <a:t>29</a:t>
             </a:fld>
             <a:endParaRPr lang="en-US"/>
           </a:p>
@@ -30017,229 +33658,6 @@
 </p:sld>
 </file>
 
-<file path=ppt/slides/slide26.xml><?xml version="1.0" encoding="utf-8"?>
-<p:sld xmlns:a="http://schemas.openxmlformats.org/drawingml/2006/main" xmlns:r="http://schemas.openxmlformats.org/officeDocument/2006/relationships" xmlns:p="http://schemas.openxmlformats.org/presentationml/2006/main">
-  <p:cSld>
-    <p:spTree>
-      <p:nvGrpSpPr>
-        <p:cNvPr id="1" name=""/>
-        <p:cNvGrpSpPr/>
-        <p:nvPr/>
-      </p:nvGrpSpPr>
-      <p:grpSpPr>
-        <a:xfrm>
-          <a:off x="0" y="0"/>
-          <a:ext cx="0" cy="0"/>
-          <a:chOff x="0" y="0"/>
-          <a:chExt cx="0" cy="0"/>
-        </a:xfrm>
-      </p:grpSpPr>
-      <p:sp>
-        <p:nvSpPr>
-          <p:cNvPr id="2" name="Title 1">
-            <a:extLst>
-              <a:ext uri="{FF2B5EF4-FFF2-40B4-BE49-F238E27FC236}">
-                <a16:creationId xmlns:a16="http://schemas.microsoft.com/office/drawing/2014/main" id="{372A30FE-9AAF-4CA8-90A0-9E9DE0B0BC8C}"/>
-              </a:ext>
-            </a:extLst>
-          </p:cNvPr>
-          <p:cNvSpPr>
-            <a:spLocks noGrp="1"/>
-          </p:cNvSpPr>
-          <p:nvPr>
-            <p:ph type="title"/>
-          </p:nvPr>
-        </p:nvSpPr>
-        <p:spPr/>
-        <p:txBody>
-          <a:bodyPr/>
-          <a:lstStyle/>
-          <a:p>
-            <a:r>
-              <a:rPr lang="en-US" dirty="0"/>
-              <a:t>Let’s practice</a:t>
-            </a:r>
-          </a:p>
-        </p:txBody>
-      </p:sp>
-      <p:sp>
-        <p:nvSpPr>
-          <p:cNvPr id="3" name="Content Placeholder 2">
-            <a:extLst>
-              <a:ext uri="{FF2B5EF4-FFF2-40B4-BE49-F238E27FC236}">
-                <a16:creationId xmlns:a16="http://schemas.microsoft.com/office/drawing/2014/main" id="{60BBBAB5-371B-444C-A646-6ECB2D6E037D}"/>
-              </a:ext>
-            </a:extLst>
-          </p:cNvPr>
-          <p:cNvSpPr>
-            <a:spLocks noGrp="1"/>
-          </p:cNvSpPr>
-          <p:nvPr>
-            <p:ph idx="1"/>
-          </p:nvPr>
-        </p:nvSpPr>
-        <p:spPr/>
-        <p:txBody>
-          <a:bodyPr/>
-          <a:lstStyle/>
-          <a:p>
-            <a:r>
-              <a:rPr lang="en-US" dirty="0"/>
-              <a:t>In RStudio, we’ll run through the script. Please ask questions!</a:t>
-            </a:r>
-          </a:p>
-          <a:p>
-            <a:r>
-              <a:rPr lang="en-US" dirty="0"/>
-              <a:t>Work through the really fun </a:t>
-            </a:r>
-            <a:r>
-              <a:rPr lang="en-US" dirty="0" err="1"/>
-              <a:t>learnr</a:t>
-            </a:r>
-            <a:r>
-              <a:rPr lang="en-US" dirty="0"/>
-              <a:t> tutorial!</a:t>
-            </a:r>
-          </a:p>
-          <a:p>
-            <a:endParaRPr lang="en-US" dirty="0"/>
-          </a:p>
-          <a:p>
-            <a:endParaRPr lang="en-US" dirty="0"/>
-          </a:p>
-          <a:p>
-            <a:r>
-              <a:rPr lang="en-US" dirty="0"/>
-              <a:t>If you need another explanation later, Dr. </a:t>
-            </a:r>
-            <a:r>
-              <a:rPr lang="en-US" dirty="0" err="1"/>
-              <a:t>Lendway’s</a:t>
-            </a:r>
-            <a:r>
-              <a:rPr lang="en-US" dirty="0"/>
-              <a:t> videos are great! </a:t>
-            </a:r>
-          </a:p>
-          <a:p>
-            <a:pPr lvl="1"/>
-            <a:r>
-              <a:rPr lang="en-US" dirty="0">
-                <a:hlinkClick r:id="rId2"/>
-              </a:rPr>
-              <a:t>Intro to </a:t>
-            </a:r>
-            <a:r>
-              <a:rPr lang="en-US" dirty="0" err="1">
-                <a:hlinkClick r:id="rId2"/>
-              </a:rPr>
-              <a:t>ggplot</a:t>
-            </a:r>
-            <a:r>
-              <a:rPr lang="en-US" dirty="0">
-                <a:hlinkClick r:id="rId2"/>
-              </a:rPr>
-              <a:t>() – 8 min</a:t>
-            </a:r>
-            <a:endParaRPr lang="en-US" dirty="0"/>
-          </a:p>
-          <a:p>
-            <a:pPr lvl="1"/>
-            <a:r>
-              <a:rPr lang="en-US" dirty="0">
-                <a:hlinkClick r:id="rId3"/>
-              </a:rPr>
-              <a:t>Common </a:t>
-            </a:r>
-            <a:r>
-              <a:rPr lang="en-US" dirty="0" err="1">
-                <a:hlinkClick r:id="rId3"/>
-              </a:rPr>
-              <a:t>ggplot</a:t>
-            </a:r>
-            <a:r>
-              <a:rPr lang="en-US" dirty="0">
-                <a:hlinkClick r:id="rId3"/>
-              </a:rPr>
-              <a:t> mistakes – 3 min</a:t>
-            </a:r>
-            <a:endParaRPr lang="en-US" dirty="0"/>
-          </a:p>
-          <a:p>
-            <a:pPr lvl="1"/>
-            <a:r>
-              <a:rPr lang="en-US" dirty="0" err="1">
-                <a:hlinkClick r:id="rId4"/>
-              </a:rPr>
-              <a:t>ggplot</a:t>
-            </a:r>
-            <a:r>
-              <a:rPr lang="en-US" dirty="0">
-                <a:hlinkClick r:id="rId4"/>
-              </a:rPr>
-              <a:t> demo – 32 min</a:t>
-            </a:r>
-            <a:endParaRPr lang="en-US" dirty="0"/>
-          </a:p>
-          <a:p>
-            <a:pPr lvl="1"/>
-            <a:r>
-              <a:rPr lang="en-US" dirty="0"/>
-              <a:t>These videos support material on </a:t>
-            </a:r>
-            <a:r>
-              <a:rPr lang="en-US" dirty="0">
-                <a:hlinkClick r:id="rId5"/>
-              </a:rPr>
-              <a:t>her learning website</a:t>
-            </a:r>
-            <a:endParaRPr lang="en-US" dirty="0"/>
-          </a:p>
-        </p:txBody>
-      </p:sp>
-      <p:sp>
-        <p:nvSpPr>
-          <p:cNvPr id="4" name="Slide Number Placeholder 3">
-            <a:extLst>
-              <a:ext uri="{FF2B5EF4-FFF2-40B4-BE49-F238E27FC236}">
-                <a16:creationId xmlns:a16="http://schemas.microsoft.com/office/drawing/2014/main" id="{9322444E-FDBC-4693-919A-E90C77F9ACBA}"/>
-              </a:ext>
-            </a:extLst>
-          </p:cNvPr>
-          <p:cNvSpPr>
-            <a:spLocks noGrp="1"/>
-          </p:cNvSpPr>
-          <p:nvPr>
-            <p:ph type="sldNum" sz="quarter" idx="12"/>
-          </p:nvPr>
-        </p:nvSpPr>
-        <p:spPr/>
-        <p:txBody>
-          <a:bodyPr/>
-          <a:lstStyle/>
-          <a:p>
-            <a:fld id="{6D95AE55-B5F4-483D-AEFF-E8059F5502F5}" type="slidenum">
-              <a:rPr lang="en-US" smtClean="0"/>
-              <a:t>26</a:t>
-            </a:fld>
-            <a:endParaRPr lang="en-US"/>
-          </a:p>
-        </p:txBody>
-      </p:sp>
-    </p:spTree>
-    <p:extLst>
-      <p:ext uri="{BB962C8B-B14F-4D97-AF65-F5344CB8AC3E}">
-        <p14:creationId xmlns:p14="http://schemas.microsoft.com/office/powerpoint/2010/main" val="3796622282"/>
-      </p:ext>
-    </p:extLst>
-  </p:cSld>
-  <p:clrMapOvr>
-    <a:masterClrMapping/>
-  </p:clrMapOvr>
-</p:sld>
-</file>
-
 <file path=ppt/slides/slide3.xml><?xml version="1.0" encoding="utf-8"?>
 <p:sld xmlns:a="http://schemas.openxmlformats.org/drawingml/2006/main" xmlns:r="http://schemas.openxmlformats.org/officeDocument/2006/relationships" xmlns:p="http://schemas.openxmlformats.org/presentationml/2006/main">
   <p:cSld>
@@ -30410,6 +33828,229 @@
     <p:extLst>
       <p:ext uri="{BB962C8B-B14F-4D97-AF65-F5344CB8AC3E}">
         <p14:creationId xmlns:p14="http://schemas.microsoft.com/office/powerpoint/2010/main" val="975915236"/>
+      </p:ext>
+    </p:extLst>
+  </p:cSld>
+  <p:clrMapOvr>
+    <a:masterClrMapping/>
+  </p:clrMapOvr>
+</p:sld>
+</file>
+
+<file path=ppt/slides/slide30.xml><?xml version="1.0" encoding="utf-8"?>
+<p:sld xmlns:a="http://schemas.openxmlformats.org/drawingml/2006/main" xmlns:r="http://schemas.openxmlformats.org/officeDocument/2006/relationships" xmlns:p="http://schemas.openxmlformats.org/presentationml/2006/main">
+  <p:cSld>
+    <p:spTree>
+      <p:nvGrpSpPr>
+        <p:cNvPr id="1" name=""/>
+        <p:cNvGrpSpPr/>
+        <p:nvPr/>
+      </p:nvGrpSpPr>
+      <p:grpSpPr>
+        <a:xfrm>
+          <a:off x="0" y="0"/>
+          <a:ext cx="0" cy="0"/>
+          <a:chOff x="0" y="0"/>
+          <a:chExt cx="0" cy="0"/>
+        </a:xfrm>
+      </p:grpSpPr>
+      <p:sp>
+        <p:nvSpPr>
+          <p:cNvPr id="2" name="Title 1">
+            <a:extLst>
+              <a:ext uri="{FF2B5EF4-FFF2-40B4-BE49-F238E27FC236}">
+                <a16:creationId xmlns:a16="http://schemas.microsoft.com/office/drawing/2014/main" id="{372A30FE-9AAF-4CA8-90A0-9E9DE0B0BC8C}"/>
+              </a:ext>
+            </a:extLst>
+          </p:cNvPr>
+          <p:cNvSpPr>
+            <a:spLocks noGrp="1"/>
+          </p:cNvSpPr>
+          <p:nvPr>
+            <p:ph type="title"/>
+          </p:nvPr>
+        </p:nvSpPr>
+        <p:spPr/>
+        <p:txBody>
+          <a:bodyPr/>
+          <a:lstStyle/>
+          <a:p>
+            <a:r>
+              <a:rPr lang="en-US" dirty="0"/>
+              <a:t>Let’s practice</a:t>
+            </a:r>
+          </a:p>
+        </p:txBody>
+      </p:sp>
+      <p:sp>
+        <p:nvSpPr>
+          <p:cNvPr id="3" name="Content Placeholder 2">
+            <a:extLst>
+              <a:ext uri="{FF2B5EF4-FFF2-40B4-BE49-F238E27FC236}">
+                <a16:creationId xmlns:a16="http://schemas.microsoft.com/office/drawing/2014/main" id="{60BBBAB5-371B-444C-A646-6ECB2D6E037D}"/>
+              </a:ext>
+            </a:extLst>
+          </p:cNvPr>
+          <p:cNvSpPr>
+            <a:spLocks noGrp="1"/>
+          </p:cNvSpPr>
+          <p:nvPr>
+            <p:ph idx="1"/>
+          </p:nvPr>
+        </p:nvSpPr>
+        <p:spPr/>
+        <p:txBody>
+          <a:bodyPr/>
+          <a:lstStyle/>
+          <a:p>
+            <a:r>
+              <a:rPr lang="en-US" dirty="0"/>
+              <a:t>In RStudio, we’ll run through the script. Please ask questions!</a:t>
+            </a:r>
+          </a:p>
+          <a:p>
+            <a:r>
+              <a:rPr lang="en-US" dirty="0"/>
+              <a:t>Work through the really fun </a:t>
+            </a:r>
+            <a:r>
+              <a:rPr lang="en-US" dirty="0" err="1"/>
+              <a:t>learnr</a:t>
+            </a:r>
+            <a:r>
+              <a:rPr lang="en-US" dirty="0"/>
+              <a:t> tutorial!</a:t>
+            </a:r>
+          </a:p>
+          <a:p>
+            <a:endParaRPr lang="en-US" dirty="0"/>
+          </a:p>
+          <a:p>
+            <a:endParaRPr lang="en-US" dirty="0"/>
+          </a:p>
+          <a:p>
+            <a:r>
+              <a:rPr lang="en-US" dirty="0"/>
+              <a:t>If you need another explanation later, Dr. </a:t>
+            </a:r>
+            <a:r>
+              <a:rPr lang="en-US" dirty="0" err="1"/>
+              <a:t>Lendway’s</a:t>
+            </a:r>
+            <a:r>
+              <a:rPr lang="en-US" dirty="0"/>
+              <a:t> videos are great! </a:t>
+            </a:r>
+          </a:p>
+          <a:p>
+            <a:pPr lvl="1"/>
+            <a:r>
+              <a:rPr lang="en-US" dirty="0">
+                <a:hlinkClick r:id="rId2"/>
+              </a:rPr>
+              <a:t>Intro to </a:t>
+            </a:r>
+            <a:r>
+              <a:rPr lang="en-US" dirty="0" err="1">
+                <a:hlinkClick r:id="rId2"/>
+              </a:rPr>
+              <a:t>ggplot</a:t>
+            </a:r>
+            <a:r>
+              <a:rPr lang="en-US" dirty="0">
+                <a:hlinkClick r:id="rId2"/>
+              </a:rPr>
+              <a:t>() – 8 min</a:t>
+            </a:r>
+            <a:endParaRPr lang="en-US" dirty="0"/>
+          </a:p>
+          <a:p>
+            <a:pPr lvl="1"/>
+            <a:r>
+              <a:rPr lang="en-US" dirty="0">
+                <a:hlinkClick r:id="rId3"/>
+              </a:rPr>
+              <a:t>Common </a:t>
+            </a:r>
+            <a:r>
+              <a:rPr lang="en-US" dirty="0" err="1">
+                <a:hlinkClick r:id="rId3"/>
+              </a:rPr>
+              <a:t>ggplot</a:t>
+            </a:r>
+            <a:r>
+              <a:rPr lang="en-US" dirty="0">
+                <a:hlinkClick r:id="rId3"/>
+              </a:rPr>
+              <a:t> mistakes – 3 min</a:t>
+            </a:r>
+            <a:endParaRPr lang="en-US" dirty="0"/>
+          </a:p>
+          <a:p>
+            <a:pPr lvl="1"/>
+            <a:r>
+              <a:rPr lang="en-US" dirty="0" err="1">
+                <a:hlinkClick r:id="rId4"/>
+              </a:rPr>
+              <a:t>ggplot</a:t>
+            </a:r>
+            <a:r>
+              <a:rPr lang="en-US" dirty="0">
+                <a:hlinkClick r:id="rId4"/>
+              </a:rPr>
+              <a:t> demo – 32 min</a:t>
+            </a:r>
+            <a:endParaRPr lang="en-US" dirty="0"/>
+          </a:p>
+          <a:p>
+            <a:pPr lvl="1"/>
+            <a:r>
+              <a:rPr lang="en-US" dirty="0"/>
+              <a:t>These videos support material on </a:t>
+            </a:r>
+            <a:r>
+              <a:rPr lang="en-US" dirty="0">
+                <a:hlinkClick r:id="rId5"/>
+              </a:rPr>
+              <a:t>her learning website</a:t>
+            </a:r>
+            <a:endParaRPr lang="en-US" dirty="0"/>
+          </a:p>
+        </p:txBody>
+      </p:sp>
+      <p:sp>
+        <p:nvSpPr>
+          <p:cNvPr id="4" name="Slide Number Placeholder 3">
+            <a:extLst>
+              <a:ext uri="{FF2B5EF4-FFF2-40B4-BE49-F238E27FC236}">
+                <a16:creationId xmlns:a16="http://schemas.microsoft.com/office/drawing/2014/main" id="{9322444E-FDBC-4693-919A-E90C77F9ACBA}"/>
+              </a:ext>
+            </a:extLst>
+          </p:cNvPr>
+          <p:cNvSpPr>
+            <a:spLocks noGrp="1"/>
+          </p:cNvSpPr>
+          <p:nvPr>
+            <p:ph type="sldNum" sz="quarter" idx="12"/>
+          </p:nvPr>
+        </p:nvSpPr>
+        <p:spPr/>
+        <p:txBody>
+          <a:bodyPr/>
+          <a:lstStyle/>
+          <a:p>
+            <a:fld id="{6D95AE55-B5F4-483D-AEFF-E8059F5502F5}" type="slidenum">
+              <a:rPr lang="en-US" smtClean="0"/>
+              <a:t>30</a:t>
+            </a:fld>
+            <a:endParaRPr lang="en-US"/>
+          </a:p>
+        </p:txBody>
+      </p:sp>
+    </p:spTree>
+    <p:extLst>
+      <p:ext uri="{BB962C8B-B14F-4D97-AF65-F5344CB8AC3E}">
+        <p14:creationId xmlns:p14="http://schemas.microsoft.com/office/powerpoint/2010/main" val="3796622282"/>
       </p:ext>
     </p:extLst>
   </p:cSld>
@@ -32497,7 +36138,7 @@
           <p:cNvPr id="2" name="Title 1">
             <a:extLst>
               <a:ext uri="{FF2B5EF4-FFF2-40B4-BE49-F238E27FC236}">
-                <a16:creationId xmlns:a16="http://schemas.microsoft.com/office/drawing/2014/main" id="{4CBB3B2E-33EB-4D88-83CC-6BB7B333153B}"/>
+                <a16:creationId xmlns:a16="http://schemas.microsoft.com/office/drawing/2014/main" id="{D76190A1-5617-D394-90A1-22DE8A9B5CD1}"/>
               </a:ext>
             </a:extLst>
           </p:cNvPr>
@@ -32508,132 +36149,29 @@
             <p:ph type="title"/>
           </p:nvPr>
         </p:nvSpPr>
-        <p:spPr/>
+        <p:spPr>
+          <a:xfrm>
+            <a:off x="717176" y="851366"/>
+            <a:ext cx="7169523" cy="1380846"/>
+          </a:xfrm>
+        </p:spPr>
         <p:txBody>
           <a:bodyPr/>
           <a:lstStyle/>
           <a:p>
             <a:r>
               <a:rPr lang="en-US" dirty="0"/>
-              <a:t>ggplot2 – A Modern Plot Solution</a:t>
+              <a:t>The Base R Plotting Paradigm:</a:t>
             </a:r>
           </a:p>
         </p:txBody>
       </p:sp>
-      <p:sp>
-        <p:nvSpPr>
-          <p:cNvPr id="4" name="Slide Number Placeholder 3">
-            <a:extLst>
-              <a:ext uri="{FF2B5EF4-FFF2-40B4-BE49-F238E27FC236}">
-                <a16:creationId xmlns:a16="http://schemas.microsoft.com/office/drawing/2014/main" id="{8CB28D5C-E81F-4CC9-A0B6-8FF18C4DF7A2}"/>
-              </a:ext>
-            </a:extLst>
-          </p:cNvPr>
-          <p:cNvSpPr>
-            <a:spLocks noGrp="1"/>
-          </p:cNvSpPr>
-          <p:nvPr>
-            <p:ph type="sldNum" sz="quarter" idx="12"/>
-          </p:nvPr>
-        </p:nvSpPr>
-        <p:spPr/>
-        <p:txBody>
-          <a:bodyPr/>
-          <a:lstStyle/>
-          <a:p>
-            <a:fld id="{6D95AE55-B5F4-483D-AEFF-E8059F5502F5}" type="slidenum">
-              <a:rPr lang="en-US" smtClean="0"/>
-              <a:t>8</a:t>
-            </a:fld>
-            <a:endParaRPr lang="en-US"/>
-          </a:p>
-        </p:txBody>
-      </p:sp>
-      <p:grpSp>
-        <p:nvGrpSpPr>
-          <p:cNvPr id="9" name="Group 8">
-            <a:extLst>
-              <a:ext uri="{FF2B5EF4-FFF2-40B4-BE49-F238E27FC236}">
-                <a16:creationId xmlns:a16="http://schemas.microsoft.com/office/drawing/2014/main" id="{CEDED36A-D487-41A0-A75D-59BCD2D99FF0}"/>
-              </a:ext>
-            </a:extLst>
-          </p:cNvPr>
-          <p:cNvGrpSpPr/>
-          <p:nvPr/>
-        </p:nvGrpSpPr>
-        <p:grpSpPr>
-          <a:xfrm>
-            <a:off x="0" y="2365513"/>
-            <a:ext cx="12192000" cy="4492487"/>
-            <a:chOff x="1" y="2159358"/>
-            <a:chExt cx="11270974" cy="4128619"/>
-          </a:xfrm>
-        </p:grpSpPr>
-        <p:pic>
-          <p:nvPicPr>
-            <p:cNvPr id="8" name="Picture 7">
-              <a:extLst>
-                <a:ext uri="{FF2B5EF4-FFF2-40B4-BE49-F238E27FC236}">
-                  <a16:creationId xmlns:a16="http://schemas.microsoft.com/office/drawing/2014/main" id="{8FEBF91B-42A3-4128-A383-0E3FE5A7A8BA}"/>
-                </a:ext>
-              </a:extLst>
-            </p:cNvPr>
-            <p:cNvPicPr>
-              <a:picLocks noChangeAspect="1"/>
-            </p:cNvPicPr>
-            <p:nvPr/>
-          </p:nvPicPr>
-          <p:blipFill rotWithShape="1">
-            <a:blip r:embed="rId3"/>
-            <a:srcRect t="1535" r="7555" b="5357"/>
-            <a:stretch/>
-          </p:blipFill>
-          <p:spPr>
-            <a:xfrm>
-              <a:off x="1" y="2226365"/>
-              <a:ext cx="11270974" cy="4061612"/>
-            </a:xfrm>
-            <a:prstGeom prst="rect">
-              <a:avLst/>
-            </a:prstGeom>
-          </p:spPr>
-        </p:pic>
-        <p:pic>
-          <p:nvPicPr>
-            <p:cNvPr id="6" name="Picture 5">
-              <a:extLst>
-                <a:ext uri="{FF2B5EF4-FFF2-40B4-BE49-F238E27FC236}">
-                  <a16:creationId xmlns:a16="http://schemas.microsoft.com/office/drawing/2014/main" id="{E72909C4-4095-447C-8EF5-3B9931ACE465}"/>
-                </a:ext>
-              </a:extLst>
-            </p:cNvPr>
-            <p:cNvPicPr>
-              <a:picLocks noChangeAspect="1"/>
-            </p:cNvPicPr>
-            <p:nvPr/>
-          </p:nvPicPr>
-          <p:blipFill rotWithShape="1">
-            <a:blip r:embed="rId4"/>
-            <a:srcRect l="4262" t="3546" r="9062" b="3551"/>
-            <a:stretch/>
-          </p:blipFill>
-          <p:spPr>
-            <a:xfrm>
-              <a:off x="703118" y="2159358"/>
-              <a:ext cx="10557917" cy="3794885"/>
-            </a:xfrm>
-            <a:prstGeom prst="rect">
-              <a:avLst/>
-            </a:prstGeom>
-          </p:spPr>
-        </p:pic>
-      </p:grpSp>
       <p:sp>
         <p:nvSpPr>
           <p:cNvPr id="3" name="Content Placeholder 2">
             <a:extLst>
               <a:ext uri="{FF2B5EF4-FFF2-40B4-BE49-F238E27FC236}">
-                <a16:creationId xmlns:a16="http://schemas.microsoft.com/office/drawing/2014/main" id="{07E1228D-410A-4A3F-B3BA-BC740514C1CC}"/>
+                <a16:creationId xmlns:a16="http://schemas.microsoft.com/office/drawing/2014/main" id="{D4F130E5-A761-A2BA-DF2A-A8EFF2ACFCB5}"/>
               </a:ext>
             </a:extLst>
           </p:cNvPr>
@@ -32646,150 +36184,45 @@
         </p:nvSpPr>
         <p:spPr>
           <a:xfrm>
-            <a:off x="3180522" y="1413145"/>
-            <a:ext cx="8482496" cy="4351338"/>
+            <a:off x="1355913" y="2205319"/>
+            <a:ext cx="5199529" cy="1884083"/>
           </a:xfrm>
         </p:spPr>
         <p:txBody>
           <a:bodyPr/>
           <a:lstStyle/>
           <a:p>
-            <a:pPr marL="0" indent="0">
-              <a:buNone/>
+            <a:pPr marL="514350" indent="-514350">
+              <a:buFont typeface="+mj-lt"/>
+              <a:buAutoNum type="arabicPeriod"/>
             </a:pPr>
             <a:r>
               <a:rPr lang="en-US" dirty="0"/>
-              <a:t>Why use ggplot2 over base plot? </a:t>
-            </a:r>
-          </a:p>
-          <a:p>
-            <a:pPr lvl="1"/>
+              <a:t>Make a plot, using a function that produces a new plot</a:t>
+            </a:r>
+          </a:p>
+          <a:p>
+            <a:pPr marL="514350" indent="-514350">
+              <a:buFont typeface="+mj-lt"/>
+              <a:buAutoNum type="arabicPeriod"/>
+            </a:pPr>
             <a:r>
               <a:rPr lang="en-US" dirty="0"/>
-              <a:t>Faster to make beautiful charts</a:t>
-            </a:r>
-          </a:p>
-          <a:p>
-            <a:pPr lvl="1"/>
-            <a:r>
-              <a:rPr lang="en-US" dirty="0"/>
-              <a:t>Easier to make complicated chars</a:t>
-            </a:r>
-          </a:p>
-          <a:p>
-            <a:endParaRPr lang="en-US" dirty="0"/>
-          </a:p>
-          <a:p>
-            <a:pPr marL="0" indent="0">
-              <a:buNone/>
-            </a:pPr>
-            <a:r>
-              <a:rPr lang="en-US" i="1" dirty="0"/>
-              <a:t>I’ll call it just </a:t>
-            </a:r>
-            <a:r>
-              <a:rPr lang="en-US" i="1" dirty="0" err="1"/>
-              <a:t>ggplot</a:t>
-            </a:r>
-            <a:r>
-              <a:rPr lang="en-US" i="1" dirty="0"/>
-              <a:t>. What happened to ggplot1?   Nobody knows…..</a:t>
-            </a:r>
-          </a:p>
-          <a:p>
-            <a:endParaRPr lang="en-US" dirty="0"/>
+              <a:t>Draw stuff on top of your plot, using data.</a:t>
+            </a:r>
           </a:p>
         </p:txBody>
       </p:sp>
     </p:spTree>
     <p:extLst>
       <p:ext uri="{BB962C8B-B14F-4D97-AF65-F5344CB8AC3E}">
-        <p14:creationId xmlns:p14="http://schemas.microsoft.com/office/powerpoint/2010/main" val="1081056507"/>
+        <p14:creationId xmlns:p14="http://schemas.microsoft.com/office/powerpoint/2010/main" val="2170264855"/>
       </p:ext>
     </p:extLst>
   </p:cSld>
   <p:clrMapOvr>
     <a:masterClrMapping/>
   </p:clrMapOvr>
-  <p:timing>
-    <p:tnLst>
-      <p:par>
-        <p:cTn id="1" dur="indefinite" restart="never" nodeType="tmRoot">
-          <p:childTnLst>
-            <p:seq concurrent="1" nextAc="seek">
-              <p:cTn id="2" dur="indefinite" nodeType="mainSeq">
-                <p:childTnLst>
-                  <p:par>
-                    <p:cTn id="3" fill="hold">
-                      <p:stCondLst>
-                        <p:cond delay="indefinite"/>
-                      </p:stCondLst>
-                      <p:childTnLst>
-                        <p:par>
-                          <p:cTn id="4" fill="hold">
-                            <p:stCondLst>
-                              <p:cond delay="0"/>
-                            </p:stCondLst>
-                            <p:childTnLst>
-                              <p:par>
-                                <p:cTn id="5" presetID="1" presetClass="entr" presetSubtype="0" fill="hold" nodeType="clickEffect">
-                                  <p:stCondLst>
-                                    <p:cond delay="0"/>
-                                  </p:stCondLst>
-                                  <p:childTnLst>
-                                    <p:set>
-                                      <p:cBhvr>
-                                        <p:cTn id="6" dur="1" fill="hold">
-                                          <p:stCondLst>
-                                            <p:cond delay="0"/>
-                                          </p:stCondLst>
-                                        </p:cTn>
-                                        <p:tgtEl>
-                                          <p:spTgt spid="3">
-                                            <p:txEl>
-                                              <p:pRg st="4" end="4"/>
-                                            </p:txEl>
-                                          </p:spTgt>
-                                        </p:tgtEl>
-                                        <p:attrNameLst>
-                                          <p:attrName>style.visibility</p:attrName>
-                                        </p:attrNameLst>
-                                      </p:cBhvr>
-                                      <p:to>
-                                        <p:strVal val="visible"/>
-                                      </p:to>
-                                    </p:set>
-                                  </p:childTnLst>
-                                </p:cTn>
-                              </p:par>
-                            </p:childTnLst>
-                          </p:cTn>
-                        </p:par>
-                      </p:childTnLst>
-                    </p:cTn>
-                  </p:par>
-                </p:childTnLst>
-              </p:cTn>
-              <p:prevCondLst>
-                <p:cond evt="onPrev" delay="0">
-                  <p:tgtEl>
-                    <p:sldTgt/>
-                  </p:tgtEl>
-                </p:cond>
-              </p:prevCondLst>
-              <p:nextCondLst>
-                <p:cond evt="onNext" delay="0">
-                  <p:tgtEl>
-                    <p:sldTgt/>
-                  </p:tgtEl>
-                </p:cond>
-              </p:nextCondLst>
-            </p:seq>
-          </p:childTnLst>
-        </p:cTn>
-      </p:par>
-    </p:tnLst>
-  </p:timing>
 </p:sld>
 </file>
 
@@ -32812,226 +36245,10 @@
       </p:grpSpPr>
       <p:sp>
         <p:nvSpPr>
-          <p:cNvPr id="2" name="Title 1">
+          <p:cNvPr id="4" name="Content Placeholder 2">
             <a:extLst>
               <a:ext uri="{FF2B5EF4-FFF2-40B4-BE49-F238E27FC236}">
-                <a16:creationId xmlns:a16="http://schemas.microsoft.com/office/drawing/2014/main" id="{ADBEFCD6-BF4C-4878-8769-16B947165E95}"/>
-              </a:ext>
-            </a:extLst>
-          </p:cNvPr>
-          <p:cNvSpPr>
-            <a:spLocks noGrp="1"/>
-          </p:cNvSpPr>
-          <p:nvPr>
-            <p:ph type="title"/>
-          </p:nvPr>
-        </p:nvSpPr>
-        <p:spPr/>
-        <p:txBody>
-          <a:bodyPr/>
-          <a:lstStyle/>
-          <a:p>
-            <a:r>
-              <a:rPr lang="en-US" dirty="0"/>
-              <a:t>ggplot2</a:t>
-            </a:r>
-          </a:p>
-        </p:txBody>
-      </p:sp>
-      <p:sp>
-        <p:nvSpPr>
-          <p:cNvPr id="3" name="Content Placeholder 2">
-            <a:extLst>
-              <a:ext uri="{FF2B5EF4-FFF2-40B4-BE49-F238E27FC236}">
-                <a16:creationId xmlns:a16="http://schemas.microsoft.com/office/drawing/2014/main" id="{C33E3CB4-496B-42C3-BE34-5470079E08BF}"/>
-              </a:ext>
-            </a:extLst>
-          </p:cNvPr>
-          <p:cNvSpPr>
-            <a:spLocks noGrp="1"/>
-          </p:cNvSpPr>
-          <p:nvPr>
-            <p:ph idx="1"/>
-          </p:nvPr>
-        </p:nvSpPr>
-        <p:spPr>
-          <a:xfrm>
-            <a:off x="352711" y="1610591"/>
-            <a:ext cx="6071710" cy="5247409"/>
-          </a:xfrm>
-        </p:spPr>
-        <p:txBody>
-          <a:bodyPr>
-            <a:normAutofit/>
-          </a:bodyPr>
-          <a:lstStyle/>
-          <a:p>
-            <a:r>
-              <a:rPr lang="en-US" dirty="0" err="1"/>
-              <a:t>ggplot</a:t>
-            </a:r>
-            <a:r>
-              <a:rPr lang="en-US" dirty="0"/>
-              <a:t>() function with data &amp; </a:t>
-            </a:r>
-            <a:r>
-              <a:rPr lang="en-US" dirty="0" err="1"/>
-              <a:t>aes</a:t>
-            </a:r>
-            <a:r>
-              <a:rPr lang="en-US" dirty="0"/>
-              <a:t>()  </a:t>
-            </a:r>
-          </a:p>
-          <a:p>
-            <a:pPr lvl="1">
-              <a:spcBef>
-                <a:spcPts val="0"/>
-              </a:spcBef>
-            </a:pPr>
-            <a:r>
-              <a:rPr lang="en-US" dirty="0" err="1"/>
-              <a:t>aes</a:t>
-            </a:r>
-            <a:r>
-              <a:rPr lang="en-US" dirty="0"/>
-              <a:t>() is the “aesthetics”. Set which cols are equal to x, y, color, fill, and group. </a:t>
-            </a:r>
-          </a:p>
-          <a:p>
-            <a:pPr>
-              <a:spcBef>
-                <a:spcPts val="2400"/>
-              </a:spcBef>
-            </a:pPr>
-            <a:r>
-              <a:rPr lang="en-US" dirty="0"/>
-              <a:t>Use a “+” to connect between lines</a:t>
-            </a:r>
-          </a:p>
-          <a:p>
-            <a:pPr>
-              <a:spcBef>
-                <a:spcPts val="2400"/>
-              </a:spcBef>
-            </a:pPr>
-            <a:r>
-              <a:rPr lang="en-US" dirty="0"/>
-              <a:t>Control aspects of the axes (and other parts) with “scale_”, e.g., </a:t>
-            </a:r>
-            <a:r>
-              <a:rPr lang="en-US" dirty="0" err="1"/>
-              <a:t>scale_y_continuous</a:t>
-            </a:r>
-            <a:r>
-              <a:rPr lang="en-US" dirty="0"/>
-              <a:t>, </a:t>
-            </a:r>
-            <a:r>
-              <a:rPr lang="en-US" dirty="0" err="1"/>
-              <a:t>scale_x_discrete</a:t>
-            </a:r>
-            <a:endParaRPr lang="en-US" dirty="0"/>
-          </a:p>
-          <a:p>
-            <a:pPr>
-              <a:spcBef>
-                <a:spcPts val="2400"/>
-              </a:spcBef>
-            </a:pPr>
-            <a:r>
-              <a:rPr lang="en-US" dirty="0"/>
-              <a:t>Add points &amp; lines using “</a:t>
-            </a:r>
-            <a:r>
-              <a:rPr lang="en-US" dirty="0" err="1"/>
-              <a:t>geom</a:t>
-            </a:r>
-            <a:r>
-              <a:rPr lang="en-US" dirty="0"/>
-              <a:t>_” </a:t>
-            </a:r>
-          </a:p>
-          <a:p>
-            <a:pPr lvl="1">
-              <a:spcBef>
-                <a:spcPts val="0"/>
-              </a:spcBef>
-            </a:pPr>
-            <a:r>
-              <a:rPr lang="en-US" dirty="0"/>
-              <a:t>e.g., </a:t>
-            </a:r>
-            <a:r>
-              <a:rPr lang="en-US" dirty="0" err="1"/>
-              <a:t>geom_point</a:t>
-            </a:r>
-            <a:r>
-              <a:rPr lang="en-US" dirty="0"/>
-              <a:t>(), </a:t>
-            </a:r>
-            <a:r>
-              <a:rPr lang="en-US" dirty="0" err="1"/>
-              <a:t>geom_line</a:t>
-            </a:r>
-            <a:r>
-              <a:rPr lang="en-US" dirty="0"/>
-              <a:t>(), </a:t>
-            </a:r>
-            <a:r>
-              <a:rPr lang="en-US" dirty="0" err="1"/>
-              <a:t>etc</a:t>
-            </a:r>
-            <a:endParaRPr lang="en-US" dirty="0"/>
-          </a:p>
-          <a:p>
-            <a:pPr>
-              <a:spcBef>
-                <a:spcPts val="2400"/>
-              </a:spcBef>
-            </a:pPr>
-            <a:r>
-              <a:rPr lang="en-US" dirty="0"/>
-              <a:t>Set visual elements using theme()</a:t>
-            </a:r>
-          </a:p>
-        </p:txBody>
-      </p:sp>
-      <p:sp>
-        <p:nvSpPr>
-          <p:cNvPr id="4" name="Slide Number Placeholder 3">
-            <a:extLst>
-              <a:ext uri="{FF2B5EF4-FFF2-40B4-BE49-F238E27FC236}">
-                <a16:creationId xmlns:a16="http://schemas.microsoft.com/office/drawing/2014/main" id="{67889695-1029-45D7-8CA0-E5AA27A170C7}"/>
-              </a:ext>
-            </a:extLst>
-          </p:cNvPr>
-          <p:cNvSpPr>
-            <a:spLocks noGrp="1"/>
-          </p:cNvSpPr>
-          <p:nvPr>
-            <p:ph type="sldNum" sz="quarter" idx="12"/>
-          </p:nvPr>
-        </p:nvSpPr>
-        <p:spPr/>
-        <p:txBody>
-          <a:bodyPr/>
-          <a:lstStyle/>
-          <a:p>
-            <a:fld id="{6D95AE55-B5F4-483D-AEFF-E8059F5502F5}" type="slidenum">
-              <a:rPr lang="en-US" smtClean="0"/>
-              <a:t>9</a:t>
-            </a:fld>
-            <a:endParaRPr lang="en-US"/>
-          </a:p>
-        </p:txBody>
-      </p:sp>
-      <p:sp>
-        <p:nvSpPr>
-          <p:cNvPr id="5" name="Content Placeholder 2">
-            <a:extLst>
-              <a:ext uri="{FF2B5EF4-FFF2-40B4-BE49-F238E27FC236}">
-                <a16:creationId xmlns:a16="http://schemas.microsoft.com/office/drawing/2014/main" id="{22DFA84D-5B63-4CA6-A793-9D0D90C43EF1}"/>
+                <a16:creationId xmlns:a16="http://schemas.microsoft.com/office/drawing/2014/main" id="{E5AAA020-BEEF-7D80-4671-7F2A89B3594F}"/>
               </a:ext>
             </a:extLst>
           </p:cNvPr>
@@ -33042,8 +36259,8 @@
         </p:nvSpPr>
         <p:spPr>
           <a:xfrm>
-            <a:off x="7182407" y="2782111"/>
-            <a:ext cx="4909075" cy="3441792"/>
+            <a:off x="717175" y="176492"/>
+            <a:ext cx="10134601" cy="6627720"/>
           </a:xfrm>
           <a:prstGeom prst="rect">
             <a:avLst/>
@@ -33051,7 +36268,7 @@
         </p:spPr>
         <p:txBody>
           <a:bodyPr vert="horz" lIns="91440" tIns="45720" rIns="91440" bIns="45720" rtlCol="0">
-            <a:normAutofit/>
+            <a:normAutofit fontScale="70000" lnSpcReduction="20000"/>
           </a:bodyPr>
           <a:lstStyle>
             <a:lvl1pPr marL="228600" indent="-228600" algn="l" defTabSz="914400" rtl="0" eaLnBrk="1" latinLnBrk="0" hangingPunct="1">
@@ -33218,2355 +36435,358 @@
             </a:lvl9pPr>
           </a:lstStyle>
           <a:p>
-            <a:pPr marL="346075" indent="-346075">
-              <a:buNone/>
-            </a:pPr>
-            <a:r>
-              <a:rPr lang="en-US" sz="2000" dirty="0" err="1">
-                <a:latin typeface="Consolas" panose="020B0609020204030204" pitchFamily="49" charset="0"/>
-              </a:rPr>
-              <a:t>ggplot</a:t>
-            </a:r>
-            <a:r>
-              <a:rPr lang="en-US" sz="2000" dirty="0">
-                <a:latin typeface="Consolas" panose="020B0609020204030204" pitchFamily="49" charset="0"/>
-              </a:rPr>
-              <a:t>(data = </a:t>
-            </a:r>
-            <a:r>
-              <a:rPr lang="en-US" sz="2000" dirty="0" err="1">
-                <a:latin typeface="Consolas" panose="020B0609020204030204" pitchFamily="49" charset="0"/>
-              </a:rPr>
-              <a:t>mydataframe</a:t>
-            </a:r>
-            <a:r>
-              <a:rPr lang="en-US" sz="2000" dirty="0">
-                <a:latin typeface="Consolas" panose="020B0609020204030204" pitchFamily="49" charset="0"/>
-              </a:rPr>
-              <a:t>,    </a:t>
-            </a:r>
-            <a:r>
-              <a:rPr lang="en-US" sz="2000" dirty="0" err="1">
-                <a:latin typeface="Consolas" panose="020B0609020204030204" pitchFamily="49" charset="0"/>
-              </a:rPr>
-              <a:t>aes</a:t>
-            </a:r>
-            <a:r>
-              <a:rPr lang="en-US" sz="2000" dirty="0">
-                <a:latin typeface="Consolas" panose="020B0609020204030204" pitchFamily="49" charset="0"/>
-              </a:rPr>
-              <a:t>(x = </a:t>
-            </a:r>
-            <a:r>
-              <a:rPr lang="en-US" sz="2000" dirty="0" err="1">
-                <a:latin typeface="Consolas" panose="020B0609020204030204" pitchFamily="49" charset="0"/>
-              </a:rPr>
-              <a:t>xcolumn</a:t>
-            </a:r>
-            <a:r>
-              <a:rPr lang="en-US" sz="2000" dirty="0">
-                <a:latin typeface="Consolas" panose="020B0609020204030204" pitchFamily="49" charset="0"/>
-              </a:rPr>
-              <a:t>, y = </a:t>
-            </a:r>
-            <a:r>
-              <a:rPr lang="en-US" sz="2000" dirty="0" err="1">
-                <a:latin typeface="Consolas" panose="020B0609020204030204" pitchFamily="49" charset="0"/>
-              </a:rPr>
-              <a:t>ycolumn</a:t>
-            </a:r>
-            <a:r>
-              <a:rPr lang="en-US" sz="2000" dirty="0">
-                <a:latin typeface="Consolas" panose="020B0609020204030204" pitchFamily="49" charset="0"/>
-              </a:rPr>
-              <a:t>, group = </a:t>
-            </a:r>
-            <a:r>
-              <a:rPr lang="en-US" sz="2000" dirty="0" err="1">
-                <a:latin typeface="Consolas" panose="020B0609020204030204" pitchFamily="49" charset="0"/>
-              </a:rPr>
-              <a:t>groupvar</a:t>
-            </a:r>
-            <a:r>
-              <a:rPr lang="en-US" sz="2000" dirty="0">
-                <a:latin typeface="Consolas" panose="020B0609020204030204" pitchFamily="49" charset="0"/>
-              </a:rPr>
-              <a:t>)) </a:t>
-            </a:r>
-          </a:p>
-          <a:p>
-            <a:pPr marL="346075" indent="-346075">
-              <a:buNone/>
-            </a:pPr>
-            <a:r>
-              <a:rPr lang="en-US" sz="2000" dirty="0" err="1">
-                <a:latin typeface="Consolas" panose="020B0609020204030204" pitchFamily="49" charset="0"/>
-              </a:rPr>
-              <a:t>scale_x_continuous</a:t>
-            </a:r>
-            <a:r>
-              <a:rPr lang="en-US" sz="2000" dirty="0">
-                <a:latin typeface="Consolas" panose="020B0609020204030204" pitchFamily="49" charset="0"/>
-              </a:rPr>
-              <a:t>(breaks = c(1990, 2000, 2010, 2020)) +</a:t>
-            </a:r>
-          </a:p>
-          <a:p>
             <a:pPr marL="0" indent="0">
               <a:buNone/>
             </a:pPr>
             <a:r>
-              <a:rPr lang="en-US" sz="2000" dirty="0" err="1">
-                <a:latin typeface="Consolas" panose="020B0609020204030204" pitchFamily="49" charset="0"/>
-              </a:rPr>
-              <a:t>geom_line</a:t>
-            </a:r>
-            <a:r>
-              <a:rPr lang="en-US" sz="2000" dirty="0">
-                <a:latin typeface="Consolas" panose="020B0609020204030204" pitchFamily="49" charset="0"/>
-              </a:rPr>
-              <a:t>()</a:t>
+              <a:rPr lang="en-US" dirty="0"/>
+              <a:t>Matt’s non-exhaustive Base-R plotting toolbox:</a:t>
             </a:r>
           </a:p>
           <a:p>
             <a:pPr marL="0" indent="0">
               <a:buNone/>
             </a:pPr>
-            <a:endParaRPr lang="en-US" sz="2000" dirty="0">
-              <a:latin typeface="Consolas" panose="020B0609020204030204" pitchFamily="49" charset="0"/>
-            </a:endParaRPr>
-          </a:p>
-          <a:p>
-            <a:pPr marL="0" indent="0">
+            <a:endParaRPr lang="en-US" dirty="0"/>
+          </a:p>
+          <a:p>
+            <a:pPr lvl="1"/>
+            <a:r>
+              <a:rPr lang="en-US" dirty="0"/>
+              <a:t>Plotting functions</a:t>
+            </a:r>
+          </a:p>
+          <a:p>
+            <a:pPr lvl="2"/>
+            <a:r>
+              <a:rPr lang="en-US" b="1" dirty="0"/>
+              <a:t>plot</a:t>
+            </a:r>
+            <a:r>
+              <a:rPr lang="en-US" dirty="0"/>
+              <a:t>(…)</a:t>
+            </a:r>
+          </a:p>
+          <a:p>
+            <a:pPr lvl="2"/>
+            <a:r>
+              <a:rPr lang="en-US" b="1" dirty="0"/>
+              <a:t>boxplot</a:t>
+            </a:r>
+            <a:r>
+              <a:rPr lang="en-US" dirty="0"/>
+              <a:t>(…)</a:t>
+            </a:r>
+          </a:p>
+          <a:p>
+            <a:pPr lvl="2"/>
+            <a:r>
+              <a:rPr lang="en-US" b="1" dirty="0" err="1"/>
+              <a:t>mosaicplot</a:t>
+            </a:r>
+            <a:r>
+              <a:rPr lang="en-US" dirty="0"/>
+              <a:t>(…)</a:t>
+            </a:r>
+          </a:p>
+          <a:p>
+            <a:pPr marL="914400" lvl="2" indent="0">
               <a:buNone/>
             </a:pPr>
-            <a:endParaRPr lang="en-US" dirty="0">
-              <a:latin typeface="Consolas" panose="020B0609020204030204" pitchFamily="49" charset="0"/>
-            </a:endParaRPr>
-          </a:p>
-        </p:txBody>
-      </p:sp>
-      <p:grpSp>
-        <p:nvGrpSpPr>
-          <p:cNvPr id="10" name="Group 9">
-            <a:extLst>
-              <a:ext uri="{FF2B5EF4-FFF2-40B4-BE49-F238E27FC236}">
-                <a16:creationId xmlns:a16="http://schemas.microsoft.com/office/drawing/2014/main" id="{68B37988-AA99-4E4C-B732-9AF4BEF52DFC}"/>
-              </a:ext>
-            </a:extLst>
-          </p:cNvPr>
-          <p:cNvGrpSpPr/>
-          <p:nvPr/>
-        </p:nvGrpSpPr>
-        <p:grpSpPr>
-          <a:xfrm>
-            <a:off x="10398869" y="2033080"/>
-            <a:ext cx="1339693" cy="1128514"/>
-            <a:chOff x="10398869" y="2033080"/>
-            <a:chExt cx="1339693" cy="1128514"/>
-          </a:xfrm>
-        </p:grpSpPr>
-        <p:sp>
-          <p:nvSpPr>
-            <p:cNvPr id="8" name="Freeform: Shape 7">
-              <a:extLst>
-                <a:ext uri="{FF2B5EF4-FFF2-40B4-BE49-F238E27FC236}">
-                  <a16:creationId xmlns:a16="http://schemas.microsoft.com/office/drawing/2014/main" id="{2E92D931-084C-4C76-9BA5-B1222DDF045A}"/>
-                </a:ext>
-              </a:extLst>
-            </p:cNvPr>
-            <p:cNvSpPr/>
-            <p:nvPr/>
-          </p:nvSpPr>
-          <p:spPr>
-            <a:xfrm>
-              <a:off x="10398869" y="2033080"/>
-              <a:ext cx="1339693" cy="1021405"/>
-            </a:xfrm>
-            <a:custGeom>
-              <a:avLst/>
-              <a:gdLst>
-                <a:gd name="connsiteX0" fmla="*/ 0 w 1200933"/>
-                <a:gd name="connsiteY0" fmla="*/ 0 h 924128"/>
-                <a:gd name="connsiteX1" fmla="*/ 1108953 w 1200933"/>
-                <a:gd name="connsiteY1" fmla="*/ 194553 h 924128"/>
-                <a:gd name="connsiteX2" fmla="*/ 1060315 w 1200933"/>
-                <a:gd name="connsiteY2" fmla="*/ 924128 h 924128"/>
-                <a:gd name="connsiteX0" fmla="*/ 0 w 1331632"/>
-                <a:gd name="connsiteY0" fmla="*/ 0 h 924128"/>
-                <a:gd name="connsiteX1" fmla="*/ 1274323 w 1331632"/>
-                <a:gd name="connsiteY1" fmla="*/ 282102 h 924128"/>
-                <a:gd name="connsiteX2" fmla="*/ 1060315 w 1331632"/>
-                <a:gd name="connsiteY2" fmla="*/ 924128 h 924128"/>
-                <a:gd name="connsiteX0" fmla="*/ 0 w 1331632"/>
-                <a:gd name="connsiteY0" fmla="*/ 0 h 924128"/>
-                <a:gd name="connsiteX1" fmla="*/ 1274323 w 1331632"/>
-                <a:gd name="connsiteY1" fmla="*/ 282102 h 924128"/>
-                <a:gd name="connsiteX2" fmla="*/ 1060315 w 1331632"/>
-                <a:gd name="connsiteY2" fmla="*/ 924128 h 924128"/>
-                <a:gd name="connsiteX0" fmla="*/ 0 w 1331632"/>
-                <a:gd name="connsiteY0" fmla="*/ 0 h 924128"/>
-                <a:gd name="connsiteX1" fmla="*/ 1274323 w 1331632"/>
-                <a:gd name="connsiteY1" fmla="*/ 282102 h 924128"/>
-                <a:gd name="connsiteX2" fmla="*/ 1060315 w 1331632"/>
-                <a:gd name="connsiteY2" fmla="*/ 924128 h 924128"/>
-                <a:gd name="connsiteX0" fmla="*/ 0 w 1322705"/>
-                <a:gd name="connsiteY0" fmla="*/ 0 h 943584"/>
-                <a:gd name="connsiteX1" fmla="*/ 1274323 w 1322705"/>
-                <a:gd name="connsiteY1" fmla="*/ 282102 h 943584"/>
-                <a:gd name="connsiteX2" fmla="*/ 982494 w 1322705"/>
-                <a:gd name="connsiteY2" fmla="*/ 943584 h 943584"/>
-                <a:gd name="connsiteX0" fmla="*/ 0 w 1335590"/>
-                <a:gd name="connsiteY0" fmla="*/ 0 h 943584"/>
-                <a:gd name="connsiteX1" fmla="*/ 1274323 w 1335590"/>
-                <a:gd name="connsiteY1" fmla="*/ 282102 h 943584"/>
-                <a:gd name="connsiteX2" fmla="*/ 982494 w 1335590"/>
-                <a:gd name="connsiteY2" fmla="*/ 943584 h 943584"/>
-                <a:gd name="connsiteX0" fmla="*/ 0 w 1339693"/>
-                <a:gd name="connsiteY0" fmla="*/ 0 h 943584"/>
-                <a:gd name="connsiteX1" fmla="*/ 1274323 w 1339693"/>
-                <a:gd name="connsiteY1" fmla="*/ 282102 h 943584"/>
-                <a:gd name="connsiteX2" fmla="*/ 982494 w 1339693"/>
-                <a:gd name="connsiteY2" fmla="*/ 943584 h 943584"/>
-                <a:gd name="connsiteX0" fmla="*/ 0 w 1339693"/>
-                <a:gd name="connsiteY0" fmla="*/ 0 h 1021405"/>
-                <a:gd name="connsiteX1" fmla="*/ 1274323 w 1339693"/>
-                <a:gd name="connsiteY1" fmla="*/ 359923 h 1021405"/>
-                <a:gd name="connsiteX2" fmla="*/ 982494 w 1339693"/>
-                <a:gd name="connsiteY2" fmla="*/ 1021405 h 1021405"/>
-              </a:gdLst>
-              <a:ahLst/>
-              <a:cxnLst>
-                <a:cxn ang="0">
-                  <a:pos x="connsiteX0" y="connsiteY0"/>
-                </a:cxn>
-                <a:cxn ang="0">
-                  <a:pos x="connsiteX1" y="connsiteY1"/>
-                </a:cxn>
-                <a:cxn ang="0">
-                  <a:pos x="connsiteX2" y="connsiteY2"/>
-                </a:cxn>
-              </a:cxnLst>
-              <a:rect l="l" t="t" r="r" b="b"/>
-              <a:pathLst>
-                <a:path w="1339693" h="1021405">
-                  <a:moveTo>
-                    <a:pt x="0" y="0"/>
-                  </a:moveTo>
-                  <a:cubicBezTo>
-                    <a:pt x="466117" y="20266"/>
-                    <a:pt x="1146242" y="118353"/>
-                    <a:pt x="1274323" y="359923"/>
-                  </a:cubicBezTo>
-                  <a:cubicBezTo>
-                    <a:pt x="1451042" y="611221"/>
-                    <a:pt x="1241087" y="898998"/>
-                    <a:pt x="982494" y="1021405"/>
-                  </a:cubicBezTo>
-                </a:path>
-              </a:pathLst>
-            </a:custGeom>
-            <a:noFill/>
-            <a:ln w="57150">
-              <a:solidFill>
-                <a:srgbClr val="C00000"/>
-              </a:solidFill>
-            </a:ln>
-          </p:spPr>
-          <p:style>
-            <a:lnRef idx="2">
-              <a:schemeClr val="accent1">
-                <a:shade val="50000"/>
-              </a:schemeClr>
-            </a:lnRef>
-            <a:fillRef idx="1">
-              <a:schemeClr val="accent1"/>
-            </a:fillRef>
-            <a:effectRef idx="0">
-              <a:schemeClr val="accent1"/>
-            </a:effectRef>
-            <a:fontRef idx="minor">
-              <a:schemeClr val="lt1"/>
-            </a:fontRef>
-          </p:style>
-          <p:txBody>
-            <a:bodyPr rtlCol="0" anchor="ctr"/>
-            <a:lstStyle/>
-            <a:p>
-              <a:pPr algn="ctr"/>
-              <a:endParaRPr lang="en-US"/>
-            </a:p>
-          </p:txBody>
-        </p:sp>
-        <p:sp>
-          <p:nvSpPr>
-            <p:cNvPr id="9" name="Isosceles Triangle 8">
-              <a:extLst>
-                <a:ext uri="{FF2B5EF4-FFF2-40B4-BE49-F238E27FC236}">
-                  <a16:creationId xmlns:a16="http://schemas.microsoft.com/office/drawing/2014/main" id="{149C87B2-B1FD-4697-BB72-588496D3E13C}"/>
-                </a:ext>
-              </a:extLst>
-            </p:cNvPr>
-            <p:cNvSpPr/>
-            <p:nvPr/>
-          </p:nvSpPr>
-          <p:spPr>
-            <a:xfrm rot="15077569">
-              <a:off x="11240514" y="2950651"/>
-              <a:ext cx="226569" cy="195318"/>
-            </a:xfrm>
-            <a:prstGeom prst="triangle">
-              <a:avLst/>
-            </a:prstGeom>
-            <a:solidFill>
-              <a:srgbClr val="C00000"/>
-            </a:solidFill>
-            <a:ln>
-              <a:noFill/>
-            </a:ln>
-          </p:spPr>
-          <p:style>
-            <a:lnRef idx="2">
-              <a:schemeClr val="accent1">
-                <a:shade val="50000"/>
-              </a:schemeClr>
-            </a:lnRef>
-            <a:fillRef idx="1">
-              <a:schemeClr val="accent1"/>
-            </a:fillRef>
-            <a:effectRef idx="0">
-              <a:schemeClr val="accent1"/>
-            </a:effectRef>
-            <a:fontRef idx="minor">
-              <a:schemeClr val="lt1"/>
-            </a:fontRef>
-          </p:style>
-          <p:txBody>
-            <a:bodyPr rtlCol="0" anchor="ctr"/>
-            <a:lstStyle/>
-            <a:p>
-              <a:pPr algn="ctr"/>
-              <a:endParaRPr lang="en-US"/>
-            </a:p>
-          </p:txBody>
-        </p:sp>
-      </p:grpSp>
-      <p:grpSp>
-        <p:nvGrpSpPr>
-          <p:cNvPr id="11" name="Group 10">
-            <a:extLst>
-              <a:ext uri="{FF2B5EF4-FFF2-40B4-BE49-F238E27FC236}">
-                <a16:creationId xmlns:a16="http://schemas.microsoft.com/office/drawing/2014/main" id="{63E9A492-50CB-4734-99CF-CD0ACEA4B67D}"/>
-              </a:ext>
-            </a:extLst>
-          </p:cNvPr>
-          <p:cNvGrpSpPr/>
-          <p:nvPr/>
-        </p:nvGrpSpPr>
-        <p:grpSpPr>
-          <a:xfrm flipV="1">
-            <a:off x="11224964" y="3867348"/>
-            <a:ext cx="596859" cy="1426991"/>
-            <a:chOff x="11256140" y="1734603"/>
-            <a:chExt cx="596859" cy="1426991"/>
-          </a:xfrm>
-        </p:grpSpPr>
-        <p:sp>
-          <p:nvSpPr>
-            <p:cNvPr id="12" name="Freeform: Shape 11">
-              <a:extLst>
-                <a:ext uri="{FF2B5EF4-FFF2-40B4-BE49-F238E27FC236}">
-                  <a16:creationId xmlns:a16="http://schemas.microsoft.com/office/drawing/2014/main" id="{828B8792-FB1B-4218-8382-785594FC71E9}"/>
-                </a:ext>
-              </a:extLst>
-            </p:cNvPr>
-            <p:cNvSpPr/>
-            <p:nvPr/>
-          </p:nvSpPr>
-          <p:spPr>
-            <a:xfrm>
-              <a:off x="11381364" y="1734603"/>
-              <a:ext cx="471635" cy="1319882"/>
-            </a:xfrm>
-            <a:custGeom>
-              <a:avLst/>
-              <a:gdLst>
-                <a:gd name="connsiteX0" fmla="*/ 0 w 1200933"/>
-                <a:gd name="connsiteY0" fmla="*/ 0 h 924128"/>
-                <a:gd name="connsiteX1" fmla="*/ 1108953 w 1200933"/>
-                <a:gd name="connsiteY1" fmla="*/ 194553 h 924128"/>
-                <a:gd name="connsiteX2" fmla="*/ 1060315 w 1200933"/>
-                <a:gd name="connsiteY2" fmla="*/ 924128 h 924128"/>
-                <a:gd name="connsiteX0" fmla="*/ 0 w 1331632"/>
-                <a:gd name="connsiteY0" fmla="*/ 0 h 924128"/>
-                <a:gd name="connsiteX1" fmla="*/ 1274323 w 1331632"/>
-                <a:gd name="connsiteY1" fmla="*/ 282102 h 924128"/>
-                <a:gd name="connsiteX2" fmla="*/ 1060315 w 1331632"/>
-                <a:gd name="connsiteY2" fmla="*/ 924128 h 924128"/>
-                <a:gd name="connsiteX0" fmla="*/ 0 w 1331632"/>
-                <a:gd name="connsiteY0" fmla="*/ 0 h 924128"/>
-                <a:gd name="connsiteX1" fmla="*/ 1274323 w 1331632"/>
-                <a:gd name="connsiteY1" fmla="*/ 282102 h 924128"/>
-                <a:gd name="connsiteX2" fmla="*/ 1060315 w 1331632"/>
-                <a:gd name="connsiteY2" fmla="*/ 924128 h 924128"/>
-                <a:gd name="connsiteX0" fmla="*/ 0 w 1331632"/>
-                <a:gd name="connsiteY0" fmla="*/ 0 h 924128"/>
-                <a:gd name="connsiteX1" fmla="*/ 1274323 w 1331632"/>
-                <a:gd name="connsiteY1" fmla="*/ 282102 h 924128"/>
-                <a:gd name="connsiteX2" fmla="*/ 1060315 w 1331632"/>
-                <a:gd name="connsiteY2" fmla="*/ 924128 h 924128"/>
-                <a:gd name="connsiteX0" fmla="*/ 0 w 1322705"/>
-                <a:gd name="connsiteY0" fmla="*/ 0 h 943584"/>
-                <a:gd name="connsiteX1" fmla="*/ 1274323 w 1322705"/>
-                <a:gd name="connsiteY1" fmla="*/ 282102 h 943584"/>
-                <a:gd name="connsiteX2" fmla="*/ 982494 w 1322705"/>
-                <a:gd name="connsiteY2" fmla="*/ 943584 h 943584"/>
-                <a:gd name="connsiteX0" fmla="*/ 0 w 1335590"/>
-                <a:gd name="connsiteY0" fmla="*/ 0 h 943584"/>
-                <a:gd name="connsiteX1" fmla="*/ 1274323 w 1335590"/>
-                <a:gd name="connsiteY1" fmla="*/ 282102 h 943584"/>
-                <a:gd name="connsiteX2" fmla="*/ 982494 w 1335590"/>
-                <a:gd name="connsiteY2" fmla="*/ 943584 h 943584"/>
-                <a:gd name="connsiteX0" fmla="*/ 0 w 1339693"/>
-                <a:gd name="connsiteY0" fmla="*/ 0 h 943584"/>
-                <a:gd name="connsiteX1" fmla="*/ 1274323 w 1339693"/>
-                <a:gd name="connsiteY1" fmla="*/ 282102 h 943584"/>
-                <a:gd name="connsiteX2" fmla="*/ 982494 w 1339693"/>
-                <a:gd name="connsiteY2" fmla="*/ 943584 h 943584"/>
-                <a:gd name="connsiteX0" fmla="*/ 0 w 1339693"/>
-                <a:gd name="connsiteY0" fmla="*/ 0 h 1021405"/>
-                <a:gd name="connsiteX1" fmla="*/ 1274323 w 1339693"/>
-                <a:gd name="connsiteY1" fmla="*/ 359923 h 1021405"/>
-                <a:gd name="connsiteX2" fmla="*/ 982494 w 1339693"/>
-                <a:gd name="connsiteY2" fmla="*/ 1021405 h 1021405"/>
-                <a:gd name="connsiteX0" fmla="*/ 0 w 1826076"/>
-                <a:gd name="connsiteY0" fmla="*/ 0 h 1361873"/>
-                <a:gd name="connsiteX1" fmla="*/ 1760706 w 1826076"/>
-                <a:gd name="connsiteY1" fmla="*/ 700391 h 1361873"/>
-                <a:gd name="connsiteX2" fmla="*/ 1468877 w 1826076"/>
-                <a:gd name="connsiteY2" fmla="*/ 1361873 h 1361873"/>
-                <a:gd name="connsiteX0" fmla="*/ 0 w 1910240"/>
-                <a:gd name="connsiteY0" fmla="*/ 0 h 1361873"/>
-                <a:gd name="connsiteX1" fmla="*/ 1857983 w 1910240"/>
-                <a:gd name="connsiteY1" fmla="*/ 739301 h 1361873"/>
-                <a:gd name="connsiteX2" fmla="*/ 1468877 w 1910240"/>
-                <a:gd name="connsiteY2" fmla="*/ 1361873 h 1361873"/>
-                <a:gd name="connsiteX0" fmla="*/ 0 w 1491951"/>
-                <a:gd name="connsiteY0" fmla="*/ 0 h 1070043"/>
-                <a:gd name="connsiteX1" fmla="*/ 1439694 w 1491951"/>
-                <a:gd name="connsiteY1" fmla="*/ 447471 h 1070043"/>
-                <a:gd name="connsiteX2" fmla="*/ 1050588 w 1491951"/>
-                <a:gd name="connsiteY2" fmla="*/ 1070043 h 1070043"/>
-                <a:gd name="connsiteX0" fmla="*/ 0 w 1553458"/>
-                <a:gd name="connsiteY0" fmla="*/ 0 h 1070043"/>
-                <a:gd name="connsiteX1" fmla="*/ 1507788 w 1553458"/>
-                <a:gd name="connsiteY1" fmla="*/ 583658 h 1070043"/>
-                <a:gd name="connsiteX2" fmla="*/ 1050588 w 1553458"/>
-                <a:gd name="connsiteY2" fmla="*/ 1070043 h 1070043"/>
-                <a:gd name="connsiteX0" fmla="*/ 0 w 833611"/>
-                <a:gd name="connsiteY0" fmla="*/ 0 h 1040860"/>
-                <a:gd name="connsiteX1" fmla="*/ 787941 w 833611"/>
-                <a:gd name="connsiteY1" fmla="*/ 554475 h 1040860"/>
-                <a:gd name="connsiteX2" fmla="*/ 330741 w 833611"/>
-                <a:gd name="connsiteY2" fmla="*/ 1040860 h 1040860"/>
-                <a:gd name="connsiteX0" fmla="*/ 0 w 833611"/>
-                <a:gd name="connsiteY0" fmla="*/ 0 h 1040860"/>
-                <a:gd name="connsiteX1" fmla="*/ 787941 w 833611"/>
-                <a:gd name="connsiteY1" fmla="*/ 554475 h 1040860"/>
-                <a:gd name="connsiteX2" fmla="*/ 330741 w 833611"/>
-                <a:gd name="connsiteY2" fmla="*/ 1040860 h 1040860"/>
-                <a:gd name="connsiteX0" fmla="*/ 0 w 794457"/>
-                <a:gd name="connsiteY0" fmla="*/ 0 h 1040860"/>
-                <a:gd name="connsiteX1" fmla="*/ 787941 w 794457"/>
-                <a:gd name="connsiteY1" fmla="*/ 554475 h 1040860"/>
-                <a:gd name="connsiteX2" fmla="*/ 330741 w 794457"/>
-                <a:gd name="connsiteY2" fmla="*/ 1040860 h 1040860"/>
-                <a:gd name="connsiteX0" fmla="*/ 0 w 794457"/>
-                <a:gd name="connsiteY0" fmla="*/ 0 h 1040860"/>
-                <a:gd name="connsiteX1" fmla="*/ 787941 w 794457"/>
-                <a:gd name="connsiteY1" fmla="*/ 554475 h 1040860"/>
-                <a:gd name="connsiteX2" fmla="*/ 330741 w 794457"/>
-                <a:gd name="connsiteY2" fmla="*/ 1040860 h 1040860"/>
-                <a:gd name="connsiteX0" fmla="*/ 0 w 638814"/>
-                <a:gd name="connsiteY0" fmla="*/ 0 h 992222"/>
-                <a:gd name="connsiteX1" fmla="*/ 632298 w 638814"/>
-                <a:gd name="connsiteY1" fmla="*/ 505837 h 992222"/>
-                <a:gd name="connsiteX2" fmla="*/ 175098 w 638814"/>
-                <a:gd name="connsiteY2" fmla="*/ 992222 h 992222"/>
-                <a:gd name="connsiteX0" fmla="*/ 0 w 638814"/>
-                <a:gd name="connsiteY0" fmla="*/ 0 h 992222"/>
-                <a:gd name="connsiteX1" fmla="*/ 632298 w 638814"/>
-                <a:gd name="connsiteY1" fmla="*/ 505837 h 992222"/>
-                <a:gd name="connsiteX2" fmla="*/ 175098 w 638814"/>
-                <a:gd name="connsiteY2" fmla="*/ 992222 h 992222"/>
-                <a:gd name="connsiteX0" fmla="*/ 0 w 633237"/>
-                <a:gd name="connsiteY0" fmla="*/ 0 h 992222"/>
-                <a:gd name="connsiteX1" fmla="*/ 632298 w 633237"/>
-                <a:gd name="connsiteY1" fmla="*/ 505837 h 992222"/>
-                <a:gd name="connsiteX2" fmla="*/ 175098 w 633237"/>
-                <a:gd name="connsiteY2" fmla="*/ 992222 h 992222"/>
-                <a:gd name="connsiteX0" fmla="*/ 25562 w 459107"/>
-                <a:gd name="connsiteY0" fmla="*/ 0 h 1246222"/>
-                <a:gd name="connsiteX1" fmla="*/ 457200 w 459107"/>
-                <a:gd name="connsiteY1" fmla="*/ 759837 h 1246222"/>
-                <a:gd name="connsiteX2" fmla="*/ 0 w 459107"/>
-                <a:gd name="connsiteY2" fmla="*/ 1246222 h 1246222"/>
-                <a:gd name="connsiteX0" fmla="*/ 25562 w 458473"/>
-                <a:gd name="connsiteY0" fmla="*/ 0 h 1246222"/>
-                <a:gd name="connsiteX1" fmla="*/ 457200 w 458473"/>
-                <a:gd name="connsiteY1" fmla="*/ 759837 h 1246222"/>
-                <a:gd name="connsiteX2" fmla="*/ 0 w 458473"/>
-                <a:gd name="connsiteY2" fmla="*/ 1246222 h 1246222"/>
-                <a:gd name="connsiteX0" fmla="*/ 25562 w 457265"/>
-                <a:gd name="connsiteY0" fmla="*/ 0 h 1246222"/>
-                <a:gd name="connsiteX1" fmla="*/ 457200 w 457265"/>
-                <a:gd name="connsiteY1" fmla="*/ 759837 h 1246222"/>
-                <a:gd name="connsiteX2" fmla="*/ 0 w 457265"/>
-                <a:gd name="connsiteY2" fmla="*/ 1246222 h 1246222"/>
-                <a:gd name="connsiteX0" fmla="*/ 25562 w 461139"/>
-                <a:gd name="connsiteY0" fmla="*/ 0 h 1246222"/>
-                <a:gd name="connsiteX1" fmla="*/ 457200 w 461139"/>
-                <a:gd name="connsiteY1" fmla="*/ 759837 h 1246222"/>
-                <a:gd name="connsiteX2" fmla="*/ 0 w 461139"/>
-                <a:gd name="connsiteY2" fmla="*/ 1246222 h 1246222"/>
-                <a:gd name="connsiteX0" fmla="*/ 25562 w 457380"/>
-                <a:gd name="connsiteY0" fmla="*/ 0 h 1246222"/>
-                <a:gd name="connsiteX1" fmla="*/ 457200 w 457380"/>
-                <a:gd name="connsiteY1" fmla="*/ 759837 h 1246222"/>
-                <a:gd name="connsiteX2" fmla="*/ 0 w 457380"/>
-                <a:gd name="connsiteY2" fmla="*/ 1246222 h 1246222"/>
-                <a:gd name="connsiteX0" fmla="*/ 132242 w 467411"/>
-                <a:gd name="connsiteY0" fmla="*/ 0 h 1319882"/>
-                <a:gd name="connsiteX1" fmla="*/ 457200 w 467411"/>
-                <a:gd name="connsiteY1" fmla="*/ 833497 h 1319882"/>
-                <a:gd name="connsiteX2" fmla="*/ 0 w 467411"/>
-                <a:gd name="connsiteY2" fmla="*/ 1319882 h 1319882"/>
-                <a:gd name="connsiteX0" fmla="*/ 132242 w 471635"/>
-                <a:gd name="connsiteY0" fmla="*/ 0 h 1319882"/>
-                <a:gd name="connsiteX1" fmla="*/ 457200 w 471635"/>
-                <a:gd name="connsiteY1" fmla="*/ 833497 h 1319882"/>
-                <a:gd name="connsiteX2" fmla="*/ 0 w 471635"/>
-                <a:gd name="connsiteY2" fmla="*/ 1319882 h 1319882"/>
-              </a:gdLst>
-              <a:ahLst/>
-              <a:cxnLst>
-                <a:cxn ang="0">
-                  <a:pos x="connsiteX0" y="connsiteY0"/>
-                </a:cxn>
-                <a:cxn ang="0">
-                  <a:pos x="connsiteX1" y="connsiteY1"/>
-                </a:cxn>
-                <a:cxn ang="0">
-                  <a:pos x="connsiteX2" y="connsiteY2"/>
-                </a:cxn>
-              </a:cxnLst>
-              <a:rect l="l" t="t" r="r" b="b"/>
-              <a:pathLst>
-                <a:path w="471635" h="1319882">
-                  <a:moveTo>
-                    <a:pt x="132242" y="0"/>
-                  </a:moveTo>
-                  <a:cubicBezTo>
-                    <a:pt x="499299" y="487086"/>
-                    <a:pt x="489400" y="694797"/>
-                    <a:pt x="457200" y="833497"/>
-                  </a:cubicBezTo>
-                  <a:cubicBezTo>
-                    <a:pt x="425000" y="972197"/>
-                    <a:pt x="258593" y="1197475"/>
-                    <a:pt x="0" y="1319882"/>
-                  </a:cubicBezTo>
-                </a:path>
-              </a:pathLst>
-            </a:custGeom>
-            <a:noFill/>
-            <a:ln w="57150">
-              <a:solidFill>
-                <a:srgbClr val="C00000"/>
-              </a:solidFill>
-            </a:ln>
-          </p:spPr>
-          <p:style>
-            <a:lnRef idx="2">
-              <a:schemeClr val="accent1">
-                <a:shade val="50000"/>
-              </a:schemeClr>
-            </a:lnRef>
-            <a:fillRef idx="1">
-              <a:schemeClr val="accent1"/>
-            </a:fillRef>
-            <a:effectRef idx="0">
-              <a:schemeClr val="accent1"/>
-            </a:effectRef>
-            <a:fontRef idx="minor">
-              <a:schemeClr val="lt1"/>
-            </a:fontRef>
-          </p:style>
-          <p:txBody>
-            <a:bodyPr rtlCol="0" anchor="ctr"/>
-            <a:lstStyle/>
-            <a:p>
-              <a:pPr algn="ctr"/>
-              <a:endParaRPr lang="en-US"/>
-            </a:p>
-          </p:txBody>
-        </p:sp>
-        <p:sp>
-          <p:nvSpPr>
-            <p:cNvPr id="13" name="Isosceles Triangle 12">
-              <a:extLst>
-                <a:ext uri="{FF2B5EF4-FFF2-40B4-BE49-F238E27FC236}">
-                  <a16:creationId xmlns:a16="http://schemas.microsoft.com/office/drawing/2014/main" id="{55936AB8-01D0-4EBA-AAB5-5241152938BC}"/>
-                </a:ext>
-              </a:extLst>
-            </p:cNvPr>
-            <p:cNvSpPr/>
-            <p:nvPr/>
-          </p:nvSpPr>
-          <p:spPr>
-            <a:xfrm rot="15077569">
-              <a:off x="11240514" y="2950651"/>
-              <a:ext cx="226569" cy="195318"/>
-            </a:xfrm>
-            <a:prstGeom prst="triangle">
-              <a:avLst/>
-            </a:prstGeom>
-            <a:solidFill>
-              <a:srgbClr val="C00000"/>
-            </a:solidFill>
-            <a:ln>
-              <a:noFill/>
-            </a:ln>
-          </p:spPr>
-          <p:style>
-            <a:lnRef idx="2">
-              <a:schemeClr val="accent1">
-                <a:shade val="50000"/>
-              </a:schemeClr>
-            </a:lnRef>
-            <a:fillRef idx="1">
-              <a:schemeClr val="accent1"/>
-            </a:fillRef>
-            <a:effectRef idx="0">
-              <a:schemeClr val="accent1"/>
-            </a:effectRef>
-            <a:fontRef idx="minor">
-              <a:schemeClr val="lt1"/>
-            </a:fontRef>
-          </p:style>
-          <p:txBody>
-            <a:bodyPr rtlCol="0" anchor="ctr"/>
-            <a:lstStyle/>
-            <a:p>
-              <a:pPr algn="ctr"/>
-              <a:endParaRPr lang="en-US" dirty="0"/>
-            </a:p>
-          </p:txBody>
-        </p:sp>
-      </p:grpSp>
-      <p:sp>
-        <p:nvSpPr>
-          <p:cNvPr id="14" name="Content Placeholder 2">
-            <a:extLst>
-              <a:ext uri="{FF2B5EF4-FFF2-40B4-BE49-F238E27FC236}">
-                <a16:creationId xmlns:a16="http://schemas.microsoft.com/office/drawing/2014/main" id="{2A2CFD82-470B-491B-B680-8DB430BCDEFD}"/>
-              </a:ext>
-            </a:extLst>
-          </p:cNvPr>
-          <p:cNvSpPr txBox="1">
-            <a:spLocks/>
-          </p:cNvSpPr>
-          <p:nvPr/>
-        </p:nvSpPr>
-        <p:spPr>
-          <a:xfrm>
-            <a:off x="7746611" y="1763527"/>
-            <a:ext cx="2825074" cy="523637"/>
-          </a:xfrm>
-          <a:prstGeom prst="rect">
-            <a:avLst/>
-          </a:prstGeom>
-        </p:spPr>
-        <p:txBody>
-          <a:bodyPr vert="horz" lIns="91440" tIns="45720" rIns="91440" bIns="45720" rtlCol="0">
-            <a:normAutofit/>
-          </a:bodyPr>
-          <a:lstStyle>
-            <a:lvl1pPr marL="228600" indent="-228600" algn="l" defTabSz="914400" rtl="0" eaLnBrk="1" latinLnBrk="0" hangingPunct="1">
-              <a:lnSpc>
-                <a:spcPct val="90000"/>
-              </a:lnSpc>
-              <a:spcBef>
-                <a:spcPts val="1000"/>
-              </a:spcBef>
-              <a:buFont typeface="Arial" panose="020B0604020202020204" pitchFamily="34" charset="0"/>
-              <a:buChar char="•"/>
-              <a:defRPr sz="2800" kern="1200">
-                <a:solidFill>
-                  <a:schemeClr val="tx1"/>
-                </a:solidFill>
-                <a:latin typeface="+mn-lt"/>
-                <a:ea typeface="+mn-ea"/>
-                <a:cs typeface="+mn-cs"/>
-              </a:defRPr>
-            </a:lvl1pPr>
-            <a:lvl2pPr marL="685800" indent="-228600" algn="l" defTabSz="914400" rtl="0" eaLnBrk="1" latinLnBrk="0" hangingPunct="1">
-              <a:lnSpc>
-                <a:spcPct val="90000"/>
-              </a:lnSpc>
-              <a:spcBef>
-                <a:spcPts val="500"/>
-              </a:spcBef>
-              <a:buFont typeface="Arial" panose="020B0604020202020204" pitchFamily="34" charset="0"/>
-              <a:buChar char="•"/>
-              <a:defRPr sz="2400" kern="1200">
-                <a:solidFill>
-                  <a:schemeClr val="tx1"/>
-                </a:solidFill>
-                <a:latin typeface="+mn-lt"/>
-                <a:ea typeface="+mn-ea"/>
-                <a:cs typeface="+mn-cs"/>
-              </a:defRPr>
-            </a:lvl2pPr>
-            <a:lvl3pPr marL="1143000" indent="-228600" algn="l" defTabSz="914400" rtl="0" eaLnBrk="1" latinLnBrk="0" hangingPunct="1">
-              <a:lnSpc>
-                <a:spcPct val="90000"/>
-              </a:lnSpc>
-              <a:spcBef>
-                <a:spcPts val="500"/>
-              </a:spcBef>
-              <a:buFont typeface="Arial" panose="020B0604020202020204" pitchFamily="34" charset="0"/>
-              <a:buChar char="•"/>
-              <a:defRPr sz="2000" kern="1200">
-                <a:solidFill>
-                  <a:schemeClr val="tx1"/>
-                </a:solidFill>
-                <a:latin typeface="+mn-lt"/>
-                <a:ea typeface="+mn-ea"/>
-                <a:cs typeface="+mn-cs"/>
-              </a:defRPr>
-            </a:lvl3pPr>
-            <a:lvl4pPr marL="1600200" indent="-228600" algn="l" defTabSz="914400" rtl="0" eaLnBrk="1" latinLnBrk="0" hangingPunct="1">
-              <a:lnSpc>
-                <a:spcPct val="90000"/>
-              </a:lnSpc>
-              <a:spcBef>
-                <a:spcPts val="500"/>
-              </a:spcBef>
-              <a:buFont typeface="Arial" panose="020B0604020202020204" pitchFamily="34" charset="0"/>
-              <a:buChar char="•"/>
-              <a:defRPr sz="1800" kern="1200">
-                <a:solidFill>
-                  <a:schemeClr val="tx1"/>
-                </a:solidFill>
-                <a:latin typeface="+mn-lt"/>
-                <a:ea typeface="+mn-ea"/>
-                <a:cs typeface="+mn-cs"/>
-              </a:defRPr>
-            </a:lvl4pPr>
-            <a:lvl5pPr marL="2057400" indent="-228600" algn="l" defTabSz="914400" rtl="0" eaLnBrk="1" latinLnBrk="0" hangingPunct="1">
-              <a:lnSpc>
-                <a:spcPct val="90000"/>
-              </a:lnSpc>
-              <a:spcBef>
-                <a:spcPts val="500"/>
-              </a:spcBef>
-              <a:buFont typeface="Arial" panose="020B0604020202020204" pitchFamily="34" charset="0"/>
-              <a:buChar char="•"/>
-              <a:defRPr sz="1800" kern="1200">
-                <a:solidFill>
-                  <a:schemeClr val="tx1"/>
-                </a:solidFill>
-                <a:latin typeface="+mn-lt"/>
-                <a:ea typeface="+mn-ea"/>
-                <a:cs typeface="+mn-cs"/>
-              </a:defRPr>
-            </a:lvl5pPr>
-            <a:lvl6pPr marL="2514600" indent="-228600" algn="l" defTabSz="914400" rtl="0" eaLnBrk="1" latinLnBrk="0" hangingPunct="1">
-              <a:lnSpc>
-                <a:spcPct val="90000"/>
-              </a:lnSpc>
-              <a:spcBef>
-                <a:spcPts val="500"/>
-              </a:spcBef>
-              <a:buFont typeface="Arial" panose="020B0604020202020204" pitchFamily="34" charset="0"/>
-              <a:buChar char="•"/>
-              <a:defRPr sz="1800" kern="1200">
-                <a:solidFill>
-                  <a:schemeClr val="tx1"/>
-                </a:solidFill>
-                <a:latin typeface="+mn-lt"/>
-                <a:ea typeface="+mn-ea"/>
-                <a:cs typeface="+mn-cs"/>
-              </a:defRPr>
-            </a:lvl6pPr>
-            <a:lvl7pPr marL="2971800" indent="-228600" algn="l" defTabSz="914400" rtl="0" eaLnBrk="1" latinLnBrk="0" hangingPunct="1">
-              <a:lnSpc>
-                <a:spcPct val="90000"/>
-              </a:lnSpc>
-              <a:spcBef>
-                <a:spcPts val="500"/>
-              </a:spcBef>
-              <a:buFont typeface="Arial" panose="020B0604020202020204" pitchFamily="34" charset="0"/>
-              <a:buChar char="•"/>
-              <a:defRPr sz="1800" kern="1200">
-                <a:solidFill>
-                  <a:schemeClr val="tx1"/>
-                </a:solidFill>
-                <a:latin typeface="+mn-lt"/>
-                <a:ea typeface="+mn-ea"/>
-                <a:cs typeface="+mn-cs"/>
-              </a:defRPr>
-            </a:lvl7pPr>
-            <a:lvl8pPr marL="3429000" indent="-228600" algn="l" defTabSz="914400" rtl="0" eaLnBrk="1" latinLnBrk="0" hangingPunct="1">
-              <a:lnSpc>
-                <a:spcPct val="90000"/>
-              </a:lnSpc>
-              <a:spcBef>
-                <a:spcPts val="500"/>
-              </a:spcBef>
-              <a:buFont typeface="Arial" panose="020B0604020202020204" pitchFamily="34" charset="0"/>
-              <a:buChar char="•"/>
-              <a:defRPr sz="1800" kern="1200">
-                <a:solidFill>
-                  <a:schemeClr val="tx1"/>
-                </a:solidFill>
-                <a:latin typeface="+mn-lt"/>
-                <a:ea typeface="+mn-ea"/>
-                <a:cs typeface="+mn-cs"/>
-              </a:defRPr>
-            </a:lvl8pPr>
-            <a:lvl9pPr marL="3886200" indent="-228600" algn="l" defTabSz="914400" rtl="0" eaLnBrk="1" latinLnBrk="0" hangingPunct="1">
-              <a:lnSpc>
-                <a:spcPct val="90000"/>
-              </a:lnSpc>
-              <a:spcBef>
-                <a:spcPts val="500"/>
-              </a:spcBef>
-              <a:buFont typeface="Arial" panose="020B0604020202020204" pitchFamily="34" charset="0"/>
-              <a:buChar char="•"/>
-              <a:defRPr sz="1800" kern="1200">
-                <a:solidFill>
-                  <a:schemeClr val="tx1"/>
-                </a:solidFill>
-                <a:latin typeface="+mn-lt"/>
-                <a:ea typeface="+mn-ea"/>
-                <a:cs typeface="+mn-cs"/>
-              </a:defRPr>
-            </a:lvl9pPr>
-          </a:lstStyle>
-          <a:p>
-            <a:pPr marL="0" indent="0">
+            <a:endParaRPr lang="en-US" dirty="0"/>
+          </a:p>
+          <a:p>
+            <a:pPr lvl="1"/>
+            <a:r>
+              <a:rPr lang="en-US" dirty="0"/>
+              <a:t>Drawing functions</a:t>
+            </a:r>
+          </a:p>
+          <a:p>
+            <a:pPr lvl="2"/>
+            <a:r>
+              <a:rPr lang="en-US" b="1" dirty="0"/>
+              <a:t>points</a:t>
+            </a:r>
+            <a:r>
+              <a:rPr lang="en-US" dirty="0"/>
+              <a:t>(x=, y=, …)</a:t>
+            </a:r>
+          </a:p>
+          <a:p>
+            <a:pPr lvl="2"/>
+            <a:r>
+              <a:rPr lang="en-US" b="1" dirty="0"/>
+              <a:t>lines</a:t>
+            </a:r>
+            <a:r>
+              <a:rPr lang="en-US" dirty="0"/>
+              <a:t>(x=, y=, …)</a:t>
+            </a:r>
+          </a:p>
+          <a:p>
+            <a:pPr lvl="2"/>
+            <a:r>
+              <a:rPr lang="en-US" b="1" dirty="0"/>
+              <a:t>segments</a:t>
+            </a:r>
+            <a:r>
+              <a:rPr lang="en-US" dirty="0"/>
+              <a:t>(x0=, x1=, y0=, y1=, …)   # segments between two vectors of </a:t>
+            </a:r>
+            <a:r>
+              <a:rPr lang="en-US" dirty="0" err="1"/>
+              <a:t>coords</a:t>
+            </a:r>
+            <a:endParaRPr lang="en-US" dirty="0"/>
+          </a:p>
+          <a:p>
+            <a:pPr lvl="2"/>
+            <a:r>
+              <a:rPr lang="en-US" b="1" dirty="0"/>
+              <a:t>polygon</a:t>
+            </a:r>
+            <a:r>
+              <a:rPr lang="en-US" dirty="0"/>
+              <a:t>(x=, y=, …)</a:t>
+            </a:r>
+          </a:p>
+          <a:p>
+            <a:pPr lvl="2"/>
+            <a:r>
+              <a:rPr lang="en-US" b="1" dirty="0" err="1"/>
+              <a:t>abline</a:t>
+            </a:r>
+            <a:r>
+              <a:rPr lang="en-US" dirty="0"/>
+              <a:t>(…)    # adds a straight line somewhere</a:t>
+            </a:r>
+          </a:p>
+          <a:p>
+            <a:pPr lvl="3"/>
+            <a:r>
+              <a:rPr lang="en-US" dirty="0" err="1"/>
+              <a:t>abline</a:t>
+            </a:r>
+            <a:r>
+              <a:rPr lang="en-US" dirty="0"/>
+              <a:t>(a=0, b=1, …)   # intercept=0, slope=1</a:t>
+            </a:r>
+          </a:p>
+          <a:p>
+            <a:pPr lvl="3"/>
+            <a:r>
+              <a:rPr lang="en-US" dirty="0" err="1"/>
+              <a:t>abline</a:t>
+            </a:r>
+            <a:r>
+              <a:rPr lang="en-US" dirty="0"/>
+              <a:t>(h=, …), </a:t>
+            </a:r>
+            <a:r>
+              <a:rPr lang="en-US" dirty="0" err="1"/>
+              <a:t>abline</a:t>
+            </a:r>
+            <a:r>
+              <a:rPr lang="en-US" dirty="0"/>
+              <a:t>(v=, …)  # horizontal or vertical lines</a:t>
+            </a:r>
+          </a:p>
+          <a:p>
+            <a:pPr lvl="3"/>
+            <a:r>
+              <a:rPr lang="en-US" dirty="0" err="1"/>
+              <a:t>abline</a:t>
+            </a:r>
+            <a:r>
+              <a:rPr lang="en-US" dirty="0"/>
+              <a:t>(</a:t>
+            </a:r>
+            <a:r>
+              <a:rPr lang="en-US" dirty="0" err="1"/>
+              <a:t>lmout</a:t>
+            </a:r>
+            <a:r>
+              <a:rPr lang="en-US" dirty="0"/>
+              <a:t>, …)  # regression line from </a:t>
+            </a:r>
+            <a:r>
+              <a:rPr lang="en-US" dirty="0" err="1"/>
+              <a:t>lm</a:t>
+            </a:r>
+            <a:r>
+              <a:rPr lang="en-US" dirty="0"/>
+              <a:t>() output</a:t>
+            </a:r>
+          </a:p>
+          <a:p>
+            <a:pPr lvl="2"/>
+            <a:r>
+              <a:rPr lang="en-US" b="1" dirty="0"/>
+              <a:t>legend</a:t>
+            </a:r>
+            <a:r>
+              <a:rPr lang="en-US" dirty="0"/>
+              <a:t>(x=, y=, legend=c("thing1", "thing2", "thing3"), …)</a:t>
+            </a:r>
+          </a:p>
+          <a:p>
+            <a:pPr lvl="3"/>
+            <a:r>
+              <a:rPr lang="en-US" dirty="0"/>
+              <a:t># can also say legend("</a:t>
+            </a:r>
+            <a:r>
+              <a:rPr lang="en-US" dirty="0" err="1"/>
+              <a:t>topleft</a:t>
+            </a:r>
+            <a:r>
+              <a:rPr lang="en-US" dirty="0"/>
+              <a:t>" , …) </a:t>
+            </a:r>
+            <a:r>
+              <a:rPr lang="en-US" dirty="0" err="1"/>
+              <a:t>etc</a:t>
+            </a:r>
+            <a:r>
+              <a:rPr lang="en-US" dirty="0"/>
+              <a:t>, instead of x &amp; y cords</a:t>
+            </a:r>
+          </a:p>
+          <a:p>
+            <a:pPr lvl="2"/>
+            <a:r>
+              <a:rPr lang="en-US" b="1" dirty="0"/>
+              <a:t>text</a:t>
+            </a:r>
+            <a:r>
+              <a:rPr lang="en-US" dirty="0"/>
+              <a:t>(x=, y=, labels=, …)  # draws text at the coordinates specified</a:t>
+            </a:r>
+          </a:p>
+          <a:p>
+            <a:pPr lvl="2"/>
+            <a:r>
+              <a:rPr lang="en-US" b="1" dirty="0"/>
+              <a:t>par</a:t>
+            </a:r>
+            <a:r>
+              <a:rPr lang="en-US" dirty="0"/>
+              <a:t>(…)   # sets graphical parameters for plots that follow</a:t>
+            </a:r>
+          </a:p>
+          <a:p>
+            <a:pPr lvl="3"/>
+            <a:r>
+              <a:rPr lang="en-US" dirty="0"/>
+              <a:t>par(</a:t>
+            </a:r>
+            <a:r>
+              <a:rPr lang="en-US" dirty="0" err="1"/>
+              <a:t>mfrow</a:t>
+            </a:r>
+            <a:r>
+              <a:rPr lang="en-US" dirty="0"/>
+              <a:t>=c(2,3))   # plots will be in panes of 2 rows and 3 columns</a:t>
+            </a:r>
+          </a:p>
+          <a:p>
+            <a:pPr lvl="3"/>
+            <a:r>
+              <a:rPr lang="en-US" dirty="0"/>
+              <a:t>par(family="serif")   # Times New Roman-</a:t>
+            </a:r>
+            <a:r>
+              <a:rPr lang="en-US" dirty="0" err="1"/>
+              <a:t>ish</a:t>
+            </a:r>
+            <a:endParaRPr lang="en-US" dirty="0"/>
+          </a:p>
+          <a:p>
+            <a:pPr marL="1371600" lvl="3" indent="0">
               <a:buNone/>
             </a:pPr>
+            <a:endParaRPr lang="en-US" dirty="0"/>
+          </a:p>
+          <a:p>
+            <a:pPr lvl="1"/>
             <a:r>
               <a:rPr lang="en-US" dirty="0"/>
-              <a:t>Establish the plot</a:t>
-            </a:r>
-          </a:p>
-        </p:txBody>
-      </p:sp>
-      <p:sp>
-        <p:nvSpPr>
-          <p:cNvPr id="15" name="Content Placeholder 2">
-            <a:extLst>
-              <a:ext uri="{FF2B5EF4-FFF2-40B4-BE49-F238E27FC236}">
-                <a16:creationId xmlns:a16="http://schemas.microsoft.com/office/drawing/2014/main" id="{AFC9D6C4-9505-439A-AAAB-227F5C717BA6}"/>
-              </a:ext>
-            </a:extLst>
-          </p:cNvPr>
-          <p:cNvSpPr txBox="1">
-            <a:spLocks/>
-          </p:cNvSpPr>
-          <p:nvPr/>
-        </p:nvSpPr>
-        <p:spPr>
-          <a:xfrm>
-            <a:off x="8993529" y="5161891"/>
-            <a:ext cx="3258099" cy="875042"/>
-          </a:xfrm>
-          <a:prstGeom prst="rect">
-            <a:avLst/>
-          </a:prstGeom>
-        </p:spPr>
-        <p:txBody>
-          <a:bodyPr vert="horz" lIns="91440" tIns="45720" rIns="91440" bIns="45720" rtlCol="0">
-            <a:noAutofit/>
-          </a:bodyPr>
-          <a:lstStyle>
-            <a:lvl1pPr marL="228600" indent="-228600" algn="l" defTabSz="914400" rtl="0" eaLnBrk="1" latinLnBrk="0" hangingPunct="1">
-              <a:lnSpc>
-                <a:spcPct val="90000"/>
-              </a:lnSpc>
-              <a:spcBef>
-                <a:spcPts val="1000"/>
-              </a:spcBef>
-              <a:buFont typeface="Arial" panose="020B0604020202020204" pitchFamily="34" charset="0"/>
-              <a:buChar char="•"/>
-              <a:defRPr sz="2800" kern="1200">
-                <a:solidFill>
-                  <a:schemeClr val="tx1"/>
-                </a:solidFill>
-                <a:latin typeface="+mn-lt"/>
-                <a:ea typeface="+mn-ea"/>
-                <a:cs typeface="+mn-cs"/>
-              </a:defRPr>
-            </a:lvl1pPr>
-            <a:lvl2pPr marL="685800" indent="-228600" algn="l" defTabSz="914400" rtl="0" eaLnBrk="1" latinLnBrk="0" hangingPunct="1">
-              <a:lnSpc>
-                <a:spcPct val="90000"/>
-              </a:lnSpc>
-              <a:spcBef>
-                <a:spcPts val="500"/>
-              </a:spcBef>
-              <a:buFont typeface="Arial" panose="020B0604020202020204" pitchFamily="34" charset="0"/>
-              <a:buChar char="•"/>
-              <a:defRPr sz="2400" kern="1200">
-                <a:solidFill>
-                  <a:schemeClr val="tx1"/>
-                </a:solidFill>
-                <a:latin typeface="+mn-lt"/>
-                <a:ea typeface="+mn-ea"/>
-                <a:cs typeface="+mn-cs"/>
-              </a:defRPr>
-            </a:lvl2pPr>
-            <a:lvl3pPr marL="1143000" indent="-228600" algn="l" defTabSz="914400" rtl="0" eaLnBrk="1" latinLnBrk="0" hangingPunct="1">
-              <a:lnSpc>
-                <a:spcPct val="90000"/>
-              </a:lnSpc>
-              <a:spcBef>
-                <a:spcPts val="500"/>
-              </a:spcBef>
-              <a:buFont typeface="Arial" panose="020B0604020202020204" pitchFamily="34" charset="0"/>
-              <a:buChar char="•"/>
-              <a:defRPr sz="2000" kern="1200">
-                <a:solidFill>
-                  <a:schemeClr val="tx1"/>
-                </a:solidFill>
-                <a:latin typeface="+mn-lt"/>
-                <a:ea typeface="+mn-ea"/>
-                <a:cs typeface="+mn-cs"/>
-              </a:defRPr>
-            </a:lvl3pPr>
-            <a:lvl4pPr marL="1600200" indent="-228600" algn="l" defTabSz="914400" rtl="0" eaLnBrk="1" latinLnBrk="0" hangingPunct="1">
-              <a:lnSpc>
-                <a:spcPct val="90000"/>
-              </a:lnSpc>
-              <a:spcBef>
-                <a:spcPts val="500"/>
-              </a:spcBef>
-              <a:buFont typeface="Arial" panose="020B0604020202020204" pitchFamily="34" charset="0"/>
-              <a:buChar char="•"/>
-              <a:defRPr sz="1800" kern="1200">
-                <a:solidFill>
-                  <a:schemeClr val="tx1"/>
-                </a:solidFill>
-                <a:latin typeface="+mn-lt"/>
-                <a:ea typeface="+mn-ea"/>
-                <a:cs typeface="+mn-cs"/>
-              </a:defRPr>
-            </a:lvl4pPr>
-            <a:lvl5pPr marL="2057400" indent="-228600" algn="l" defTabSz="914400" rtl="0" eaLnBrk="1" latinLnBrk="0" hangingPunct="1">
-              <a:lnSpc>
-                <a:spcPct val="90000"/>
-              </a:lnSpc>
-              <a:spcBef>
-                <a:spcPts val="500"/>
-              </a:spcBef>
-              <a:buFont typeface="Arial" panose="020B0604020202020204" pitchFamily="34" charset="0"/>
-              <a:buChar char="•"/>
-              <a:defRPr sz="1800" kern="1200">
-                <a:solidFill>
-                  <a:schemeClr val="tx1"/>
-                </a:solidFill>
-                <a:latin typeface="+mn-lt"/>
-                <a:ea typeface="+mn-ea"/>
-                <a:cs typeface="+mn-cs"/>
-              </a:defRPr>
-            </a:lvl5pPr>
-            <a:lvl6pPr marL="2514600" indent="-228600" algn="l" defTabSz="914400" rtl="0" eaLnBrk="1" latinLnBrk="0" hangingPunct="1">
-              <a:lnSpc>
-                <a:spcPct val="90000"/>
-              </a:lnSpc>
-              <a:spcBef>
-                <a:spcPts val="500"/>
-              </a:spcBef>
-              <a:buFont typeface="Arial" panose="020B0604020202020204" pitchFamily="34" charset="0"/>
-              <a:buChar char="•"/>
-              <a:defRPr sz="1800" kern="1200">
-                <a:solidFill>
-                  <a:schemeClr val="tx1"/>
-                </a:solidFill>
-                <a:latin typeface="+mn-lt"/>
-                <a:ea typeface="+mn-ea"/>
-                <a:cs typeface="+mn-cs"/>
-              </a:defRPr>
-            </a:lvl6pPr>
-            <a:lvl7pPr marL="2971800" indent="-228600" algn="l" defTabSz="914400" rtl="0" eaLnBrk="1" latinLnBrk="0" hangingPunct="1">
-              <a:lnSpc>
-                <a:spcPct val="90000"/>
-              </a:lnSpc>
-              <a:spcBef>
-                <a:spcPts val="500"/>
-              </a:spcBef>
-              <a:buFont typeface="Arial" panose="020B0604020202020204" pitchFamily="34" charset="0"/>
-              <a:buChar char="•"/>
-              <a:defRPr sz="1800" kern="1200">
-                <a:solidFill>
-                  <a:schemeClr val="tx1"/>
-                </a:solidFill>
-                <a:latin typeface="+mn-lt"/>
-                <a:ea typeface="+mn-ea"/>
-                <a:cs typeface="+mn-cs"/>
-              </a:defRPr>
-            </a:lvl7pPr>
-            <a:lvl8pPr marL="3429000" indent="-228600" algn="l" defTabSz="914400" rtl="0" eaLnBrk="1" latinLnBrk="0" hangingPunct="1">
-              <a:lnSpc>
-                <a:spcPct val="90000"/>
-              </a:lnSpc>
-              <a:spcBef>
-                <a:spcPts val="500"/>
-              </a:spcBef>
-              <a:buFont typeface="Arial" panose="020B0604020202020204" pitchFamily="34" charset="0"/>
-              <a:buChar char="•"/>
-              <a:defRPr sz="1800" kern="1200">
-                <a:solidFill>
-                  <a:schemeClr val="tx1"/>
-                </a:solidFill>
-                <a:latin typeface="+mn-lt"/>
-                <a:ea typeface="+mn-ea"/>
-                <a:cs typeface="+mn-cs"/>
-              </a:defRPr>
-            </a:lvl8pPr>
-            <a:lvl9pPr marL="3886200" indent="-228600" algn="l" defTabSz="914400" rtl="0" eaLnBrk="1" latinLnBrk="0" hangingPunct="1">
-              <a:lnSpc>
-                <a:spcPct val="90000"/>
-              </a:lnSpc>
-              <a:spcBef>
-                <a:spcPts val="500"/>
-              </a:spcBef>
-              <a:buFont typeface="Arial" panose="020B0604020202020204" pitchFamily="34" charset="0"/>
-              <a:buChar char="•"/>
-              <a:defRPr sz="1800" kern="1200">
-                <a:solidFill>
-                  <a:schemeClr val="tx1"/>
-                </a:solidFill>
-                <a:latin typeface="+mn-lt"/>
-                <a:ea typeface="+mn-ea"/>
-                <a:cs typeface="+mn-cs"/>
-              </a:defRPr>
-            </a:lvl9pPr>
-          </a:lstStyle>
-          <a:p>
-            <a:pPr marL="0" indent="0" algn="ctr">
-              <a:buNone/>
-            </a:pPr>
+              <a:t>Some common plotting arguments</a:t>
+            </a:r>
+          </a:p>
+          <a:p>
+            <a:pPr lvl="2"/>
+            <a:r>
+              <a:rPr lang="en-US" b="1" dirty="0"/>
+              <a:t>col</a:t>
+            </a:r>
             <a:r>
               <a:rPr lang="en-US" dirty="0"/>
-              <a:t>Control x axis       (e.g., set axis breaks)</a:t>
-            </a:r>
-          </a:p>
-        </p:txBody>
-      </p:sp>
-      <p:grpSp>
-        <p:nvGrpSpPr>
-          <p:cNvPr id="18" name="Group 17">
-            <a:extLst>
-              <a:ext uri="{FF2B5EF4-FFF2-40B4-BE49-F238E27FC236}">
-                <a16:creationId xmlns:a16="http://schemas.microsoft.com/office/drawing/2014/main" id="{2178917D-682B-41BB-B8AE-B9F640E9CCE8}"/>
-              </a:ext>
-            </a:extLst>
-          </p:cNvPr>
-          <p:cNvGrpSpPr/>
-          <p:nvPr/>
-        </p:nvGrpSpPr>
-        <p:grpSpPr>
-          <a:xfrm>
-            <a:off x="7162971" y="4737262"/>
-            <a:ext cx="355329" cy="757527"/>
-            <a:chOff x="7162971" y="4737262"/>
-            <a:chExt cx="355329" cy="757527"/>
-          </a:xfrm>
-        </p:grpSpPr>
-        <p:sp>
-          <p:nvSpPr>
-            <p:cNvPr id="16" name="Freeform: Shape 15">
-              <a:extLst>
-                <a:ext uri="{FF2B5EF4-FFF2-40B4-BE49-F238E27FC236}">
-                  <a16:creationId xmlns:a16="http://schemas.microsoft.com/office/drawing/2014/main" id="{2D01391F-70A2-400C-9F8B-5CE3D9902E7B}"/>
-                </a:ext>
-              </a:extLst>
-            </p:cNvPr>
-            <p:cNvSpPr/>
-            <p:nvPr/>
-          </p:nvSpPr>
-          <p:spPr>
-            <a:xfrm>
-              <a:off x="7162971" y="4884229"/>
-              <a:ext cx="257669" cy="610560"/>
-            </a:xfrm>
-            <a:custGeom>
-              <a:avLst/>
-              <a:gdLst>
-                <a:gd name="connsiteX0" fmla="*/ 295224 w 295224"/>
-                <a:gd name="connsiteY0" fmla="*/ 0 h 778213"/>
-                <a:gd name="connsiteX1" fmla="*/ 32577 w 295224"/>
-                <a:gd name="connsiteY1" fmla="*/ 408562 h 778213"/>
-                <a:gd name="connsiteX2" fmla="*/ 13122 w 295224"/>
-                <a:gd name="connsiteY2" fmla="*/ 778213 h 778213"/>
-              </a:gdLst>
-              <a:ahLst/>
-              <a:cxnLst>
-                <a:cxn ang="0">
-                  <a:pos x="connsiteX0" y="connsiteY0"/>
-                </a:cxn>
-                <a:cxn ang="0">
-                  <a:pos x="connsiteX1" y="connsiteY1"/>
-                </a:cxn>
-                <a:cxn ang="0">
-                  <a:pos x="connsiteX2" y="connsiteY2"/>
-                </a:cxn>
-              </a:cxnLst>
-              <a:rect l="l" t="t" r="r" b="b"/>
-              <a:pathLst>
-                <a:path w="295224" h="778213">
-                  <a:moveTo>
-                    <a:pt x="295224" y="0"/>
-                  </a:moveTo>
-                  <a:cubicBezTo>
-                    <a:pt x="187409" y="139430"/>
-                    <a:pt x="79594" y="278860"/>
-                    <a:pt x="32577" y="408562"/>
-                  </a:cubicBezTo>
-                  <a:cubicBezTo>
-                    <a:pt x="-14440" y="538264"/>
-                    <a:pt x="-659" y="658238"/>
-                    <a:pt x="13122" y="778213"/>
-                  </a:cubicBezTo>
-                </a:path>
-              </a:pathLst>
-            </a:custGeom>
-            <a:noFill/>
-            <a:ln w="57150">
-              <a:solidFill>
-                <a:srgbClr val="C00000"/>
-              </a:solidFill>
-            </a:ln>
-          </p:spPr>
-          <p:style>
-            <a:lnRef idx="2">
-              <a:schemeClr val="accent1">
-                <a:shade val="50000"/>
-              </a:schemeClr>
-            </a:lnRef>
-            <a:fillRef idx="1">
-              <a:schemeClr val="accent1"/>
-            </a:fillRef>
-            <a:effectRef idx="0">
-              <a:schemeClr val="accent1"/>
-            </a:effectRef>
-            <a:fontRef idx="minor">
-              <a:schemeClr val="lt1"/>
-            </a:fontRef>
-          </p:style>
-          <p:txBody>
-            <a:bodyPr rtlCol="0" anchor="ctr"/>
-            <a:lstStyle/>
-            <a:p>
-              <a:pPr algn="ctr"/>
-              <a:endParaRPr lang="en-US"/>
-            </a:p>
-          </p:txBody>
-        </p:sp>
-        <p:sp>
-          <p:nvSpPr>
-            <p:cNvPr id="17" name="Isosceles Triangle 16">
-              <a:extLst>
-                <a:ext uri="{FF2B5EF4-FFF2-40B4-BE49-F238E27FC236}">
-                  <a16:creationId xmlns:a16="http://schemas.microsoft.com/office/drawing/2014/main" id="{ED57BBF3-994A-4DA6-BF70-A0359D307A9D}"/>
-                </a:ext>
-              </a:extLst>
-            </p:cNvPr>
-            <p:cNvSpPr/>
-            <p:nvPr/>
-          </p:nvSpPr>
-          <p:spPr>
-            <a:xfrm rot="6522431" flipV="1">
-              <a:off x="7307356" y="4752888"/>
-              <a:ext cx="226569" cy="195318"/>
-            </a:xfrm>
-            <a:prstGeom prst="triangle">
-              <a:avLst/>
-            </a:prstGeom>
-            <a:solidFill>
-              <a:srgbClr val="C00000"/>
-            </a:solidFill>
-            <a:ln>
-              <a:noFill/>
-            </a:ln>
-          </p:spPr>
-          <p:style>
-            <a:lnRef idx="2">
-              <a:schemeClr val="accent1">
-                <a:shade val="50000"/>
-              </a:schemeClr>
-            </a:lnRef>
-            <a:fillRef idx="1">
-              <a:schemeClr val="accent1"/>
-            </a:fillRef>
-            <a:effectRef idx="0">
-              <a:schemeClr val="accent1"/>
-            </a:effectRef>
-            <a:fontRef idx="minor">
-              <a:schemeClr val="lt1"/>
-            </a:fontRef>
-          </p:style>
-          <p:txBody>
-            <a:bodyPr rtlCol="0" anchor="ctr"/>
-            <a:lstStyle/>
-            <a:p>
-              <a:pPr algn="ctr"/>
-              <a:endParaRPr lang="en-US"/>
-            </a:p>
-          </p:txBody>
-        </p:sp>
-      </p:grpSp>
-      <p:sp>
-        <p:nvSpPr>
-          <p:cNvPr id="19" name="Content Placeholder 2">
-            <a:extLst>
-              <a:ext uri="{FF2B5EF4-FFF2-40B4-BE49-F238E27FC236}">
-                <a16:creationId xmlns:a16="http://schemas.microsoft.com/office/drawing/2014/main" id="{A2AFA6E0-E0B7-44E3-9D01-06A5E1BAD127}"/>
-              </a:ext>
-            </a:extLst>
-          </p:cNvPr>
-          <p:cNvSpPr txBox="1">
-            <a:spLocks/>
-          </p:cNvSpPr>
-          <p:nvPr/>
-        </p:nvSpPr>
-        <p:spPr>
-          <a:xfrm>
-            <a:off x="6509406" y="5480963"/>
-            <a:ext cx="2743201" cy="756766"/>
-          </a:xfrm>
-          <a:prstGeom prst="rect">
-            <a:avLst/>
-          </a:prstGeom>
-        </p:spPr>
-        <p:txBody>
-          <a:bodyPr vert="horz" lIns="91440" tIns="45720" rIns="91440" bIns="45720" rtlCol="0">
-            <a:normAutofit/>
-          </a:bodyPr>
-          <a:lstStyle>
-            <a:lvl1pPr marL="228600" indent="-228600" algn="l" defTabSz="914400" rtl="0" eaLnBrk="1" latinLnBrk="0" hangingPunct="1">
-              <a:lnSpc>
-                <a:spcPct val="90000"/>
-              </a:lnSpc>
-              <a:spcBef>
-                <a:spcPts val="1000"/>
-              </a:spcBef>
-              <a:buFont typeface="Arial" panose="020B0604020202020204" pitchFamily="34" charset="0"/>
-              <a:buChar char="•"/>
-              <a:defRPr sz="2800" kern="1200">
-                <a:solidFill>
-                  <a:schemeClr val="tx1"/>
-                </a:solidFill>
-                <a:latin typeface="+mn-lt"/>
-                <a:ea typeface="+mn-ea"/>
-                <a:cs typeface="+mn-cs"/>
-              </a:defRPr>
-            </a:lvl1pPr>
-            <a:lvl2pPr marL="685800" indent="-228600" algn="l" defTabSz="914400" rtl="0" eaLnBrk="1" latinLnBrk="0" hangingPunct="1">
-              <a:lnSpc>
-                <a:spcPct val="90000"/>
-              </a:lnSpc>
-              <a:spcBef>
-                <a:spcPts val="500"/>
-              </a:spcBef>
-              <a:buFont typeface="Arial" panose="020B0604020202020204" pitchFamily="34" charset="0"/>
-              <a:buChar char="•"/>
-              <a:defRPr sz="2400" kern="1200">
-                <a:solidFill>
-                  <a:schemeClr val="tx1"/>
-                </a:solidFill>
-                <a:latin typeface="+mn-lt"/>
-                <a:ea typeface="+mn-ea"/>
-                <a:cs typeface="+mn-cs"/>
-              </a:defRPr>
-            </a:lvl2pPr>
-            <a:lvl3pPr marL="1143000" indent="-228600" algn="l" defTabSz="914400" rtl="0" eaLnBrk="1" latinLnBrk="0" hangingPunct="1">
-              <a:lnSpc>
-                <a:spcPct val="90000"/>
-              </a:lnSpc>
-              <a:spcBef>
-                <a:spcPts val="500"/>
-              </a:spcBef>
-              <a:buFont typeface="Arial" panose="020B0604020202020204" pitchFamily="34" charset="0"/>
-              <a:buChar char="•"/>
-              <a:defRPr sz="2000" kern="1200">
-                <a:solidFill>
-                  <a:schemeClr val="tx1"/>
-                </a:solidFill>
-                <a:latin typeface="+mn-lt"/>
-                <a:ea typeface="+mn-ea"/>
-                <a:cs typeface="+mn-cs"/>
-              </a:defRPr>
-            </a:lvl3pPr>
-            <a:lvl4pPr marL="1600200" indent="-228600" algn="l" defTabSz="914400" rtl="0" eaLnBrk="1" latinLnBrk="0" hangingPunct="1">
-              <a:lnSpc>
-                <a:spcPct val="90000"/>
-              </a:lnSpc>
-              <a:spcBef>
-                <a:spcPts val="500"/>
-              </a:spcBef>
-              <a:buFont typeface="Arial" panose="020B0604020202020204" pitchFamily="34" charset="0"/>
-              <a:buChar char="•"/>
-              <a:defRPr sz="1800" kern="1200">
-                <a:solidFill>
-                  <a:schemeClr val="tx1"/>
-                </a:solidFill>
-                <a:latin typeface="+mn-lt"/>
-                <a:ea typeface="+mn-ea"/>
-                <a:cs typeface="+mn-cs"/>
-              </a:defRPr>
-            </a:lvl4pPr>
-            <a:lvl5pPr marL="2057400" indent="-228600" algn="l" defTabSz="914400" rtl="0" eaLnBrk="1" latinLnBrk="0" hangingPunct="1">
-              <a:lnSpc>
-                <a:spcPct val="90000"/>
-              </a:lnSpc>
-              <a:spcBef>
-                <a:spcPts val="500"/>
-              </a:spcBef>
-              <a:buFont typeface="Arial" panose="020B0604020202020204" pitchFamily="34" charset="0"/>
-              <a:buChar char="•"/>
-              <a:defRPr sz="1800" kern="1200">
-                <a:solidFill>
-                  <a:schemeClr val="tx1"/>
-                </a:solidFill>
-                <a:latin typeface="+mn-lt"/>
-                <a:ea typeface="+mn-ea"/>
-                <a:cs typeface="+mn-cs"/>
-              </a:defRPr>
-            </a:lvl5pPr>
-            <a:lvl6pPr marL="2514600" indent="-228600" algn="l" defTabSz="914400" rtl="0" eaLnBrk="1" latinLnBrk="0" hangingPunct="1">
-              <a:lnSpc>
-                <a:spcPct val="90000"/>
-              </a:lnSpc>
-              <a:spcBef>
-                <a:spcPts val="500"/>
-              </a:spcBef>
-              <a:buFont typeface="Arial" panose="020B0604020202020204" pitchFamily="34" charset="0"/>
-              <a:buChar char="•"/>
-              <a:defRPr sz="1800" kern="1200">
-                <a:solidFill>
-                  <a:schemeClr val="tx1"/>
-                </a:solidFill>
-                <a:latin typeface="+mn-lt"/>
-                <a:ea typeface="+mn-ea"/>
-                <a:cs typeface="+mn-cs"/>
-              </a:defRPr>
-            </a:lvl6pPr>
-            <a:lvl7pPr marL="2971800" indent="-228600" algn="l" defTabSz="914400" rtl="0" eaLnBrk="1" latinLnBrk="0" hangingPunct="1">
-              <a:lnSpc>
-                <a:spcPct val="90000"/>
-              </a:lnSpc>
-              <a:spcBef>
-                <a:spcPts val="500"/>
-              </a:spcBef>
-              <a:buFont typeface="Arial" panose="020B0604020202020204" pitchFamily="34" charset="0"/>
-              <a:buChar char="•"/>
-              <a:defRPr sz="1800" kern="1200">
-                <a:solidFill>
-                  <a:schemeClr val="tx1"/>
-                </a:solidFill>
-                <a:latin typeface="+mn-lt"/>
-                <a:ea typeface="+mn-ea"/>
-                <a:cs typeface="+mn-cs"/>
-              </a:defRPr>
-            </a:lvl7pPr>
-            <a:lvl8pPr marL="3429000" indent="-228600" algn="l" defTabSz="914400" rtl="0" eaLnBrk="1" latinLnBrk="0" hangingPunct="1">
-              <a:lnSpc>
-                <a:spcPct val="90000"/>
-              </a:lnSpc>
-              <a:spcBef>
-                <a:spcPts val="500"/>
-              </a:spcBef>
-              <a:buFont typeface="Arial" panose="020B0604020202020204" pitchFamily="34" charset="0"/>
-              <a:buChar char="•"/>
-              <a:defRPr sz="1800" kern="1200">
-                <a:solidFill>
-                  <a:schemeClr val="tx1"/>
-                </a:solidFill>
-                <a:latin typeface="+mn-lt"/>
-                <a:ea typeface="+mn-ea"/>
-                <a:cs typeface="+mn-cs"/>
-              </a:defRPr>
-            </a:lvl8pPr>
-            <a:lvl9pPr marL="3886200" indent="-228600" algn="l" defTabSz="914400" rtl="0" eaLnBrk="1" latinLnBrk="0" hangingPunct="1">
-              <a:lnSpc>
-                <a:spcPct val="90000"/>
-              </a:lnSpc>
-              <a:spcBef>
-                <a:spcPts val="500"/>
-              </a:spcBef>
-              <a:buFont typeface="Arial" panose="020B0604020202020204" pitchFamily="34" charset="0"/>
-              <a:buChar char="•"/>
-              <a:defRPr sz="1800" kern="1200">
-                <a:solidFill>
-                  <a:schemeClr val="tx1"/>
-                </a:solidFill>
-                <a:latin typeface="+mn-lt"/>
-                <a:ea typeface="+mn-ea"/>
-                <a:cs typeface="+mn-cs"/>
-              </a:defRPr>
-            </a:lvl9pPr>
-          </a:lstStyle>
-          <a:p>
-            <a:pPr marL="0" indent="0">
-              <a:buNone/>
-            </a:pPr>
+              <a:t>=   # color</a:t>
+            </a:r>
+          </a:p>
+          <a:p>
+            <a:pPr lvl="2"/>
+            <a:r>
+              <a:rPr lang="en-US" b="1" dirty="0" err="1"/>
+              <a:t>lwd</a:t>
+            </a:r>
             <a:r>
               <a:rPr lang="en-US" dirty="0"/>
-              <a:t>Create lines!</a:t>
-            </a:r>
-          </a:p>
-        </p:txBody>
-      </p:sp>
-      <p:sp>
-        <p:nvSpPr>
-          <p:cNvPr id="6" name="TextBox 5">
-            <a:extLst>
-              <a:ext uri="{FF2B5EF4-FFF2-40B4-BE49-F238E27FC236}">
-                <a16:creationId xmlns:a16="http://schemas.microsoft.com/office/drawing/2014/main" id="{9F719AE6-202B-4341-8C3C-0A1EB78CF39B}"/>
-              </a:ext>
-            </a:extLst>
-          </p:cNvPr>
-          <p:cNvSpPr txBox="1"/>
-          <p:nvPr/>
-        </p:nvSpPr>
-        <p:spPr>
-          <a:xfrm>
-            <a:off x="10163986" y="3312059"/>
-            <a:ext cx="276924" cy="400110"/>
-          </a:xfrm>
-          <a:prstGeom prst="rect">
-            <a:avLst/>
-          </a:prstGeom>
-          <a:noFill/>
-        </p:spPr>
-        <p:txBody>
-          <a:bodyPr wrap="square" rtlCol="0">
-            <a:spAutoFit/>
-          </a:bodyPr>
-          <a:lstStyle/>
-          <a:p>
-            <a:r>
-              <a:rPr lang="en-US" sz="2000" dirty="0">
-                <a:latin typeface="Consolas" panose="020B0609020204030204" pitchFamily="49" charset="0"/>
-              </a:rPr>
-              <a:t>+</a:t>
-            </a:r>
-            <a:endParaRPr lang="en-US" dirty="0"/>
+              <a:t>=   # line width</a:t>
+            </a:r>
+          </a:p>
+          <a:p>
+            <a:pPr lvl="2"/>
+            <a:r>
+              <a:rPr lang="en-US" b="1" dirty="0" err="1"/>
+              <a:t>lty</a:t>
+            </a:r>
+            <a:r>
+              <a:rPr lang="en-US" dirty="0"/>
+              <a:t>=   # line type</a:t>
+            </a:r>
+          </a:p>
+          <a:p>
+            <a:pPr lvl="2"/>
+            <a:r>
+              <a:rPr lang="en-US" b="1" dirty="0" err="1"/>
+              <a:t>xlab</a:t>
+            </a:r>
+            <a:r>
+              <a:rPr lang="en-US" dirty="0"/>
+              <a:t>=, </a:t>
+            </a:r>
+            <a:r>
+              <a:rPr lang="en-US" b="1" dirty="0" err="1"/>
+              <a:t>ylab</a:t>
+            </a:r>
+            <a:r>
+              <a:rPr lang="en-US" dirty="0"/>
+              <a:t>=, </a:t>
+            </a:r>
+            <a:r>
+              <a:rPr lang="en-US" b="1" dirty="0"/>
+              <a:t>main</a:t>
+            </a:r>
+            <a:r>
+              <a:rPr lang="en-US" dirty="0"/>
+              <a:t>=   # axis labels &amp; title</a:t>
+            </a:r>
           </a:p>
         </p:txBody>
       </p:sp>
     </p:spTree>
     <p:extLst>
       <p:ext uri="{BB962C8B-B14F-4D97-AF65-F5344CB8AC3E}">
-        <p14:creationId xmlns:p14="http://schemas.microsoft.com/office/powerpoint/2010/main" val="991509113"/>
+        <p14:creationId xmlns:p14="http://schemas.microsoft.com/office/powerpoint/2010/main" val="958894206"/>
       </p:ext>
     </p:extLst>
   </p:cSld>
   <p:clrMapOvr>
     <a:masterClrMapping/>
   </p:clrMapOvr>
-  <p:timing>
-    <p:tnLst>
-      <p:par>
-        <p:cTn id="1" dur="indefinite" restart="never" nodeType="tmRoot">
-          <p:childTnLst>
-            <p:seq concurrent="1" nextAc="seek">
-              <p:cTn id="2" dur="indefinite" nodeType="mainSeq">
-                <p:childTnLst>
-                  <p:par>
-                    <p:cTn id="3" fill="hold">
-                      <p:stCondLst>
-                        <p:cond delay="indefinite"/>
-                      </p:stCondLst>
-                      <p:childTnLst>
-                        <p:par>
-                          <p:cTn id="4" fill="hold">
-                            <p:stCondLst>
-                              <p:cond delay="0"/>
-                            </p:stCondLst>
-                            <p:childTnLst>
-                              <p:par>
-                                <p:cTn id="5" presetID="1" presetClass="entr" presetSubtype="0" fill="hold" nodeType="clickEffect">
-                                  <p:stCondLst>
-                                    <p:cond delay="0"/>
-                                  </p:stCondLst>
-                                  <p:childTnLst>
-                                    <p:set>
-                                      <p:cBhvr>
-                                        <p:cTn id="6" dur="1" fill="hold">
-                                          <p:stCondLst>
-                                            <p:cond delay="0"/>
-                                          </p:stCondLst>
-                                        </p:cTn>
-                                        <p:tgtEl>
-                                          <p:spTgt spid="3">
-                                            <p:txEl>
-                                              <p:pRg st="0" end="0"/>
-                                            </p:txEl>
-                                          </p:spTgt>
-                                        </p:tgtEl>
-                                        <p:attrNameLst>
-                                          <p:attrName>style.visibility</p:attrName>
-                                        </p:attrNameLst>
-                                      </p:cBhvr>
-                                      <p:to>
-                                        <p:strVal val="visible"/>
-                                      </p:to>
-                                    </p:set>
-                                  </p:childTnLst>
-                                </p:cTn>
-                              </p:par>
-                              <p:par>
-                                <p:cTn id="7" presetID="1" presetClass="entr" presetSubtype="0" fill="hold" nodeType="withEffect">
-                                  <p:stCondLst>
-                                    <p:cond delay="0"/>
-                                  </p:stCondLst>
-                                  <p:childTnLst>
-                                    <p:set>
-                                      <p:cBhvr>
-                                        <p:cTn id="8" dur="1" fill="hold">
-                                          <p:stCondLst>
-                                            <p:cond delay="0"/>
-                                          </p:stCondLst>
-                                        </p:cTn>
-                                        <p:tgtEl>
-                                          <p:spTgt spid="3">
-                                            <p:txEl>
-                                              <p:pRg st="1" end="1"/>
-                                            </p:txEl>
-                                          </p:spTgt>
-                                        </p:tgtEl>
-                                        <p:attrNameLst>
-                                          <p:attrName>style.visibility</p:attrName>
-                                        </p:attrNameLst>
-                                      </p:cBhvr>
-                                      <p:to>
-                                        <p:strVal val="visible"/>
-                                      </p:to>
-                                    </p:set>
-                                  </p:childTnLst>
-                                </p:cTn>
-                              </p:par>
-                            </p:childTnLst>
-                          </p:cTn>
-                        </p:par>
-                      </p:childTnLst>
-                    </p:cTn>
-                  </p:par>
-                  <p:par>
-                    <p:cTn id="9" fill="hold">
-                      <p:stCondLst>
-                        <p:cond delay="indefinite"/>
-                      </p:stCondLst>
-                      <p:childTnLst>
-                        <p:par>
-                          <p:cTn id="10" fill="hold">
-                            <p:stCondLst>
-                              <p:cond delay="0"/>
-                            </p:stCondLst>
-                            <p:childTnLst>
-                              <p:par>
-                                <p:cTn id="11" presetID="1" presetClass="entr" presetSubtype="0" fill="hold" nodeType="clickEffect">
-                                  <p:stCondLst>
-                                    <p:cond delay="0"/>
-                                  </p:stCondLst>
-                                  <p:childTnLst>
-                                    <p:set>
-                                      <p:cBhvr>
-                                        <p:cTn id="12" dur="1" fill="hold">
-                                          <p:stCondLst>
-                                            <p:cond delay="0"/>
-                                          </p:stCondLst>
-                                        </p:cTn>
-                                        <p:tgtEl>
-                                          <p:spTgt spid="5">
-                                            <p:txEl>
-                                              <p:pRg st="0" end="0"/>
-                                            </p:txEl>
-                                          </p:spTgt>
-                                        </p:tgtEl>
-                                        <p:attrNameLst>
-                                          <p:attrName>style.visibility</p:attrName>
-                                        </p:attrNameLst>
-                                      </p:cBhvr>
-                                      <p:to>
-                                        <p:strVal val="visible"/>
-                                      </p:to>
-                                    </p:set>
-                                  </p:childTnLst>
-                                </p:cTn>
-                              </p:par>
-                            </p:childTnLst>
-                          </p:cTn>
-                        </p:par>
-                      </p:childTnLst>
-                    </p:cTn>
-                  </p:par>
-                  <p:par>
-                    <p:cTn id="13" fill="hold">
-                      <p:stCondLst>
-                        <p:cond delay="indefinite"/>
-                      </p:stCondLst>
-                      <p:childTnLst>
-                        <p:par>
-                          <p:cTn id="14" fill="hold">
-                            <p:stCondLst>
-                              <p:cond delay="0"/>
-                            </p:stCondLst>
-                            <p:childTnLst>
-                              <p:par>
-                                <p:cTn id="15" presetID="1" presetClass="entr" presetSubtype="0" fill="hold" nodeType="clickEffect">
-                                  <p:stCondLst>
-                                    <p:cond delay="0"/>
-                                  </p:stCondLst>
-                                  <p:childTnLst>
-                                    <p:set>
-                                      <p:cBhvr>
-                                        <p:cTn id="16" dur="1" fill="hold">
-                                          <p:stCondLst>
-                                            <p:cond delay="0"/>
-                                          </p:stCondLst>
-                                        </p:cTn>
-                                        <p:tgtEl>
-                                          <p:spTgt spid="3">
-                                            <p:txEl>
-                                              <p:pRg st="2" end="2"/>
-                                            </p:txEl>
-                                          </p:spTgt>
-                                        </p:tgtEl>
-                                        <p:attrNameLst>
-                                          <p:attrName>style.visibility</p:attrName>
-                                        </p:attrNameLst>
-                                      </p:cBhvr>
-                                      <p:to>
-                                        <p:strVal val="visible"/>
-                                      </p:to>
-                                    </p:set>
-                                  </p:childTnLst>
-                                </p:cTn>
-                              </p:par>
-                              <p:par>
-                                <p:cTn id="17" presetID="1" presetClass="entr" presetSubtype="0" fill="hold" grpId="0" nodeType="withEffect">
-                                  <p:stCondLst>
-                                    <p:cond delay="0"/>
-                                  </p:stCondLst>
-                                  <p:childTnLst>
-                                    <p:set>
-                                      <p:cBhvr>
-                                        <p:cTn id="18" dur="1" fill="hold">
-                                          <p:stCondLst>
-                                            <p:cond delay="0"/>
-                                          </p:stCondLst>
-                                        </p:cTn>
-                                        <p:tgtEl>
-                                          <p:spTgt spid="6"/>
-                                        </p:tgtEl>
-                                        <p:attrNameLst>
-                                          <p:attrName>style.visibility</p:attrName>
-                                        </p:attrNameLst>
-                                      </p:cBhvr>
-                                      <p:to>
-                                        <p:strVal val="visible"/>
-                                      </p:to>
-                                    </p:set>
-                                  </p:childTnLst>
-                                </p:cTn>
-                              </p:par>
-                            </p:childTnLst>
-                          </p:cTn>
-                        </p:par>
-                      </p:childTnLst>
-                    </p:cTn>
-                  </p:par>
-                  <p:par>
-                    <p:cTn id="19" fill="hold">
-                      <p:stCondLst>
-                        <p:cond delay="indefinite"/>
-                      </p:stCondLst>
-                      <p:childTnLst>
-                        <p:par>
-                          <p:cTn id="20" fill="hold">
-                            <p:stCondLst>
-                              <p:cond delay="0"/>
-                            </p:stCondLst>
-                            <p:childTnLst>
-                              <p:par>
-                                <p:cTn id="21" presetID="1" presetClass="entr" presetSubtype="0" fill="hold" nodeType="clickEffect">
-                                  <p:stCondLst>
-                                    <p:cond delay="0"/>
-                                  </p:stCondLst>
-                                  <p:childTnLst>
-                                    <p:set>
-                                      <p:cBhvr>
-                                        <p:cTn id="22" dur="1" fill="hold">
-                                          <p:stCondLst>
-                                            <p:cond delay="0"/>
-                                          </p:stCondLst>
-                                        </p:cTn>
-                                        <p:tgtEl>
-                                          <p:spTgt spid="3">
-                                            <p:txEl>
-                                              <p:pRg st="3" end="3"/>
-                                            </p:txEl>
-                                          </p:spTgt>
-                                        </p:tgtEl>
-                                        <p:attrNameLst>
-                                          <p:attrName>style.visibility</p:attrName>
-                                        </p:attrNameLst>
-                                      </p:cBhvr>
-                                      <p:to>
-                                        <p:strVal val="visible"/>
-                                      </p:to>
-                                    </p:set>
-                                  </p:childTnLst>
-                                </p:cTn>
-                              </p:par>
-                              <p:par>
-                                <p:cTn id="23" presetID="1" presetClass="entr" presetSubtype="0" fill="hold" nodeType="withEffect">
-                                  <p:stCondLst>
-                                    <p:cond delay="0"/>
-                                  </p:stCondLst>
-                                  <p:childTnLst>
-                                    <p:set>
-                                      <p:cBhvr>
-                                        <p:cTn id="24" dur="1" fill="hold">
-                                          <p:stCondLst>
-                                            <p:cond delay="0"/>
-                                          </p:stCondLst>
-                                        </p:cTn>
-                                        <p:tgtEl>
-                                          <p:spTgt spid="5">
-                                            <p:txEl>
-                                              <p:pRg st="1" end="1"/>
-                                            </p:txEl>
-                                          </p:spTgt>
-                                        </p:tgtEl>
-                                        <p:attrNameLst>
-                                          <p:attrName>style.visibility</p:attrName>
-                                        </p:attrNameLst>
-                                      </p:cBhvr>
-                                      <p:to>
-                                        <p:strVal val="visible"/>
-                                      </p:to>
-                                    </p:set>
-                                  </p:childTnLst>
-                                </p:cTn>
-                              </p:par>
-                            </p:childTnLst>
-                          </p:cTn>
-                        </p:par>
-                      </p:childTnLst>
-                    </p:cTn>
-                  </p:par>
-                  <p:par>
-                    <p:cTn id="25" fill="hold">
-                      <p:stCondLst>
-                        <p:cond delay="indefinite"/>
-                      </p:stCondLst>
-                      <p:childTnLst>
-                        <p:par>
-                          <p:cTn id="26" fill="hold">
-                            <p:stCondLst>
-                              <p:cond delay="0"/>
-                            </p:stCondLst>
-                            <p:childTnLst>
-                              <p:par>
-                                <p:cTn id="27" presetID="1" presetClass="entr" presetSubtype="0" fill="hold" nodeType="clickEffect">
-                                  <p:stCondLst>
-                                    <p:cond delay="0"/>
-                                  </p:stCondLst>
-                                  <p:childTnLst>
-                                    <p:set>
-                                      <p:cBhvr>
-                                        <p:cTn id="28" dur="1" fill="hold">
-                                          <p:stCondLst>
-                                            <p:cond delay="0"/>
-                                          </p:stCondLst>
-                                        </p:cTn>
-                                        <p:tgtEl>
-                                          <p:spTgt spid="3">
-                                            <p:txEl>
-                                              <p:pRg st="4" end="4"/>
-                                            </p:txEl>
-                                          </p:spTgt>
-                                        </p:tgtEl>
-                                        <p:attrNameLst>
-                                          <p:attrName>style.visibility</p:attrName>
-                                        </p:attrNameLst>
-                                      </p:cBhvr>
-                                      <p:to>
-                                        <p:strVal val="visible"/>
-                                      </p:to>
-                                    </p:set>
-                                  </p:childTnLst>
-                                </p:cTn>
-                              </p:par>
-                              <p:par>
-                                <p:cTn id="29" presetID="1" presetClass="entr" presetSubtype="0" fill="hold" nodeType="withEffect">
-                                  <p:stCondLst>
-                                    <p:cond delay="0"/>
-                                  </p:stCondLst>
-                                  <p:childTnLst>
-                                    <p:set>
-                                      <p:cBhvr>
-                                        <p:cTn id="30" dur="1" fill="hold">
-                                          <p:stCondLst>
-                                            <p:cond delay="0"/>
-                                          </p:stCondLst>
-                                        </p:cTn>
-                                        <p:tgtEl>
-                                          <p:spTgt spid="3">
-                                            <p:txEl>
-                                              <p:pRg st="5" end="5"/>
-                                            </p:txEl>
-                                          </p:spTgt>
-                                        </p:tgtEl>
-                                        <p:attrNameLst>
-                                          <p:attrName>style.visibility</p:attrName>
-                                        </p:attrNameLst>
-                                      </p:cBhvr>
-                                      <p:to>
-                                        <p:strVal val="visible"/>
-                                      </p:to>
-                                    </p:set>
-                                  </p:childTnLst>
-                                </p:cTn>
-                              </p:par>
-                              <p:par>
-                                <p:cTn id="31" presetID="1" presetClass="entr" presetSubtype="0" fill="hold" nodeType="withEffect">
-                                  <p:stCondLst>
-                                    <p:cond delay="0"/>
-                                  </p:stCondLst>
-                                  <p:childTnLst>
-                                    <p:set>
-                                      <p:cBhvr>
-                                        <p:cTn id="32" dur="1" fill="hold">
-                                          <p:stCondLst>
-                                            <p:cond delay="0"/>
-                                          </p:stCondLst>
-                                        </p:cTn>
-                                        <p:tgtEl>
-                                          <p:spTgt spid="5">
-                                            <p:txEl>
-                                              <p:pRg st="2" end="2"/>
-                                            </p:txEl>
-                                          </p:spTgt>
-                                        </p:tgtEl>
-                                        <p:attrNameLst>
-                                          <p:attrName>style.visibility</p:attrName>
-                                        </p:attrNameLst>
-                                      </p:cBhvr>
-                                      <p:to>
-                                        <p:strVal val="visible"/>
-                                      </p:to>
-                                    </p:set>
-                                  </p:childTnLst>
-                                </p:cTn>
-                              </p:par>
-                            </p:childTnLst>
-                          </p:cTn>
-                        </p:par>
-                      </p:childTnLst>
-                    </p:cTn>
-                  </p:par>
-                  <p:par>
-                    <p:cTn id="33" fill="hold">
-                      <p:stCondLst>
-                        <p:cond delay="indefinite"/>
-                      </p:stCondLst>
-                      <p:childTnLst>
-                        <p:par>
-                          <p:cTn id="34" fill="hold">
-                            <p:stCondLst>
-                              <p:cond delay="0"/>
-                            </p:stCondLst>
-                            <p:childTnLst>
-                              <p:par>
-                                <p:cTn id="35" presetID="1" presetClass="entr" presetSubtype="0" fill="hold" nodeType="clickEffect">
-                                  <p:stCondLst>
-                                    <p:cond delay="0"/>
-                                  </p:stCondLst>
-                                  <p:childTnLst>
-                                    <p:set>
-                                      <p:cBhvr>
-                                        <p:cTn id="36" dur="1" fill="hold">
-                                          <p:stCondLst>
-                                            <p:cond delay="0"/>
-                                          </p:stCondLst>
-                                        </p:cTn>
-                                        <p:tgtEl>
-                                          <p:spTgt spid="3">
-                                            <p:txEl>
-                                              <p:pRg st="6" end="6"/>
-                                            </p:txEl>
-                                          </p:spTgt>
-                                        </p:tgtEl>
-                                        <p:attrNameLst>
-                                          <p:attrName>style.visibility</p:attrName>
-                                        </p:attrNameLst>
-                                      </p:cBhvr>
-                                      <p:to>
-                                        <p:strVal val="visible"/>
-                                      </p:to>
-                                    </p:set>
-                                  </p:childTnLst>
-                                </p:cTn>
-                              </p:par>
-                              <p:par>
-                                <p:cTn id="37" presetID="3" presetClass="emph" presetSubtype="2" fill="hold" nodeType="withEffect">
-                                  <p:stCondLst>
-                                    <p:cond delay="0"/>
-                                  </p:stCondLst>
-                                  <p:childTnLst>
-                                    <p:animClr clrSpc="rgb" dir="cw">
-                                      <p:cBhvr override="childStyle">
-                                        <p:cTn id="38" dur="500" fill="hold"/>
-                                        <p:tgtEl>
-                                          <p:spTgt spid="3">
-                                            <p:txEl>
-                                              <p:pRg st="0" end="0"/>
-                                            </p:txEl>
-                                          </p:spTgt>
-                                        </p:tgtEl>
-                                        <p:attrNameLst>
-                                          <p:attrName>style.color</p:attrName>
-                                        </p:attrNameLst>
-                                      </p:cBhvr>
-                                      <p:to>
-                                        <a:srgbClr val="9D9D9D"/>
-                                      </p:to>
-                                    </p:animClr>
-                                  </p:childTnLst>
-                                </p:cTn>
-                              </p:par>
-                              <p:par>
-                                <p:cTn id="39" presetID="3" presetClass="emph" presetSubtype="2" fill="hold" nodeType="withEffect">
-                                  <p:stCondLst>
-                                    <p:cond delay="0"/>
-                                  </p:stCondLst>
-                                  <p:childTnLst>
-                                    <p:animClr clrSpc="rgb" dir="cw">
-                                      <p:cBhvr override="childStyle">
-                                        <p:cTn id="40" dur="500" fill="hold"/>
-                                        <p:tgtEl>
-                                          <p:spTgt spid="3">
-                                            <p:txEl>
-                                              <p:pRg st="1" end="1"/>
-                                            </p:txEl>
-                                          </p:spTgt>
-                                        </p:tgtEl>
-                                        <p:attrNameLst>
-                                          <p:attrName>style.color</p:attrName>
-                                        </p:attrNameLst>
-                                      </p:cBhvr>
-                                      <p:to>
-                                        <a:srgbClr val="9D9D9D"/>
-                                      </p:to>
-                                    </p:animClr>
-                                  </p:childTnLst>
-                                </p:cTn>
-                              </p:par>
-                              <p:par>
-                                <p:cTn id="41" presetID="3" presetClass="emph" presetSubtype="2" fill="hold" nodeType="withEffect">
-                                  <p:stCondLst>
-                                    <p:cond delay="0"/>
-                                  </p:stCondLst>
-                                  <p:childTnLst>
-                                    <p:animClr clrSpc="rgb" dir="cw">
-                                      <p:cBhvr override="childStyle">
-                                        <p:cTn id="42" dur="500" fill="hold"/>
-                                        <p:tgtEl>
-                                          <p:spTgt spid="3">
-                                            <p:txEl>
-                                              <p:pRg st="2" end="2"/>
-                                            </p:txEl>
-                                          </p:spTgt>
-                                        </p:tgtEl>
-                                        <p:attrNameLst>
-                                          <p:attrName>style.color</p:attrName>
-                                        </p:attrNameLst>
-                                      </p:cBhvr>
-                                      <p:to>
-                                        <a:srgbClr val="9D9D9D"/>
-                                      </p:to>
-                                    </p:animClr>
-                                  </p:childTnLst>
-                                </p:cTn>
-                              </p:par>
-                              <p:par>
-                                <p:cTn id="43" presetID="3" presetClass="emph" presetSubtype="2" fill="hold" nodeType="withEffect">
-                                  <p:stCondLst>
-                                    <p:cond delay="0"/>
-                                  </p:stCondLst>
-                                  <p:childTnLst>
-                                    <p:animClr clrSpc="rgb" dir="cw">
-                                      <p:cBhvr override="childStyle">
-                                        <p:cTn id="44" dur="500" fill="hold"/>
-                                        <p:tgtEl>
-                                          <p:spTgt spid="3">
-                                            <p:txEl>
-                                              <p:pRg st="4" end="4"/>
-                                            </p:txEl>
-                                          </p:spTgt>
-                                        </p:tgtEl>
-                                        <p:attrNameLst>
-                                          <p:attrName>style.color</p:attrName>
-                                        </p:attrNameLst>
-                                      </p:cBhvr>
-                                      <p:to>
-                                        <a:srgbClr val="9D9D9D"/>
-                                      </p:to>
-                                    </p:animClr>
-                                  </p:childTnLst>
-                                </p:cTn>
-                              </p:par>
-                              <p:par>
-                                <p:cTn id="45" presetID="3" presetClass="emph" presetSubtype="2" fill="hold" nodeType="withEffect">
-                                  <p:stCondLst>
-                                    <p:cond delay="0"/>
-                                  </p:stCondLst>
-                                  <p:childTnLst>
-                                    <p:animClr clrSpc="rgb" dir="cw">
-                                      <p:cBhvr override="childStyle">
-                                        <p:cTn id="46" dur="500" fill="hold"/>
-                                        <p:tgtEl>
-                                          <p:spTgt spid="3">
-                                            <p:txEl>
-                                              <p:pRg st="5" end="5"/>
-                                            </p:txEl>
-                                          </p:spTgt>
-                                        </p:tgtEl>
-                                        <p:attrNameLst>
-                                          <p:attrName>style.color</p:attrName>
-                                        </p:attrNameLst>
-                                      </p:cBhvr>
-                                      <p:to>
-                                        <a:srgbClr val="9D9D9D"/>
-                                      </p:to>
-                                    </p:animClr>
-                                  </p:childTnLst>
-                                </p:cTn>
-                              </p:par>
-                              <p:par>
-                                <p:cTn id="47" presetID="3" presetClass="emph" presetSubtype="2" fill="hold" nodeType="withEffect">
-                                  <p:stCondLst>
-                                    <p:cond delay="0"/>
-                                  </p:stCondLst>
-                                  <p:childTnLst>
-                                    <p:animClr clrSpc="rgb" dir="cw">
-                                      <p:cBhvr override="childStyle">
-                                        <p:cTn id="48" dur="500" fill="hold"/>
-                                        <p:tgtEl>
-                                          <p:spTgt spid="3">
-                                            <p:txEl>
-                                              <p:pRg st="3" end="3"/>
-                                            </p:txEl>
-                                          </p:spTgt>
-                                        </p:tgtEl>
-                                        <p:attrNameLst>
-                                          <p:attrName>style.color</p:attrName>
-                                        </p:attrNameLst>
-                                      </p:cBhvr>
-                                      <p:to>
-                                        <a:srgbClr val="9D9D9D"/>
-                                      </p:to>
-                                    </p:animClr>
-                                  </p:childTnLst>
-                                </p:cTn>
-                              </p:par>
-                              <p:par>
-                                <p:cTn id="49" presetID="3" presetClass="emph" presetSubtype="2" fill="hold" nodeType="withEffect">
-                                  <p:stCondLst>
-                                    <p:cond delay="0"/>
-                                  </p:stCondLst>
-                                  <p:childTnLst>
-                                    <p:animClr clrSpc="rgb" dir="cw">
-                                      <p:cBhvr override="childStyle">
-                                        <p:cTn id="50" dur="500" fill="hold"/>
-                                        <p:tgtEl>
-                                          <p:spTgt spid="3">
-                                            <p:txEl>
-                                              <p:pRg st="6" end="6"/>
-                                            </p:txEl>
-                                          </p:spTgt>
-                                        </p:tgtEl>
-                                        <p:attrNameLst>
-                                          <p:attrName>style.color</p:attrName>
-                                        </p:attrNameLst>
-                                      </p:cBhvr>
-                                      <p:to>
-                                        <a:srgbClr val="9D9D9D"/>
-                                      </p:to>
-                                    </p:animClr>
-                                  </p:childTnLst>
-                                </p:cTn>
-                              </p:par>
-                            </p:childTnLst>
-                          </p:cTn>
-                        </p:par>
-                      </p:childTnLst>
-                    </p:cTn>
-                  </p:par>
-                  <p:par>
-                    <p:cTn id="51" fill="hold">
-                      <p:stCondLst>
-                        <p:cond delay="indefinite"/>
-                      </p:stCondLst>
-                      <p:childTnLst>
-                        <p:par>
-                          <p:cTn id="52" fill="hold">
-                            <p:stCondLst>
-                              <p:cond delay="0"/>
-                            </p:stCondLst>
-                            <p:childTnLst>
-                              <p:par>
-                                <p:cTn id="53" presetID="1" presetClass="entr" presetSubtype="0" fill="hold" nodeType="clickEffect">
-                                  <p:stCondLst>
-                                    <p:cond delay="0"/>
-                                  </p:stCondLst>
-                                  <p:childTnLst>
-                                    <p:set>
-                                      <p:cBhvr>
-                                        <p:cTn id="54" dur="1" fill="hold">
-                                          <p:stCondLst>
-                                            <p:cond delay="0"/>
-                                          </p:stCondLst>
-                                        </p:cTn>
-                                        <p:tgtEl>
-                                          <p:spTgt spid="10"/>
-                                        </p:tgtEl>
-                                        <p:attrNameLst>
-                                          <p:attrName>style.visibility</p:attrName>
-                                        </p:attrNameLst>
-                                      </p:cBhvr>
-                                      <p:to>
-                                        <p:strVal val="visible"/>
-                                      </p:to>
-                                    </p:set>
-                                  </p:childTnLst>
-                                </p:cTn>
-                              </p:par>
-                              <p:par>
-                                <p:cTn id="55" presetID="1" presetClass="entr" presetSubtype="0" fill="hold" grpId="0" nodeType="withEffect">
-                                  <p:stCondLst>
-                                    <p:cond delay="0"/>
-                                  </p:stCondLst>
-                                  <p:childTnLst>
-                                    <p:set>
-                                      <p:cBhvr>
-                                        <p:cTn id="56" dur="1" fill="hold">
-                                          <p:stCondLst>
-                                            <p:cond delay="0"/>
-                                          </p:stCondLst>
-                                        </p:cTn>
-                                        <p:tgtEl>
-                                          <p:spTgt spid="14"/>
-                                        </p:tgtEl>
-                                        <p:attrNameLst>
-                                          <p:attrName>style.visibility</p:attrName>
-                                        </p:attrNameLst>
-                                      </p:cBhvr>
-                                      <p:to>
-                                        <p:strVal val="visible"/>
-                                      </p:to>
-                                    </p:set>
-                                  </p:childTnLst>
-                                </p:cTn>
-                              </p:par>
-                            </p:childTnLst>
-                          </p:cTn>
-                        </p:par>
-                      </p:childTnLst>
-                    </p:cTn>
-                  </p:par>
-                  <p:par>
-                    <p:cTn id="57" fill="hold">
-                      <p:stCondLst>
-                        <p:cond delay="indefinite"/>
-                      </p:stCondLst>
-                      <p:childTnLst>
-                        <p:par>
-                          <p:cTn id="58" fill="hold">
-                            <p:stCondLst>
-                              <p:cond delay="0"/>
-                            </p:stCondLst>
-                            <p:childTnLst>
-                              <p:par>
-                                <p:cTn id="59" presetID="1" presetClass="entr" presetSubtype="0" fill="hold" nodeType="clickEffect">
-                                  <p:stCondLst>
-                                    <p:cond delay="0"/>
-                                  </p:stCondLst>
-                                  <p:childTnLst>
-                                    <p:set>
-                                      <p:cBhvr>
-                                        <p:cTn id="60" dur="1" fill="hold">
-                                          <p:stCondLst>
-                                            <p:cond delay="0"/>
-                                          </p:stCondLst>
-                                        </p:cTn>
-                                        <p:tgtEl>
-                                          <p:spTgt spid="11"/>
-                                        </p:tgtEl>
-                                        <p:attrNameLst>
-                                          <p:attrName>style.visibility</p:attrName>
-                                        </p:attrNameLst>
-                                      </p:cBhvr>
-                                      <p:to>
-                                        <p:strVal val="visible"/>
-                                      </p:to>
-                                    </p:set>
-                                  </p:childTnLst>
-                                </p:cTn>
-                              </p:par>
-                              <p:par>
-                                <p:cTn id="61" presetID="1" presetClass="entr" presetSubtype="0" fill="hold" grpId="0" nodeType="withEffect">
-                                  <p:stCondLst>
-                                    <p:cond delay="0"/>
-                                  </p:stCondLst>
-                                  <p:childTnLst>
-                                    <p:set>
-                                      <p:cBhvr>
-                                        <p:cTn id="62" dur="1" fill="hold">
-                                          <p:stCondLst>
-                                            <p:cond delay="0"/>
-                                          </p:stCondLst>
-                                        </p:cTn>
-                                        <p:tgtEl>
-                                          <p:spTgt spid="15"/>
-                                        </p:tgtEl>
-                                        <p:attrNameLst>
-                                          <p:attrName>style.visibility</p:attrName>
-                                        </p:attrNameLst>
-                                      </p:cBhvr>
-                                      <p:to>
-                                        <p:strVal val="visible"/>
-                                      </p:to>
-                                    </p:set>
-                                  </p:childTnLst>
-                                </p:cTn>
-                              </p:par>
-                            </p:childTnLst>
-                          </p:cTn>
-                        </p:par>
-                      </p:childTnLst>
-                    </p:cTn>
-                  </p:par>
-                  <p:par>
-                    <p:cTn id="63" fill="hold">
-                      <p:stCondLst>
-                        <p:cond delay="indefinite"/>
-                      </p:stCondLst>
-                      <p:childTnLst>
-                        <p:par>
-                          <p:cTn id="64" fill="hold">
-                            <p:stCondLst>
-                              <p:cond delay="0"/>
-                            </p:stCondLst>
-                            <p:childTnLst>
-                              <p:par>
-                                <p:cTn id="65" presetID="1" presetClass="entr" presetSubtype="0" fill="hold" nodeType="clickEffect">
-                                  <p:stCondLst>
-                                    <p:cond delay="0"/>
-                                  </p:stCondLst>
-                                  <p:childTnLst>
-                                    <p:set>
-                                      <p:cBhvr>
-                                        <p:cTn id="66" dur="1" fill="hold">
-                                          <p:stCondLst>
-                                            <p:cond delay="0"/>
-                                          </p:stCondLst>
-                                        </p:cTn>
-                                        <p:tgtEl>
-                                          <p:spTgt spid="18"/>
-                                        </p:tgtEl>
-                                        <p:attrNameLst>
-                                          <p:attrName>style.visibility</p:attrName>
-                                        </p:attrNameLst>
-                                      </p:cBhvr>
-                                      <p:to>
-                                        <p:strVal val="visible"/>
-                                      </p:to>
-                                    </p:set>
-                                  </p:childTnLst>
-                                </p:cTn>
-                              </p:par>
-                              <p:par>
-                                <p:cTn id="67" presetID="1" presetClass="entr" presetSubtype="0" fill="hold" grpId="0" nodeType="withEffect">
-                                  <p:stCondLst>
-                                    <p:cond delay="0"/>
-                                  </p:stCondLst>
-                                  <p:childTnLst>
-                                    <p:set>
-                                      <p:cBhvr>
-                                        <p:cTn id="68" dur="1" fill="hold">
-                                          <p:stCondLst>
-                                            <p:cond delay="0"/>
-                                          </p:stCondLst>
-                                        </p:cTn>
-                                        <p:tgtEl>
-                                          <p:spTgt spid="19"/>
-                                        </p:tgtEl>
-                                        <p:attrNameLst>
-                                          <p:attrName>style.visibility</p:attrName>
-                                        </p:attrNameLst>
-                                      </p:cBhvr>
-                                      <p:to>
-                                        <p:strVal val="visible"/>
-                                      </p:to>
-                                    </p:set>
-                                  </p:childTnLst>
-                                </p:cTn>
-                              </p:par>
-                            </p:childTnLst>
-                          </p:cTn>
-                        </p:par>
-                      </p:childTnLst>
-                    </p:cTn>
-                  </p:par>
-                </p:childTnLst>
-              </p:cTn>
-              <p:prevCondLst>
-                <p:cond evt="onPrev" delay="0">
-                  <p:tgtEl>
-                    <p:sldTgt/>
-                  </p:tgtEl>
-                </p:cond>
-              </p:prevCondLst>
-              <p:nextCondLst>
-                <p:cond evt="onNext" delay="0">
-                  <p:tgtEl>
-                    <p:sldTgt/>
-                  </p:tgtEl>
-                </p:cond>
-              </p:nextCondLst>
-            </p:seq>
-          </p:childTnLst>
-        </p:cTn>
-      </p:par>
-    </p:tnLst>
-    <p:bldLst>
-      <p:bldP spid="14" grpId="0"/>
-      <p:bldP spid="15" grpId="0"/>
-      <p:bldP spid="19" grpId="0"/>
-      <p:bldP spid="6" grpId="0"/>
-    </p:bldLst>
-  </p:timing>
 </p:sld>
 </file>
 
